--- a/ClassMaterials/Macros2/Macros 2.pptx
+++ b/ClassMaterials/Macros2/Macros 2.pptx
@@ -4,19 +4,21 @@
   <p:sldMasterIdLst>
     <p:sldMasterId id="2147483648" r:id="rId4"/>
   </p:sldMasterIdLst>
+  <p:notesMasterIdLst>
+    <p:notesMasterId r:id="rId16"/>
+  </p:notesMasterIdLst>
   <p:sldIdLst>
     <p:sldId id="256" r:id="rId5"/>
     <p:sldId id="267" r:id="rId6"/>
     <p:sldId id="257" r:id="rId7"/>
-    <p:sldId id="258" r:id="rId8"/>
-    <p:sldId id="262" r:id="rId9"/>
-    <p:sldId id="259" r:id="rId10"/>
-    <p:sldId id="260" r:id="rId11"/>
-    <p:sldId id="261" r:id="rId12"/>
-    <p:sldId id="263" r:id="rId13"/>
-    <p:sldId id="264" r:id="rId14"/>
-    <p:sldId id="265" r:id="rId15"/>
-    <p:sldId id="266" r:id="rId16"/>
+    <p:sldId id="268" r:id="rId8"/>
+    <p:sldId id="269" r:id="rId9"/>
+    <p:sldId id="270" r:id="rId10"/>
+    <p:sldId id="258" r:id="rId11"/>
+    <p:sldId id="262" r:id="rId12"/>
+    <p:sldId id="259" r:id="rId13"/>
+    <p:sldId id="260" r:id="rId14"/>
+    <p:sldId id="261" r:id="rId15"/>
   </p:sldIdLst>
   <p:sldSz cx="12192000" cy="6858000"/>
   <p:notesSz cx="6858000" cy="9144000"/>
@@ -486,6 +488,455 @@
 </pc:chgInfo>
 </file>
 
+<file path=ppt/notesMasters/notesMaster1.xml><?xml version="1.0" encoding="utf-8"?>
+<p:notesMaster xmlns:a="http://schemas.openxmlformats.org/drawingml/2006/main" xmlns:r="http://schemas.openxmlformats.org/officeDocument/2006/relationships" xmlns:p="http://schemas.openxmlformats.org/presentationml/2006/main">
+  <p:cSld>
+    <p:bg>
+      <p:bgRef idx="1001">
+        <a:schemeClr val="bg1"/>
+      </p:bgRef>
+    </p:bg>
+    <p:spTree>
+      <p:nvGrpSpPr>
+        <p:cNvPr id="1" name=""/>
+        <p:cNvGrpSpPr/>
+        <p:nvPr/>
+      </p:nvGrpSpPr>
+      <p:grpSpPr>
+        <a:xfrm>
+          <a:off x="0" y="0"/>
+          <a:ext cx="0" cy="0"/>
+          <a:chOff x="0" y="0"/>
+          <a:chExt cx="0" cy="0"/>
+        </a:xfrm>
+      </p:grpSpPr>
+      <p:sp>
+        <p:nvSpPr>
+          <p:cNvPr id="2" name="Header Placeholder 1"/>
+          <p:cNvSpPr>
+            <a:spLocks noGrp="1"/>
+          </p:cNvSpPr>
+          <p:nvPr>
+            <p:ph type="hdr" sz="quarter"/>
+          </p:nvPr>
+        </p:nvSpPr>
+        <p:spPr>
+          <a:xfrm>
+            <a:off x="0" y="0"/>
+            <a:ext cx="2971800" cy="458788"/>
+          </a:xfrm>
+          <a:prstGeom prst="rect">
+            <a:avLst/>
+          </a:prstGeom>
+        </p:spPr>
+        <p:txBody>
+          <a:bodyPr vert="horz" lIns="91440" tIns="45720" rIns="91440" bIns="45720" rtlCol="0"/>
+          <a:lstStyle>
+            <a:lvl1pPr algn="l">
+              <a:defRPr sz="1200"/>
+            </a:lvl1pPr>
+          </a:lstStyle>
+          <a:p>
+            <a:endParaRPr lang="en-US"/>
+          </a:p>
+        </p:txBody>
+      </p:sp>
+      <p:sp>
+        <p:nvSpPr>
+          <p:cNvPr id="3" name="Date Placeholder 2"/>
+          <p:cNvSpPr>
+            <a:spLocks noGrp="1"/>
+          </p:cNvSpPr>
+          <p:nvPr>
+            <p:ph type="dt" idx="1"/>
+          </p:nvPr>
+        </p:nvSpPr>
+        <p:spPr>
+          <a:xfrm>
+            <a:off x="3884613" y="0"/>
+            <a:ext cx="2971800" cy="458788"/>
+          </a:xfrm>
+          <a:prstGeom prst="rect">
+            <a:avLst/>
+          </a:prstGeom>
+        </p:spPr>
+        <p:txBody>
+          <a:bodyPr vert="horz" lIns="91440" tIns="45720" rIns="91440" bIns="45720" rtlCol="0"/>
+          <a:lstStyle>
+            <a:lvl1pPr algn="r">
+              <a:defRPr sz="1200"/>
+            </a:lvl1pPr>
+          </a:lstStyle>
+          <a:p>
+            <a:fld id="{CCE3B63A-6F9F-4ADB-85B1-22B171A73B7E}" type="datetimeFigureOut">
+              <a:rPr lang="en-US" smtClean="0"/>
+              <a:t>10/13/2024</a:t>
+            </a:fld>
+            <a:endParaRPr lang="en-US"/>
+          </a:p>
+        </p:txBody>
+      </p:sp>
+      <p:sp>
+        <p:nvSpPr>
+          <p:cNvPr id="4" name="Slide Image Placeholder 3"/>
+          <p:cNvSpPr>
+            <a:spLocks noGrp="1" noRot="1" noChangeAspect="1"/>
+          </p:cNvSpPr>
+          <p:nvPr>
+            <p:ph type="sldImg" idx="2"/>
+          </p:nvPr>
+        </p:nvSpPr>
+        <p:spPr>
+          <a:xfrm>
+            <a:off x="685800" y="1143000"/>
+            <a:ext cx="5486400" cy="3086100"/>
+          </a:xfrm>
+          <a:prstGeom prst="rect">
+            <a:avLst/>
+          </a:prstGeom>
+          <a:noFill/>
+          <a:ln w="12700">
+            <a:solidFill>
+              <a:prstClr val="black"/>
+            </a:solidFill>
+          </a:ln>
+        </p:spPr>
+        <p:txBody>
+          <a:bodyPr vert="horz" lIns="91440" tIns="45720" rIns="91440" bIns="45720" rtlCol="0" anchor="ctr"/>
+          <a:lstStyle/>
+          <a:p>
+            <a:endParaRPr lang="en-US"/>
+          </a:p>
+        </p:txBody>
+      </p:sp>
+      <p:sp>
+        <p:nvSpPr>
+          <p:cNvPr id="5" name="Notes Placeholder 4"/>
+          <p:cNvSpPr>
+            <a:spLocks noGrp="1"/>
+          </p:cNvSpPr>
+          <p:nvPr>
+            <p:ph type="body" sz="quarter" idx="3"/>
+          </p:nvPr>
+        </p:nvSpPr>
+        <p:spPr>
+          <a:xfrm>
+            <a:off x="685800" y="4400550"/>
+            <a:ext cx="5486400" cy="3600450"/>
+          </a:xfrm>
+          <a:prstGeom prst="rect">
+            <a:avLst/>
+          </a:prstGeom>
+        </p:spPr>
+        <p:txBody>
+          <a:bodyPr vert="horz" lIns="91440" tIns="45720" rIns="91440" bIns="45720" rtlCol="0"/>
+          <a:lstStyle/>
+          <a:p>
+            <a:pPr lvl="0"/>
+            <a:r>
+              <a:rPr lang="en-US"/>
+              <a:t>Edit Master text styles</a:t>
+            </a:r>
+          </a:p>
+          <a:p>
+            <a:pPr lvl="1"/>
+            <a:r>
+              <a:rPr lang="en-US"/>
+              <a:t>Second level</a:t>
+            </a:r>
+          </a:p>
+          <a:p>
+            <a:pPr lvl="2"/>
+            <a:r>
+              <a:rPr lang="en-US"/>
+              <a:t>Third level</a:t>
+            </a:r>
+          </a:p>
+          <a:p>
+            <a:pPr lvl="3"/>
+            <a:r>
+              <a:rPr lang="en-US"/>
+              <a:t>Fourth level</a:t>
+            </a:r>
+          </a:p>
+          <a:p>
+            <a:pPr lvl="4"/>
+            <a:r>
+              <a:rPr lang="en-US"/>
+              <a:t>Fifth level</a:t>
+            </a:r>
+          </a:p>
+        </p:txBody>
+      </p:sp>
+      <p:sp>
+        <p:nvSpPr>
+          <p:cNvPr id="6" name="Footer Placeholder 5"/>
+          <p:cNvSpPr>
+            <a:spLocks noGrp="1"/>
+          </p:cNvSpPr>
+          <p:nvPr>
+            <p:ph type="ftr" sz="quarter" idx="4"/>
+          </p:nvPr>
+        </p:nvSpPr>
+        <p:spPr>
+          <a:xfrm>
+            <a:off x="0" y="8685213"/>
+            <a:ext cx="2971800" cy="458787"/>
+          </a:xfrm>
+          <a:prstGeom prst="rect">
+            <a:avLst/>
+          </a:prstGeom>
+        </p:spPr>
+        <p:txBody>
+          <a:bodyPr vert="horz" lIns="91440" tIns="45720" rIns="91440" bIns="45720" rtlCol="0" anchor="b"/>
+          <a:lstStyle>
+            <a:lvl1pPr algn="l">
+              <a:defRPr sz="1200"/>
+            </a:lvl1pPr>
+          </a:lstStyle>
+          <a:p>
+            <a:endParaRPr lang="en-US"/>
+          </a:p>
+        </p:txBody>
+      </p:sp>
+      <p:sp>
+        <p:nvSpPr>
+          <p:cNvPr id="7" name="Slide Number Placeholder 6"/>
+          <p:cNvSpPr>
+            <a:spLocks noGrp="1"/>
+          </p:cNvSpPr>
+          <p:nvPr>
+            <p:ph type="sldNum" sz="quarter" idx="5"/>
+          </p:nvPr>
+        </p:nvSpPr>
+        <p:spPr>
+          <a:xfrm>
+            <a:off x="3884613" y="8685213"/>
+            <a:ext cx="2971800" cy="458787"/>
+          </a:xfrm>
+          <a:prstGeom prst="rect">
+            <a:avLst/>
+          </a:prstGeom>
+        </p:spPr>
+        <p:txBody>
+          <a:bodyPr vert="horz" lIns="91440" tIns="45720" rIns="91440" bIns="45720" rtlCol="0" anchor="b"/>
+          <a:lstStyle>
+            <a:lvl1pPr algn="r">
+              <a:defRPr sz="1200"/>
+            </a:lvl1pPr>
+          </a:lstStyle>
+          <a:p>
+            <a:fld id="{4BBAAA77-3150-4A0D-BFAE-CD5D87889BA1}" type="slidenum">
+              <a:rPr lang="en-US" smtClean="0"/>
+              <a:t>‹#›</a:t>
+            </a:fld>
+            <a:endParaRPr lang="en-US"/>
+          </a:p>
+        </p:txBody>
+      </p:sp>
+    </p:spTree>
+    <p:extLst>
+      <p:ext uri="{BB962C8B-B14F-4D97-AF65-F5344CB8AC3E}">
+        <p14:creationId xmlns:p14="http://schemas.microsoft.com/office/powerpoint/2010/main" val="872230864"/>
+      </p:ext>
+    </p:extLst>
+  </p:cSld>
+  <p:clrMap bg1="lt1" tx1="dk1" bg2="lt2" tx2="dk2" accent1="accent1" accent2="accent2" accent3="accent3" accent4="accent4" accent5="accent5" accent6="accent6" hlink="hlink" folHlink="folHlink"/>
+  <p:notesStyle>
+    <a:lvl1pPr marL="0" algn="l" defTabSz="914400" rtl="0" eaLnBrk="1" latinLnBrk="0" hangingPunct="1">
+      <a:defRPr sz="1200" kern="1200">
+        <a:solidFill>
+          <a:schemeClr val="tx1"/>
+        </a:solidFill>
+        <a:latin typeface="+mn-lt"/>
+        <a:ea typeface="+mn-ea"/>
+        <a:cs typeface="+mn-cs"/>
+      </a:defRPr>
+    </a:lvl1pPr>
+    <a:lvl2pPr marL="457200" algn="l" defTabSz="914400" rtl="0" eaLnBrk="1" latinLnBrk="0" hangingPunct="1">
+      <a:defRPr sz="1200" kern="1200">
+        <a:solidFill>
+          <a:schemeClr val="tx1"/>
+        </a:solidFill>
+        <a:latin typeface="+mn-lt"/>
+        <a:ea typeface="+mn-ea"/>
+        <a:cs typeface="+mn-cs"/>
+      </a:defRPr>
+    </a:lvl2pPr>
+    <a:lvl3pPr marL="914400" algn="l" defTabSz="914400" rtl="0" eaLnBrk="1" latinLnBrk="0" hangingPunct="1">
+      <a:defRPr sz="1200" kern="1200">
+        <a:solidFill>
+          <a:schemeClr val="tx1"/>
+        </a:solidFill>
+        <a:latin typeface="+mn-lt"/>
+        <a:ea typeface="+mn-ea"/>
+        <a:cs typeface="+mn-cs"/>
+      </a:defRPr>
+    </a:lvl3pPr>
+    <a:lvl4pPr marL="1371600" algn="l" defTabSz="914400" rtl="0" eaLnBrk="1" latinLnBrk="0" hangingPunct="1">
+      <a:defRPr sz="1200" kern="1200">
+        <a:solidFill>
+          <a:schemeClr val="tx1"/>
+        </a:solidFill>
+        <a:latin typeface="+mn-lt"/>
+        <a:ea typeface="+mn-ea"/>
+        <a:cs typeface="+mn-cs"/>
+      </a:defRPr>
+    </a:lvl4pPr>
+    <a:lvl5pPr marL="1828800" algn="l" defTabSz="914400" rtl="0" eaLnBrk="1" latinLnBrk="0" hangingPunct="1">
+      <a:defRPr sz="1200" kern="1200">
+        <a:solidFill>
+          <a:schemeClr val="tx1"/>
+        </a:solidFill>
+        <a:latin typeface="+mn-lt"/>
+        <a:ea typeface="+mn-ea"/>
+        <a:cs typeface="+mn-cs"/>
+      </a:defRPr>
+    </a:lvl5pPr>
+    <a:lvl6pPr marL="2286000" algn="l" defTabSz="914400" rtl="0" eaLnBrk="1" latinLnBrk="0" hangingPunct="1">
+      <a:defRPr sz="1200" kern="1200">
+        <a:solidFill>
+          <a:schemeClr val="tx1"/>
+        </a:solidFill>
+        <a:latin typeface="+mn-lt"/>
+        <a:ea typeface="+mn-ea"/>
+        <a:cs typeface="+mn-cs"/>
+      </a:defRPr>
+    </a:lvl6pPr>
+    <a:lvl7pPr marL="2743200" algn="l" defTabSz="914400" rtl="0" eaLnBrk="1" latinLnBrk="0" hangingPunct="1">
+      <a:defRPr sz="1200" kern="1200">
+        <a:solidFill>
+          <a:schemeClr val="tx1"/>
+        </a:solidFill>
+        <a:latin typeface="+mn-lt"/>
+        <a:ea typeface="+mn-ea"/>
+        <a:cs typeface="+mn-cs"/>
+      </a:defRPr>
+    </a:lvl7pPr>
+    <a:lvl8pPr marL="3200400" algn="l" defTabSz="914400" rtl="0" eaLnBrk="1" latinLnBrk="0" hangingPunct="1">
+      <a:defRPr sz="1200" kern="1200">
+        <a:solidFill>
+          <a:schemeClr val="tx1"/>
+        </a:solidFill>
+        <a:latin typeface="+mn-lt"/>
+        <a:ea typeface="+mn-ea"/>
+        <a:cs typeface="+mn-cs"/>
+      </a:defRPr>
+    </a:lvl8pPr>
+    <a:lvl9pPr marL="3657600" algn="l" defTabSz="914400" rtl="0" eaLnBrk="1" latinLnBrk="0" hangingPunct="1">
+      <a:defRPr sz="1200" kern="1200">
+        <a:solidFill>
+          <a:schemeClr val="tx1"/>
+        </a:solidFill>
+        <a:latin typeface="+mn-lt"/>
+        <a:ea typeface="+mn-ea"/>
+        <a:cs typeface="+mn-cs"/>
+      </a:defRPr>
+    </a:lvl9pPr>
+  </p:notesStyle>
+</p:notesMaster>
+</file>
+
+<file path=ppt/notesSlides/notesSlide1.xml><?xml version="1.0" encoding="utf-8"?>
+<p:notes xmlns:a="http://schemas.openxmlformats.org/drawingml/2006/main" xmlns:r="http://schemas.openxmlformats.org/officeDocument/2006/relationships" xmlns:p="http://schemas.openxmlformats.org/presentationml/2006/main">
+  <p:cSld>
+    <p:spTree>
+      <p:nvGrpSpPr>
+        <p:cNvPr id="1" name=""/>
+        <p:cNvGrpSpPr/>
+        <p:nvPr/>
+      </p:nvGrpSpPr>
+      <p:grpSpPr>
+        <a:xfrm>
+          <a:off x="0" y="0"/>
+          <a:ext cx="0" cy="0"/>
+          <a:chOff x="0" y="0"/>
+          <a:chExt cx="0" cy="0"/>
+        </a:xfrm>
+      </p:grpSpPr>
+      <p:sp>
+        <p:nvSpPr>
+          <p:cNvPr id="2" name="Slide Image Placeholder 1"/>
+          <p:cNvSpPr>
+            <a:spLocks noGrp="1" noRot="1" noChangeAspect="1"/>
+          </p:cNvSpPr>
+          <p:nvPr>
+            <p:ph type="sldImg"/>
+          </p:nvPr>
+        </p:nvSpPr>
+        <p:spPr/>
+      </p:sp>
+      <p:sp>
+        <p:nvSpPr>
+          <p:cNvPr id="3" name="Notes Placeholder 2"/>
+          <p:cNvSpPr>
+            <a:spLocks noGrp="1"/>
+          </p:cNvSpPr>
+          <p:nvPr>
+            <p:ph type="body" idx="1"/>
+          </p:nvPr>
+        </p:nvSpPr>
+        <p:spPr/>
+        <p:txBody>
+          <a:bodyPr/>
+          <a:lstStyle/>
+          <a:p>
+            <a:r>
+              <a:rPr lang="en-US" dirty="0"/>
+              <a:t>It’s because </a:t>
+            </a:r>
+            <a:r>
+              <a:rPr lang="en-US"/>
+              <a:t>we repeatedly </a:t>
+            </a:r>
+            <a:r>
+              <a:rPr lang="en-US" dirty="0"/>
+              <a:t>eval </a:t>
+            </a:r>
+            <a:r>
+              <a:rPr lang="en-US" dirty="0" err="1"/>
+              <a:t>numExp</a:t>
+            </a:r>
+            <a:endParaRPr lang="en-US" dirty="0"/>
+          </a:p>
+        </p:txBody>
+      </p:sp>
+      <p:sp>
+        <p:nvSpPr>
+          <p:cNvPr id="4" name="Slide Number Placeholder 3"/>
+          <p:cNvSpPr>
+            <a:spLocks noGrp="1"/>
+          </p:cNvSpPr>
+          <p:nvPr>
+            <p:ph type="sldNum" sz="quarter" idx="5"/>
+          </p:nvPr>
+        </p:nvSpPr>
+        <p:spPr/>
+        <p:txBody>
+          <a:bodyPr/>
+          <a:lstStyle/>
+          <a:p>
+            <a:fld id="{A518B385-3378-4827-9582-BFC8C93E3163}" type="slidenum">
+              <a:rPr lang="en-US" smtClean="0"/>
+              <a:t>6</a:t>
+            </a:fld>
+            <a:endParaRPr lang="en-US"/>
+          </a:p>
+        </p:txBody>
+      </p:sp>
+    </p:spTree>
+    <p:extLst>
+      <p:ext uri="{BB962C8B-B14F-4D97-AF65-F5344CB8AC3E}">
+        <p14:creationId xmlns:p14="http://schemas.microsoft.com/office/powerpoint/2010/main" val="694463619"/>
+      </p:ext>
+    </p:extLst>
+  </p:cSld>
+  <p:clrMapOvr>
+    <a:masterClrMapping/>
+  </p:clrMapOvr>
+</p:notes>
+</file>
+
 <file path=ppt/slideLayouts/slideLayout1.xml><?xml version="1.0" encoding="utf-8"?>
 <p:sldLayout xmlns:a="http://schemas.openxmlformats.org/drawingml/2006/main" xmlns:r="http://schemas.openxmlformats.org/officeDocument/2006/relationships" xmlns:p="http://schemas.openxmlformats.org/presentationml/2006/main" type="title" preserve="1">
   <p:cSld name="Title Slide">
@@ -633,7 +1084,7 @@
           <a:p>
             <a:fld id="{648FFCB5-3900-45AA-AD1D-F54FBD060154}" type="datetimeFigureOut">
               <a:rPr lang="en-US" smtClean="0"/>
-              <a:t>6/26/2023</a:t>
+              <a:t>10/13/2024</a:t>
             </a:fld>
             <a:endParaRPr lang="en-US"/>
           </a:p>
@@ -831,7 +1282,7 @@
           <a:p>
             <a:fld id="{648FFCB5-3900-45AA-AD1D-F54FBD060154}" type="datetimeFigureOut">
               <a:rPr lang="en-US" smtClean="0"/>
-              <a:t>6/26/2023</a:t>
+              <a:t>10/13/2024</a:t>
             </a:fld>
             <a:endParaRPr lang="en-US"/>
           </a:p>
@@ -1039,7 +1490,7 @@
           <a:p>
             <a:fld id="{648FFCB5-3900-45AA-AD1D-F54FBD060154}" type="datetimeFigureOut">
               <a:rPr lang="en-US" smtClean="0"/>
-              <a:t>6/26/2023</a:t>
+              <a:t>10/13/2024</a:t>
             </a:fld>
             <a:endParaRPr lang="en-US"/>
           </a:p>
@@ -1237,7 +1688,7 @@
           <a:p>
             <a:fld id="{648FFCB5-3900-45AA-AD1D-F54FBD060154}" type="datetimeFigureOut">
               <a:rPr lang="en-US" smtClean="0"/>
-              <a:t>6/26/2023</a:t>
+              <a:t>10/13/2024</a:t>
             </a:fld>
             <a:endParaRPr lang="en-US"/>
           </a:p>
@@ -1512,7 +1963,7 @@
           <a:p>
             <a:fld id="{648FFCB5-3900-45AA-AD1D-F54FBD060154}" type="datetimeFigureOut">
               <a:rPr lang="en-US" smtClean="0"/>
-              <a:t>6/26/2023</a:t>
+              <a:t>10/13/2024</a:t>
             </a:fld>
             <a:endParaRPr lang="en-US"/>
           </a:p>
@@ -1777,7 +2228,7 @@
           <a:p>
             <a:fld id="{648FFCB5-3900-45AA-AD1D-F54FBD060154}" type="datetimeFigureOut">
               <a:rPr lang="en-US" smtClean="0"/>
-              <a:t>6/26/2023</a:t>
+              <a:t>10/13/2024</a:t>
             </a:fld>
             <a:endParaRPr lang="en-US"/>
           </a:p>
@@ -2189,7 +2640,7 @@
           <a:p>
             <a:fld id="{648FFCB5-3900-45AA-AD1D-F54FBD060154}" type="datetimeFigureOut">
               <a:rPr lang="en-US" smtClean="0"/>
-              <a:t>6/26/2023</a:t>
+              <a:t>10/13/2024</a:t>
             </a:fld>
             <a:endParaRPr lang="en-US"/>
           </a:p>
@@ -2330,7 +2781,7 @@
           <a:p>
             <a:fld id="{648FFCB5-3900-45AA-AD1D-F54FBD060154}" type="datetimeFigureOut">
               <a:rPr lang="en-US" smtClean="0"/>
-              <a:t>6/26/2023</a:t>
+              <a:t>10/13/2024</a:t>
             </a:fld>
             <a:endParaRPr lang="en-US"/>
           </a:p>
@@ -2443,7 +2894,7 @@
           <a:p>
             <a:fld id="{648FFCB5-3900-45AA-AD1D-F54FBD060154}" type="datetimeFigureOut">
               <a:rPr lang="en-US" smtClean="0"/>
-              <a:t>6/26/2023</a:t>
+              <a:t>10/13/2024</a:t>
             </a:fld>
             <a:endParaRPr lang="en-US"/>
           </a:p>
@@ -2754,7 +3205,7 @@
           <a:p>
             <a:fld id="{648FFCB5-3900-45AA-AD1D-F54FBD060154}" type="datetimeFigureOut">
               <a:rPr lang="en-US" smtClean="0"/>
-              <a:t>6/26/2023</a:t>
+              <a:t>10/13/2024</a:t>
             </a:fld>
             <a:endParaRPr lang="en-US"/>
           </a:p>
@@ -3042,7 +3493,7 @@
           <a:p>
             <a:fld id="{648FFCB5-3900-45AA-AD1D-F54FBD060154}" type="datetimeFigureOut">
               <a:rPr lang="en-US" smtClean="0"/>
-              <a:t>6/26/2023</a:t>
+              <a:t>10/13/2024</a:t>
             </a:fld>
             <a:endParaRPr lang="en-US"/>
           </a:p>
@@ -3283,7 +3734,7 @@
           <a:p>
             <a:fld id="{648FFCB5-3900-45AA-AD1D-F54FBD060154}" type="datetimeFigureOut">
               <a:rPr lang="en-US" smtClean="0"/>
-              <a:t>6/26/2023</a:t>
+              <a:t>10/13/2024</a:t>
             </a:fld>
             <a:endParaRPr lang="en-US"/>
           </a:p>
@@ -3783,42 +4234,203 @@
           <a:chExt cx="0" cy="0"/>
         </a:xfrm>
       </p:grpSpPr>
-      <p:pic>
-        <p:nvPicPr>
-          <p:cNvPr id="4" name="Picture 3">
-            <a:extLst>
-              <a:ext uri="{FF2B5EF4-FFF2-40B4-BE49-F238E27FC236}">
-                <a16:creationId xmlns:a16="http://schemas.microsoft.com/office/drawing/2014/main" id="{9C19BB13-A936-43C0-85CF-769A14FF6191}"/>
-              </a:ext>
-            </a:extLst>
-          </p:cNvPr>
-          <p:cNvPicPr>
-            <a:picLocks noChangeAspect="1"/>
-          </p:cNvPicPr>
-          <p:nvPr/>
-        </p:nvPicPr>
-        <p:blipFill>
-          <a:blip r:embed="rId2"/>
-          <a:stretch>
-            <a:fillRect/>
-          </a:stretch>
-        </p:blipFill>
+      <p:sp>
+        <p:nvSpPr>
+          <p:cNvPr id="2" name="Title 1">
+            <a:extLst>
+              <a:ext uri="{FF2B5EF4-FFF2-40B4-BE49-F238E27FC236}">
+                <a16:creationId xmlns:a16="http://schemas.microsoft.com/office/drawing/2014/main" id="{D06AC56F-C6DC-44C4-BF01-68F0F145FAAA}"/>
+              </a:ext>
+            </a:extLst>
+          </p:cNvPr>
+          <p:cNvSpPr>
+            <a:spLocks noGrp="1"/>
+          </p:cNvSpPr>
+          <p:nvPr>
+            <p:ph type="title"/>
+          </p:nvPr>
+        </p:nvSpPr>
+        <p:spPr/>
+        <p:txBody>
+          <a:bodyPr/>
+          <a:lstStyle/>
+          <a:p>
+            <a:r>
+              <a:rPr lang="en-US" dirty="0"/>
+              <a:t>Sometimes we want to capture</a:t>
+            </a:r>
+          </a:p>
+        </p:txBody>
+      </p:sp>
+      <p:sp>
+        <p:nvSpPr>
+          <p:cNvPr id="3" name="Content Placeholder 2">
+            <a:extLst>
+              <a:ext uri="{FF2B5EF4-FFF2-40B4-BE49-F238E27FC236}">
+                <a16:creationId xmlns:a16="http://schemas.microsoft.com/office/drawing/2014/main" id="{DFFC10AC-A57A-435D-B74E-F6F5353DEFD1}"/>
+              </a:ext>
+            </a:extLst>
+          </p:cNvPr>
+          <p:cNvSpPr>
+            <a:spLocks noGrp="1"/>
+          </p:cNvSpPr>
+          <p:nvPr>
+            <p:ph idx="1"/>
+          </p:nvPr>
+        </p:nvSpPr>
         <p:spPr>
           <a:xfrm>
-            <a:off x="693821" y="961281"/>
-            <a:ext cx="11561118" cy="4320582"/>
+            <a:off x="273132" y="1825625"/>
+            <a:ext cx="12029704" cy="4351338"/>
           </a:xfrm>
-          <a:prstGeom prst="rect">
-            <a:avLst/>
-          </a:prstGeom>
         </p:spPr>
-      </p:pic>
-      <p:sp>
-        <p:nvSpPr>
-          <p:cNvPr id="5" name="Rectangle 4">
-            <a:extLst>
-              <a:ext uri="{FF2B5EF4-FFF2-40B4-BE49-F238E27FC236}">
-                <a16:creationId xmlns:a16="http://schemas.microsoft.com/office/drawing/2014/main" id="{6090188E-1D69-422C-B99C-8B8346F07A4E}"/>
+        <p:txBody>
+          <a:bodyPr>
+            <a:normAutofit/>
+          </a:bodyPr>
+          <a:lstStyle/>
+          <a:p>
+            <a:pPr marL="0" indent="0">
+              <a:buNone/>
+            </a:pPr>
+            <a:r>
+              <a:rPr lang="en-US" sz="2400" dirty="0">
+                <a:latin typeface="Consolas" panose="020B0609020204030204" pitchFamily="49" charset="0"/>
+              </a:rPr>
+              <a:t>(define-syntax print-x</a:t>
+            </a:r>
+          </a:p>
+          <a:p>
+            <a:pPr marL="0" indent="0">
+              <a:buNone/>
+            </a:pPr>
+            <a:r>
+              <a:rPr lang="en-US" sz="2400" dirty="0">
+                <a:latin typeface="Consolas" panose="020B0609020204030204" pitchFamily="49" charset="0"/>
+              </a:rPr>
+              <a:t>  (lambda (</a:t>
+            </a:r>
+            <a:r>
+              <a:rPr lang="en-US" sz="2400" dirty="0" err="1">
+                <a:latin typeface="Consolas" panose="020B0609020204030204" pitchFamily="49" charset="0"/>
+              </a:rPr>
+              <a:t>stx</a:t>
+            </a:r>
+            <a:r>
+              <a:rPr lang="en-US" sz="2400" dirty="0">
+                <a:latin typeface="Consolas" panose="020B0609020204030204" pitchFamily="49" charset="0"/>
+              </a:rPr>
+              <a:t>)</a:t>
+            </a:r>
+          </a:p>
+          <a:p>
+            <a:pPr marL="0" indent="0">
+              <a:buNone/>
+            </a:pPr>
+            <a:r>
+              <a:rPr lang="en-US" sz="2400" dirty="0">
+                <a:latin typeface="Consolas" panose="020B0609020204030204" pitchFamily="49" charset="0"/>
+              </a:rPr>
+              <a:t>    (syntax-case </a:t>
+            </a:r>
+            <a:r>
+              <a:rPr lang="en-US" sz="2400" dirty="0" err="1">
+                <a:latin typeface="Consolas" panose="020B0609020204030204" pitchFamily="49" charset="0"/>
+              </a:rPr>
+              <a:t>stx</a:t>
+            </a:r>
+            <a:r>
+              <a:rPr lang="en-US" sz="2400" dirty="0">
+                <a:latin typeface="Consolas" panose="020B0609020204030204" pitchFamily="49" charset="0"/>
+              </a:rPr>
+              <a:t> ()</a:t>
+            </a:r>
+          </a:p>
+          <a:p>
+            <a:pPr marL="0" indent="0">
+              <a:buNone/>
+            </a:pPr>
+            <a:r>
+              <a:rPr lang="en-US" sz="2400" dirty="0">
+                <a:latin typeface="Consolas" panose="020B0609020204030204" pitchFamily="49" charset="0"/>
+              </a:rPr>
+              <a:t>      [(print-x) (with-syntax ([x-in-context (datum-&gt;syntax </a:t>
+            </a:r>
+            <a:r>
+              <a:rPr lang="en-US" sz="2400" dirty="0" err="1">
+                <a:latin typeface="Consolas" panose="020B0609020204030204" pitchFamily="49" charset="0"/>
+              </a:rPr>
+              <a:t>stx</a:t>
+            </a:r>
+            <a:r>
+              <a:rPr lang="en-US" sz="2400" dirty="0">
+                <a:latin typeface="Consolas" panose="020B0609020204030204" pitchFamily="49" charset="0"/>
+              </a:rPr>
+              <a:t> 'x)])</a:t>
+            </a:r>
+          </a:p>
+          <a:p>
+            <a:pPr marL="0" indent="0">
+              <a:buNone/>
+            </a:pPr>
+            <a:r>
+              <a:rPr lang="en-US" sz="2400" dirty="0">
+                <a:latin typeface="Consolas" panose="020B0609020204030204" pitchFamily="49" charset="0"/>
+              </a:rPr>
+              <a:t>                   #'(</a:t>
+            </a:r>
+            <a:r>
+              <a:rPr lang="en-US" sz="2400" dirty="0" err="1">
+                <a:latin typeface="Consolas" panose="020B0609020204030204" pitchFamily="49" charset="0"/>
+              </a:rPr>
+              <a:t>printf</a:t>
+            </a:r>
+            <a:r>
+              <a:rPr lang="en-US" sz="2400" dirty="0">
+                <a:latin typeface="Consolas" panose="020B0609020204030204" pitchFamily="49" charset="0"/>
+              </a:rPr>
+              <a:t> "x is ~</a:t>
+            </a:r>
+            <a:r>
+              <a:rPr lang="en-US" sz="2400" dirty="0" err="1">
+                <a:latin typeface="Consolas" panose="020B0609020204030204" pitchFamily="49" charset="0"/>
+              </a:rPr>
+              <a:t>s~n</a:t>
+            </a:r>
+            <a:r>
+              <a:rPr lang="en-US" sz="2400" dirty="0">
+                <a:latin typeface="Consolas" panose="020B0609020204030204" pitchFamily="49" charset="0"/>
+              </a:rPr>
+              <a:t>" x-in-context))])))</a:t>
+            </a:r>
+          </a:p>
+          <a:p>
+            <a:pPr marL="0" indent="0">
+              <a:buNone/>
+            </a:pPr>
+            <a:endParaRPr lang="en-US" sz="2400" dirty="0">
+              <a:latin typeface="Consolas" panose="020B0609020204030204" pitchFamily="49" charset="0"/>
+            </a:endParaRPr>
+          </a:p>
+          <a:p>
+            <a:pPr marL="0" indent="0">
+              <a:buNone/>
+            </a:pPr>
+            <a:r>
+              <a:rPr lang="en-US" sz="2400" dirty="0">
+                <a:latin typeface="Consolas" panose="020B0609020204030204" pitchFamily="49" charset="0"/>
+              </a:rPr>
+              <a:t>(let ((x 3)) (print-x))</a:t>
+            </a:r>
+          </a:p>
+        </p:txBody>
+      </p:sp>
+      <p:sp>
+        <p:nvSpPr>
+          <p:cNvPr id="4" name="Callout: Line 3">
+            <a:extLst>
+              <a:ext uri="{FF2B5EF4-FFF2-40B4-BE49-F238E27FC236}">
+                <a16:creationId xmlns:a16="http://schemas.microsoft.com/office/drawing/2014/main" id="{F4FC7380-7478-4DA7-8374-D304C7120702}"/>
               </a:ext>
             </a:extLst>
           </p:cNvPr>
@@ -3827,35 +4439,36 @@
         </p:nvSpPr>
         <p:spPr>
           <a:xfrm>
-            <a:off x="433137" y="782053"/>
-            <a:ext cx="3705726" cy="637673"/>
+            <a:off x="8311676" y="1234609"/>
+            <a:ext cx="3368233" cy="1182032"/>
           </a:xfrm>
-          <a:prstGeom prst="rect">
-            <a:avLst/>
+          <a:prstGeom prst="borderCallout1">
+            <a:avLst>
+              <a:gd name="adj1" fmla="val 101603"/>
+              <a:gd name="adj2" fmla="val 88726"/>
+              <a:gd name="adj3" fmla="val 169841"/>
+              <a:gd name="adj4" fmla="val 81853"/>
+            </a:avLst>
           </a:prstGeom>
-          <a:noFill/>
-          <a:ln w="57150" cap="flat" cmpd="sng" algn="ctr">
-            <a:solidFill>
-              <a:schemeClr val="accent2"/>
-            </a:solidFill>
-            <a:prstDash val="dash"/>
-            <a:round/>
-            <a:headEnd type="none" w="med" len="med"/>
-            <a:tailEnd type="none" w="med" len="med"/>
-          </a:ln>
+          <a:solidFill>
+            <a:schemeClr val="accent1">
+              <a:lumMod val="20000"/>
+              <a:lumOff val="80000"/>
+            </a:schemeClr>
+          </a:solidFill>
         </p:spPr>
         <p:style>
-          <a:lnRef idx="0">
-            <a:scrgbClr r="0" g="0" b="0"/>
+          <a:lnRef idx="2">
+            <a:schemeClr val="dk1"/>
           </a:lnRef>
-          <a:fillRef idx="0">
-            <a:scrgbClr r="0" g="0" b="0"/>
+          <a:fillRef idx="1">
+            <a:schemeClr val="lt1"/>
           </a:fillRef>
           <a:effectRef idx="0">
-            <a:scrgbClr r="0" g="0" b="0"/>
+            <a:schemeClr val="dk1"/>
           </a:effectRef>
           <a:fontRef idx="minor">
-            <a:schemeClr val="accent2"/>
+            <a:schemeClr val="dk1"/>
           </a:fontRef>
         </p:style>
         <p:txBody>
@@ -3863,14 +4476,75 @@
           <a:lstStyle/>
           <a:p>
             <a:pPr algn="ctr"/>
-            <a:endParaRPr lang="en-US"/>
+            <a:r>
+              <a:rPr lang="en-US" dirty="0"/>
+              <a:t>Put in the namespace of the transformed code, not the generated code</a:t>
+            </a:r>
+          </a:p>
+        </p:txBody>
+      </p:sp>
+      <p:sp>
+        <p:nvSpPr>
+          <p:cNvPr id="5" name="Callout: Line 4">
+            <a:extLst>
+              <a:ext uri="{FF2B5EF4-FFF2-40B4-BE49-F238E27FC236}">
+                <a16:creationId xmlns:a16="http://schemas.microsoft.com/office/drawing/2014/main" id="{FC433F22-5895-475A-A36A-78C5CE827612}"/>
+              </a:ext>
+            </a:extLst>
+          </p:cNvPr>
+          <p:cNvSpPr/>
+          <p:nvPr/>
+        </p:nvSpPr>
+        <p:spPr>
+          <a:xfrm>
+            <a:off x="6627558" y="4772760"/>
+            <a:ext cx="4209317" cy="850631"/>
+          </a:xfrm>
+          <a:prstGeom prst="borderCallout1">
+            <a:avLst>
+              <a:gd name="adj1" fmla="val 201"/>
+              <a:gd name="adj2" fmla="val 21957"/>
+              <a:gd name="adj3" fmla="val -86522"/>
+              <a:gd name="adj4" fmla="val -44640"/>
+            </a:avLst>
+          </a:prstGeom>
+          <a:solidFill>
+            <a:schemeClr val="accent1">
+              <a:lumMod val="20000"/>
+              <a:lumOff val="80000"/>
+            </a:schemeClr>
+          </a:solidFill>
+        </p:spPr>
+        <p:style>
+          <a:lnRef idx="2">
+            <a:schemeClr val="dk1"/>
+          </a:lnRef>
+          <a:fillRef idx="1">
+            <a:schemeClr val="lt1"/>
+          </a:fillRef>
+          <a:effectRef idx="0">
+            <a:schemeClr val="dk1"/>
+          </a:effectRef>
+          <a:fontRef idx="minor">
+            <a:schemeClr val="dk1"/>
+          </a:fontRef>
+        </p:style>
+        <p:txBody>
+          <a:bodyPr rtlCol="0" anchor="ctr"/>
+          <a:lstStyle/>
+          <a:p>
+            <a:pPr algn="ctr"/>
+            <a:r>
+              <a:rPr lang="en-US" dirty="0"/>
+              <a:t>Other values not specially constructed however, are still safe from capture</a:t>
+            </a:r>
           </a:p>
         </p:txBody>
       </p:sp>
     </p:spTree>
     <p:extLst>
       <p:ext uri="{BB962C8B-B14F-4D97-AF65-F5344CB8AC3E}">
-        <p14:creationId xmlns:p14="http://schemas.microsoft.com/office/powerpoint/2010/main" val="2837461296"/>
+        <p14:creationId xmlns:p14="http://schemas.microsoft.com/office/powerpoint/2010/main" val="4014141333"/>
       </p:ext>
     </p:extLst>
   </p:cSld>
@@ -3902,7 +4576,7 @@
           <p:cNvPr id="2" name="Title 1">
             <a:extLst>
               <a:ext uri="{FF2B5EF4-FFF2-40B4-BE49-F238E27FC236}">
-                <a16:creationId xmlns:a16="http://schemas.microsoft.com/office/drawing/2014/main" id="{8853E1C7-0058-4B58-A7C6-80DF0CD0167F}"/>
+                <a16:creationId xmlns:a16="http://schemas.microsoft.com/office/drawing/2014/main" id="{6AB62B88-2902-4412-BBDD-876C3337B320}"/>
               </a:ext>
             </a:extLst>
           </p:cNvPr>
@@ -3911,346 +4585,183 @@
           </p:cNvSpPr>
           <p:nvPr>
             <p:ph type="title"/>
+          </p:nvPr>
+        </p:nvSpPr>
+        <p:spPr/>
+        <p:txBody>
+          <a:bodyPr/>
+          <a:lstStyle/>
+          <a:p>
+            <a:r>
+              <a:rPr lang="en-US" dirty="0"/>
+              <a:t>Activity if-it</a:t>
+            </a:r>
+          </a:p>
+        </p:txBody>
+      </p:sp>
+      <p:sp>
+        <p:nvSpPr>
+          <p:cNvPr id="3" name="Content Placeholder 2">
+            <a:extLst>
+              <a:ext uri="{FF2B5EF4-FFF2-40B4-BE49-F238E27FC236}">
+                <a16:creationId xmlns:a16="http://schemas.microsoft.com/office/drawing/2014/main" id="{0028535B-BBC3-4547-8508-DF51D52C1C72}"/>
+              </a:ext>
+            </a:extLst>
+          </p:cNvPr>
+          <p:cNvSpPr>
+            <a:spLocks noGrp="1"/>
+          </p:cNvSpPr>
+          <p:nvPr>
+            <p:ph idx="1"/>
           </p:nvPr>
         </p:nvSpPr>
         <p:spPr>
           <a:xfrm>
-            <a:off x="324853" y="365125"/>
-            <a:ext cx="11514221" cy="1325563"/>
+            <a:off x="0" y="1564368"/>
+            <a:ext cx="11709070" cy="4351338"/>
           </a:xfrm>
         </p:spPr>
         <p:txBody>
           <a:bodyPr/>
           <a:lstStyle/>
           <a:p>
+            <a:pPr marL="0" indent="0">
+              <a:spcAft>
+                <a:spcPts val="600"/>
+              </a:spcAft>
+              <a:buNone/>
+            </a:pPr>
             <a:r>
               <a:rPr lang="en-US" dirty="0"/>
-              <a:t>Some things are best computed at expansion time</a:t>
-            </a:r>
-          </a:p>
-        </p:txBody>
-      </p:sp>
-      <p:sp>
-        <p:nvSpPr>
-          <p:cNvPr id="3" name="Content Placeholder 2">
-            <a:extLst>
-              <a:ext uri="{FF2B5EF4-FFF2-40B4-BE49-F238E27FC236}">
-                <a16:creationId xmlns:a16="http://schemas.microsoft.com/office/drawing/2014/main" id="{B901D971-5697-41BF-9D99-632D8CC3080B}"/>
-              </a:ext>
-            </a:extLst>
-          </p:cNvPr>
-          <p:cNvSpPr>
-            <a:spLocks noGrp="1"/>
-          </p:cNvSpPr>
-          <p:nvPr>
-            <p:ph idx="1"/>
-          </p:nvPr>
-        </p:nvSpPr>
-        <p:spPr>
-          <a:xfrm>
-            <a:off x="120316" y="1825625"/>
-            <a:ext cx="11718758" cy="4667250"/>
-          </a:xfrm>
-        </p:spPr>
-        <p:txBody>
-          <a:bodyPr>
-            <a:normAutofit fontScale="70000" lnSpcReduction="20000"/>
-          </a:bodyPr>
-          <a:lstStyle/>
+              <a:t>Sometimes we want to use the value of an if test</a:t>
+            </a:r>
+          </a:p>
           <a:p>
             <a:pPr marL="0" indent="0">
+              <a:spcAft>
+                <a:spcPts val="600"/>
+              </a:spcAft>
               <a:buNone/>
             </a:pPr>
             <a:r>
-              <a:rPr lang="en-US" sz="3400" dirty="0"/>
-              <a:t>Consider a situation is which we want to have a bunch of numbers corresponding to different types or states or whatever.  Vanilla might be 1 Chocolate might be 2, etc.  The key here is each unique thing must have a unique number, but we don’t care what the number is.</a:t>
+              <a:rPr lang="en-US" sz="2400" dirty="0">
+                <a:latin typeface="Consolas" panose="020B0609020204030204" pitchFamily="49" charset="0"/>
+              </a:rPr>
+              <a:t>(if (do-big-calculation 100) (+ 1 (do-big-calculation 100)) #failed)</a:t>
             </a:r>
           </a:p>
           <a:p>
             <a:pPr marL="0" indent="0">
+              <a:spcAft>
+                <a:spcPts val="600"/>
+              </a:spcAft>
               <a:buNone/>
             </a:pPr>
-            <a:endParaRPr lang="en-US" sz="3400" dirty="0"/>
+            <a:r>
+              <a:rPr lang="en-US" sz="2400" dirty="0"/>
+              <a:t>What if we had a variant of if that bound the test to a variable “it”.  The equivalent of:</a:t>
+            </a:r>
           </a:p>
           <a:p>
             <a:pPr marL="0" indent="0">
+              <a:spcAft>
+                <a:spcPts val="600"/>
+              </a:spcAft>
               <a:buNone/>
             </a:pPr>
             <a:r>
-              <a:rPr lang="en-US" sz="3400" dirty="0"/>
-              <a:t>We could have a global list and function (get-key ‘vanilla) that will return the key for vanilla (and add it to the list and give it an unused number if it needs to).  But this can be </a:t>
-            </a:r>
-            <a:r>
-              <a:rPr lang="en-US" sz="3400" dirty="0" err="1"/>
-              <a:t>kinda</a:t>
-            </a:r>
-            <a:r>
-              <a:rPr lang="en-US" sz="3400" dirty="0"/>
-              <a:t> inefficient:</a:t>
+              <a:rPr lang="en-US" sz="2400" dirty="0">
+                <a:latin typeface="Consolas" panose="020B0609020204030204" pitchFamily="49" charset="0"/>
+              </a:rPr>
+              <a:t>(let ((it (do-big-calculation 100)) (if it (+ 1 it) #failed))</a:t>
             </a:r>
           </a:p>
           <a:p>
             <a:pPr marL="0" indent="0">
+              <a:spcAft>
+                <a:spcPts val="600"/>
+              </a:spcAft>
               <a:buNone/>
             </a:pPr>
-            <a:endParaRPr lang="en-US" dirty="0"/>
+            <a:r>
+              <a:rPr lang="en-US" sz="2400" dirty="0"/>
+              <a:t>But without having to explicitly do the let</a:t>
+            </a:r>
           </a:p>
           <a:p>
             <a:pPr marL="0" indent="0">
+              <a:spcAft>
+                <a:spcPts val="600"/>
+              </a:spcAft>
               <a:buNone/>
             </a:pPr>
             <a:r>
-              <a:rPr lang="en-US" dirty="0">
-                <a:latin typeface="Consolas" panose="020B0609020204030204" pitchFamily="49" charset="0"/>
-              </a:rPr>
-              <a:t> (define has-null-keys?</a:t>
+              <a:rPr lang="en-US" sz="2400" dirty="0">
+                <a:latin typeface="Consolas" panose="020B0609020204030204" pitchFamily="49" charset="0"/>
+              </a:rPr>
+              <a:t>(if (do-big-calculation 100) (+ 1 it) #failed)</a:t>
             </a:r>
           </a:p>
           <a:p>
             <a:pPr marL="0" indent="0">
+              <a:spcAft>
+                <a:spcPts val="600"/>
+              </a:spcAft>
               <a:buNone/>
             </a:pPr>
             <a:r>
-              <a:rPr lang="en-US" dirty="0">
-                <a:latin typeface="Consolas" panose="020B0609020204030204" pitchFamily="49" charset="0"/>
-              </a:rPr>
-              <a:t>  (lambda (</a:t>
-            </a:r>
-            <a:r>
-              <a:rPr lang="en-US" dirty="0" err="1">
-                <a:latin typeface="Consolas" panose="020B0609020204030204" pitchFamily="49" charset="0"/>
-              </a:rPr>
-              <a:t>lst</a:t>
-            </a:r>
-            <a:r>
-              <a:rPr lang="en-US" dirty="0">
-                <a:latin typeface="Consolas" panose="020B0609020204030204" pitchFamily="49" charset="0"/>
-              </a:rPr>
-              <a:t>)</a:t>
+              <a:rPr lang="en-US" sz="2400" dirty="0"/>
+              <a:t>Hint: You’ll want to define it similar to the way we did x in the example.</a:t>
             </a:r>
           </a:p>
           <a:p>
             <a:pPr marL="0" indent="0">
+              <a:spcAft>
+                <a:spcPts val="600"/>
+              </a:spcAft>
               <a:buNone/>
             </a:pPr>
-            <a:r>
-              <a:rPr lang="en-US" dirty="0">
-                <a:latin typeface="Consolas" panose="020B0609020204030204" pitchFamily="49" charset="0"/>
-              </a:rPr>
-              <a:t>    (if (null? </a:t>
-            </a:r>
-            <a:r>
-              <a:rPr lang="en-US" dirty="0" err="1">
-                <a:latin typeface="Consolas" panose="020B0609020204030204" pitchFamily="49" charset="0"/>
-              </a:rPr>
-              <a:t>lst</a:t>
-            </a:r>
-            <a:r>
-              <a:rPr lang="en-US" dirty="0">
-                <a:latin typeface="Consolas" panose="020B0609020204030204" pitchFamily="49" charset="0"/>
-              </a:rPr>
-              <a:t>)</a:t>
-            </a:r>
+            <a:endParaRPr lang="en-US" sz="2400" dirty="0"/>
           </a:p>
           <a:p>
             <a:pPr marL="0" indent="0">
+              <a:spcAft>
+                <a:spcPts val="600"/>
+              </a:spcAft>
               <a:buNone/>
             </a:pPr>
-            <a:r>
-              <a:rPr lang="en-US" dirty="0">
-                <a:latin typeface="Consolas" panose="020B0609020204030204" pitchFamily="49" charset="0"/>
-              </a:rPr>
-              <a:t>        #f</a:t>
-            </a:r>
+            <a:endParaRPr lang="en-US" sz="2400" dirty="0">
+              <a:latin typeface="Consolas" panose="020B0609020204030204" pitchFamily="49" charset="0"/>
+            </a:endParaRPr>
           </a:p>
           <a:p>
             <a:pPr marL="0" indent="0">
+              <a:spcAft>
+                <a:spcPts val="600"/>
+              </a:spcAft>
               <a:buNone/>
             </a:pPr>
-            <a:r>
-              <a:rPr lang="en-US" dirty="0">
-                <a:latin typeface="Consolas" panose="020B0609020204030204" pitchFamily="49" charset="0"/>
-              </a:rPr>
-              <a:t>        (or (= (get-key ‘null) (car </a:t>
-            </a:r>
-            <a:r>
-              <a:rPr lang="en-US" dirty="0" err="1">
-                <a:latin typeface="Consolas" panose="020B0609020204030204" pitchFamily="49" charset="0"/>
-              </a:rPr>
-              <a:t>lst</a:t>
-            </a:r>
-            <a:r>
-              <a:rPr lang="en-US" dirty="0">
-                <a:latin typeface="Consolas" panose="020B0609020204030204" pitchFamily="49" charset="0"/>
-              </a:rPr>
-              <a:t>))</a:t>
-            </a:r>
+            <a:endParaRPr lang="en-US" sz="2400" dirty="0">
+              <a:latin typeface="Consolas" panose="020B0609020204030204" pitchFamily="49" charset="0"/>
+            </a:endParaRPr>
           </a:p>
           <a:p>
             <a:pPr marL="0" indent="0">
+              <a:spcAft>
+                <a:spcPts val="600"/>
+              </a:spcAft>
               <a:buNone/>
             </a:pPr>
-            <a:r>
-              <a:rPr lang="en-US" dirty="0">
-                <a:latin typeface="Consolas" panose="020B0609020204030204" pitchFamily="49" charset="0"/>
-              </a:rPr>
-              <a:t>            (has-null-keys? (</a:t>
-            </a:r>
-            <a:r>
-              <a:rPr lang="en-US" dirty="0" err="1">
-                <a:latin typeface="Consolas" panose="020B0609020204030204" pitchFamily="49" charset="0"/>
-              </a:rPr>
-              <a:t>cdr</a:t>
-            </a:r>
-            <a:r>
-              <a:rPr lang="en-US" dirty="0">
-                <a:latin typeface="Consolas" panose="020B0609020204030204" pitchFamily="49" charset="0"/>
-              </a:rPr>
-              <a:t> </a:t>
-            </a:r>
-            <a:r>
-              <a:rPr lang="en-US" dirty="0" err="1">
-                <a:latin typeface="Consolas" panose="020B0609020204030204" pitchFamily="49" charset="0"/>
-              </a:rPr>
-              <a:t>lst</a:t>
-            </a:r>
-            <a:r>
-              <a:rPr lang="en-US" dirty="0">
-                <a:latin typeface="Consolas" panose="020B0609020204030204" pitchFamily="49" charset="0"/>
-              </a:rPr>
-              <a:t>))))))</a:t>
-            </a:r>
+            <a:endParaRPr lang="en-US" sz="2400" dirty="0">
+              <a:latin typeface="Consolas" panose="020B0609020204030204" pitchFamily="49" charset="0"/>
+            </a:endParaRPr>
           </a:p>
         </p:txBody>
       </p:sp>
     </p:spTree>
     <p:extLst>
       <p:ext uri="{BB962C8B-B14F-4D97-AF65-F5344CB8AC3E}">
-        <p14:creationId xmlns:p14="http://schemas.microsoft.com/office/powerpoint/2010/main" val="3750659201"/>
-      </p:ext>
-    </p:extLst>
-  </p:cSld>
-  <p:clrMapOvr>
-    <a:masterClrMapping/>
-  </p:clrMapOvr>
-</p:sld>
-</file>
-
-<file path=ppt/slides/slide12.xml><?xml version="1.0" encoding="utf-8"?>
-<p:sld xmlns:a="http://schemas.openxmlformats.org/drawingml/2006/main" xmlns:r="http://schemas.openxmlformats.org/officeDocument/2006/relationships" xmlns:p="http://schemas.openxmlformats.org/presentationml/2006/main">
-  <p:cSld>
-    <p:spTree>
-      <p:nvGrpSpPr>
-        <p:cNvPr id="1" name=""/>
-        <p:cNvGrpSpPr/>
-        <p:nvPr/>
-      </p:nvGrpSpPr>
-      <p:grpSpPr>
-        <a:xfrm>
-          <a:off x="0" y="0"/>
-          <a:ext cx="0" cy="0"/>
-          <a:chOff x="0" y="0"/>
-          <a:chExt cx="0" cy="0"/>
-        </a:xfrm>
-      </p:grpSpPr>
-      <p:sp>
-        <p:nvSpPr>
-          <p:cNvPr id="2" name="Title 1">
-            <a:extLst>
-              <a:ext uri="{FF2B5EF4-FFF2-40B4-BE49-F238E27FC236}">
-                <a16:creationId xmlns:a16="http://schemas.microsoft.com/office/drawing/2014/main" id="{298B8291-405D-46BB-9414-DC91E46B4E72}"/>
-              </a:ext>
-            </a:extLst>
-          </p:cNvPr>
-          <p:cNvSpPr>
-            <a:spLocks noGrp="1"/>
-          </p:cNvSpPr>
-          <p:nvPr>
-            <p:ph type="title"/>
-          </p:nvPr>
-        </p:nvSpPr>
-        <p:spPr/>
-        <p:txBody>
-          <a:bodyPr/>
-          <a:lstStyle/>
-          <a:p>
-            <a:r>
-              <a:rPr lang="en-US" dirty="0"/>
-              <a:t>Activity: Log Level</a:t>
-            </a:r>
-          </a:p>
-        </p:txBody>
-      </p:sp>
-      <p:sp>
-        <p:nvSpPr>
-          <p:cNvPr id="3" name="Content Placeholder 2">
-            <a:extLst>
-              <a:ext uri="{FF2B5EF4-FFF2-40B4-BE49-F238E27FC236}">
-                <a16:creationId xmlns:a16="http://schemas.microsoft.com/office/drawing/2014/main" id="{0081B81A-4274-412A-AB4E-2AFA9240DA3E}"/>
-              </a:ext>
-            </a:extLst>
-          </p:cNvPr>
-          <p:cNvSpPr>
-            <a:spLocks noGrp="1"/>
-          </p:cNvSpPr>
-          <p:nvPr>
-            <p:ph idx="1"/>
-          </p:nvPr>
-        </p:nvSpPr>
-        <p:spPr/>
-        <p:txBody>
-          <a:bodyPr/>
-          <a:lstStyle/>
-          <a:p>
-            <a:pPr marL="0" indent="0">
-              <a:buNone/>
-            </a:pPr>
-            <a:r>
-              <a:rPr lang="en-US" dirty="0"/>
-              <a:t>For code that logs errors its common to have the idea of a “log level” which is a global setting.</a:t>
-            </a:r>
-          </a:p>
-          <a:p>
-            <a:pPr marL="0" indent="0">
-              <a:buNone/>
-            </a:pPr>
-            <a:r>
-              <a:rPr lang="en-US" dirty="0"/>
-              <a:t>(log 2 “handling incoming data ~s” data)</a:t>
-            </a:r>
-          </a:p>
-          <a:p>
-            <a:pPr marL="0" indent="0">
-              <a:buNone/>
-            </a:pPr>
-            <a:r>
-              <a:rPr lang="en-US" dirty="0"/>
-              <a:t>If the log level is set to 2 or higher this line will print.  Otherwise not.  In this code 2 is always an explicit number, never a variable or expression.</a:t>
-            </a:r>
-          </a:p>
-          <a:p>
-            <a:pPr marL="0" indent="0">
-              <a:buNone/>
-            </a:pPr>
-            <a:r>
-              <a:rPr lang="en-US" dirty="0"/>
-              <a:t>BUT we’d like this to happen through macros so that we don’t pay any overhead for unused log calls.  So log will be a macro that expands to (void) if the log level is not high enough and to (</a:t>
-            </a:r>
-            <a:r>
-              <a:rPr lang="en-US" dirty="0" err="1"/>
-              <a:t>printf</a:t>
-            </a:r>
-            <a:r>
-              <a:rPr lang="en-US" dirty="0"/>
-              <a:t> all params except log level) if it is high enough.</a:t>
-            </a:r>
-          </a:p>
-        </p:txBody>
-      </p:sp>
-    </p:spTree>
-    <p:extLst>
-      <p:ext uri="{BB962C8B-B14F-4D97-AF65-F5344CB8AC3E}">
-        <p14:creationId xmlns:p14="http://schemas.microsoft.com/office/powerpoint/2010/main" val="1673073549"/>
+        <p14:creationId xmlns:p14="http://schemas.microsoft.com/office/powerpoint/2010/main" val="3290595372"/>
       </p:ext>
     </p:extLst>
   </p:cSld>
@@ -4711,7 +5222,7 @@
           <p:cNvPr id="2" name="Title 1">
             <a:extLst>
               <a:ext uri="{FF2B5EF4-FFF2-40B4-BE49-F238E27FC236}">
-                <a16:creationId xmlns:a16="http://schemas.microsoft.com/office/drawing/2014/main" id="{75F3D548-3E64-4CD6-BBE2-E8AB594A3236}"/>
+                <a16:creationId xmlns:a16="http://schemas.microsoft.com/office/drawing/2014/main" id="{C64977BE-A58F-4BF8-BB35-E57044B12E2E}"/>
               </a:ext>
             </a:extLst>
           </p:cNvPr>
@@ -4722,398 +5233,195 @@
             <p:ph type="title"/>
           </p:nvPr>
         </p:nvSpPr>
+        <p:spPr/>
+        <p:txBody>
+          <a:bodyPr/>
+          <a:lstStyle/>
+          <a:p>
+            <a:r>
+              <a:rPr lang="en-US" dirty="0"/>
+              <a:t>Recursive macros</a:t>
+            </a:r>
+          </a:p>
+        </p:txBody>
+      </p:sp>
+      <p:sp>
+        <p:nvSpPr>
+          <p:cNvPr id="3" name="Content Placeholder 2">
+            <a:extLst>
+              <a:ext uri="{FF2B5EF4-FFF2-40B4-BE49-F238E27FC236}">
+                <a16:creationId xmlns:a16="http://schemas.microsoft.com/office/drawing/2014/main" id="{9E4C13BC-81F6-4E1A-B38F-9DC1E17C3764}"/>
+              </a:ext>
+            </a:extLst>
+          </p:cNvPr>
+          <p:cNvSpPr>
+            <a:spLocks noGrp="1"/>
+          </p:cNvSpPr>
+          <p:nvPr>
+            <p:ph idx="1"/>
+          </p:nvPr>
+        </p:nvSpPr>
+        <p:spPr>
+          <a:noFill/>
+          <a:ln>
+            <a:noFill/>
+          </a:ln>
+        </p:spPr>
+        <p:style>
+          <a:lnRef idx="0">
+            <a:scrgbClr r="0" g="0" b="0"/>
+          </a:lnRef>
+          <a:fillRef idx="0">
+            <a:scrgbClr r="0" g="0" b="0"/>
+          </a:fillRef>
+          <a:effectRef idx="0">
+            <a:scrgbClr r="0" g="0" b="0"/>
+          </a:effectRef>
+          <a:fontRef idx="minor">
+            <a:schemeClr val="dk1"/>
+          </a:fontRef>
+        </p:style>
+        <p:txBody>
+          <a:bodyPr/>
+          <a:lstStyle/>
+          <a:p>
+            <a:pPr marL="0" indent="0">
+              <a:buNone/>
+            </a:pPr>
+            <a:r>
+              <a:rPr lang="en-US" dirty="0"/>
+              <a:t>Macros can expand to other macros</a:t>
+            </a:r>
+          </a:p>
+        </p:txBody>
+      </p:sp>
+      <p:pic>
+        <p:nvPicPr>
+          <p:cNvPr id="4" name="Picture 3">
+            <a:extLst>
+              <a:ext uri="{FF2B5EF4-FFF2-40B4-BE49-F238E27FC236}">
+                <a16:creationId xmlns:a16="http://schemas.microsoft.com/office/drawing/2014/main" id="{2B8511D1-B130-4455-9661-ECB75AB08D90}"/>
+              </a:ext>
+            </a:extLst>
+          </p:cNvPr>
+          <p:cNvPicPr>
+            <a:picLocks noChangeAspect="1"/>
+          </p:cNvPicPr>
+          <p:nvPr/>
+        </p:nvPicPr>
+        <p:blipFill>
+          <a:blip r:embed="rId2"/>
+          <a:stretch>
+            <a:fillRect/>
+          </a:stretch>
+        </p:blipFill>
         <p:spPr>
           <a:xfrm>
-            <a:off x="838200" y="249379"/>
-            <a:ext cx="10515600" cy="792343"/>
+            <a:off x="838200" y="2718214"/>
+            <a:ext cx="4682924" cy="3270412"/>
           </a:xfrm>
+          <a:prstGeom prst="rect">
+            <a:avLst/>
+          </a:prstGeom>
         </p:spPr>
-        <p:txBody>
-          <a:bodyPr/>
-          <a:lstStyle/>
-          <a:p>
-            <a:r>
-              <a:rPr lang="en-US" dirty="0"/>
-              <a:t>Variable Capture Problems</a:t>
-            </a:r>
-          </a:p>
-        </p:txBody>
-      </p:sp>
-      <p:sp>
-        <p:nvSpPr>
-          <p:cNvPr id="3" name="Content Placeholder 2">
-            <a:extLst>
-              <a:ext uri="{FF2B5EF4-FFF2-40B4-BE49-F238E27FC236}">
-                <a16:creationId xmlns:a16="http://schemas.microsoft.com/office/drawing/2014/main" id="{84391CD8-05AB-4B2E-BD40-A2E3D48D0286}"/>
-              </a:ext>
-            </a:extLst>
-          </p:cNvPr>
-          <p:cNvSpPr>
-            <a:spLocks noGrp="1"/>
-          </p:cNvSpPr>
-          <p:nvPr>
-            <p:ph idx="1"/>
-          </p:nvPr>
+      </p:pic>
+      <p:sp>
+        <p:nvSpPr>
+          <p:cNvPr id="5" name="Arrow: Right 4">
+            <a:extLst>
+              <a:ext uri="{FF2B5EF4-FFF2-40B4-BE49-F238E27FC236}">
+                <a16:creationId xmlns:a16="http://schemas.microsoft.com/office/drawing/2014/main" id="{F720756E-D902-4679-9EE3-ECFBBA874F4A}"/>
+              </a:ext>
+            </a:extLst>
+          </p:cNvPr>
+          <p:cNvSpPr/>
+          <p:nvPr/>
+        </p:nvSpPr>
+        <p:spPr>
+          <a:xfrm rot="10800000">
+            <a:off x="4628495" y="3773714"/>
+            <a:ext cx="1785257" cy="333829"/>
+          </a:xfrm>
+          <a:prstGeom prst="rightArrow">
+            <a:avLst/>
+          </a:prstGeom>
+          <a:solidFill>
+            <a:srgbClr val="FFFF00"/>
+          </a:solidFill>
+        </p:spPr>
+        <p:style>
+          <a:lnRef idx="2">
+            <a:schemeClr val="accent1">
+              <a:shade val="50000"/>
+            </a:schemeClr>
+          </a:lnRef>
+          <a:fillRef idx="1">
+            <a:schemeClr val="accent1"/>
+          </a:fillRef>
+          <a:effectRef idx="0">
+            <a:schemeClr val="accent1"/>
+          </a:effectRef>
+          <a:fontRef idx="minor">
+            <a:schemeClr val="lt1"/>
+          </a:fontRef>
+        </p:style>
+        <p:txBody>
+          <a:bodyPr rtlCol="0" anchor="ctr"/>
+          <a:lstStyle/>
+          <a:p>
+            <a:pPr algn="ctr"/>
+            <a:endParaRPr lang="en-US"/>
+          </a:p>
+        </p:txBody>
+      </p:sp>
+      <p:sp>
+        <p:nvSpPr>
+          <p:cNvPr id="6" name="TextBox 5">
+            <a:extLst>
+              <a:ext uri="{FF2B5EF4-FFF2-40B4-BE49-F238E27FC236}">
+                <a16:creationId xmlns:a16="http://schemas.microsoft.com/office/drawing/2014/main" id="{1B027BA8-6560-42BD-8A31-9B02AA02AC11}"/>
+              </a:ext>
+            </a:extLst>
+          </p:cNvPr>
+          <p:cNvSpPr txBox="1"/>
+          <p:nvPr/>
         </p:nvSpPr>
         <p:spPr>
           <a:xfrm>
-            <a:off x="838200" y="1157468"/>
-            <a:ext cx="10515600" cy="5602147"/>
+            <a:off x="7407728" y="3509172"/>
+            <a:ext cx="3782785" cy="1815882"/>
           </a:xfrm>
+          <a:prstGeom prst="rect">
+            <a:avLst/>
+          </a:prstGeom>
+          <a:noFill/>
         </p:spPr>
         <p:txBody>
-          <a:bodyPr>
-            <a:normAutofit/>
+          <a:bodyPr wrap="square" rtlCol="0">
+            <a:spAutoFit/>
           </a:bodyPr>
           <a:lstStyle/>
           <a:p>
-            <a:pPr marL="0" indent="0">
-              <a:buNone/>
-            </a:pPr>
-            <a:r>
-              <a:rPr lang="en-US" sz="1600" dirty="0">
-                <a:latin typeface="Consolas" panose="020B0609020204030204" pitchFamily="49" charset="0"/>
-              </a:rPr>
-              <a:t>(define-syntax </a:t>
-            </a:r>
-            <a:r>
-              <a:rPr lang="en-US" sz="1600" dirty="0" err="1">
-                <a:latin typeface="Consolas" panose="020B0609020204030204" pitchFamily="49" charset="0"/>
-              </a:rPr>
-              <a:t>badswap</a:t>
-            </a:r>
-            <a:endParaRPr lang="en-US" sz="1600" dirty="0">
-              <a:latin typeface="Consolas" panose="020B0609020204030204" pitchFamily="49" charset="0"/>
-            </a:endParaRPr>
-          </a:p>
-          <a:p>
-            <a:pPr marL="0" indent="0">
-              <a:buNone/>
-            </a:pPr>
-            <a:r>
-              <a:rPr lang="en-US" sz="1600" dirty="0">
-                <a:latin typeface="Consolas" panose="020B0609020204030204" pitchFamily="49" charset="0"/>
-              </a:rPr>
-              <a:t>  (lambda (</a:t>
-            </a:r>
-            <a:r>
-              <a:rPr lang="en-US" sz="1600" dirty="0" err="1">
-                <a:latin typeface="Consolas" panose="020B0609020204030204" pitchFamily="49" charset="0"/>
-              </a:rPr>
-              <a:t>stx</a:t>
-            </a:r>
-            <a:r>
-              <a:rPr lang="en-US" sz="1600" dirty="0">
-                <a:latin typeface="Consolas" panose="020B0609020204030204" pitchFamily="49" charset="0"/>
-              </a:rPr>
-              <a:t>)</a:t>
-            </a:r>
-          </a:p>
-          <a:p>
-            <a:pPr marL="0" indent="0">
-              <a:buNone/>
-            </a:pPr>
-            <a:r>
-              <a:rPr lang="en-US" sz="1600" dirty="0">
-                <a:latin typeface="Consolas" panose="020B0609020204030204" pitchFamily="49" charset="0"/>
-              </a:rPr>
-              <a:t>    (datum-&gt;syntax </a:t>
-            </a:r>
-            <a:r>
-              <a:rPr lang="en-US" sz="1600" dirty="0" err="1">
-                <a:latin typeface="Consolas" panose="020B0609020204030204" pitchFamily="49" charset="0"/>
-              </a:rPr>
-              <a:t>stx</a:t>
-            </a:r>
-            <a:r>
-              <a:rPr lang="en-US" sz="1600" dirty="0">
-                <a:latin typeface="Consolas" panose="020B0609020204030204" pitchFamily="49" charset="0"/>
-              </a:rPr>
-              <a:t> (let* ([</a:t>
-            </a:r>
-            <a:r>
-              <a:rPr lang="en-US" sz="1600" dirty="0" err="1">
-                <a:latin typeface="Consolas" panose="020B0609020204030204" pitchFamily="49" charset="0"/>
-              </a:rPr>
-              <a:t>orig</a:t>
-            </a:r>
-            <a:r>
-              <a:rPr lang="en-US" sz="1600" dirty="0">
-                <a:latin typeface="Consolas" panose="020B0609020204030204" pitchFamily="49" charset="0"/>
-              </a:rPr>
-              <a:t> (syntax-&gt;datum </a:t>
-            </a:r>
-            <a:r>
-              <a:rPr lang="en-US" sz="1600" dirty="0" err="1">
-                <a:latin typeface="Consolas" panose="020B0609020204030204" pitchFamily="49" charset="0"/>
-              </a:rPr>
-              <a:t>stx</a:t>
-            </a:r>
-            <a:r>
-              <a:rPr lang="en-US" sz="1600" dirty="0">
-                <a:latin typeface="Consolas" panose="020B0609020204030204" pitchFamily="49" charset="0"/>
-              </a:rPr>
-              <a:t>)]</a:t>
-            </a:r>
-          </a:p>
-          <a:p>
-            <a:pPr marL="0" indent="0">
-              <a:buNone/>
-            </a:pPr>
-            <a:r>
-              <a:rPr lang="en-US" sz="1600" dirty="0">
-                <a:latin typeface="Consolas" panose="020B0609020204030204" pitchFamily="49" charset="0"/>
-              </a:rPr>
-              <a:t>                              [v1 (</a:t>
-            </a:r>
-            <a:r>
-              <a:rPr lang="en-US" sz="1600" dirty="0" err="1">
-                <a:latin typeface="Consolas" panose="020B0609020204030204" pitchFamily="49" charset="0"/>
-              </a:rPr>
-              <a:t>cadr</a:t>
-            </a:r>
-            <a:r>
-              <a:rPr lang="en-US" sz="1600" dirty="0">
-                <a:latin typeface="Consolas" panose="020B0609020204030204" pitchFamily="49" charset="0"/>
-              </a:rPr>
-              <a:t> </a:t>
-            </a:r>
-            <a:r>
-              <a:rPr lang="en-US" sz="1600" dirty="0" err="1">
-                <a:latin typeface="Consolas" panose="020B0609020204030204" pitchFamily="49" charset="0"/>
-              </a:rPr>
-              <a:t>orig</a:t>
-            </a:r>
-            <a:r>
-              <a:rPr lang="en-US" sz="1600" dirty="0">
-                <a:latin typeface="Consolas" panose="020B0609020204030204" pitchFamily="49" charset="0"/>
-              </a:rPr>
-              <a:t>)]</a:t>
-            </a:r>
-          </a:p>
-          <a:p>
-            <a:pPr marL="0" indent="0">
-              <a:buNone/>
-            </a:pPr>
-            <a:r>
-              <a:rPr lang="en-US" sz="1600" dirty="0">
-                <a:latin typeface="Consolas" panose="020B0609020204030204" pitchFamily="49" charset="0"/>
-              </a:rPr>
-              <a:t>                              [v2 (</a:t>
-            </a:r>
-            <a:r>
-              <a:rPr lang="en-US" sz="1600" dirty="0" err="1">
-                <a:latin typeface="Consolas" panose="020B0609020204030204" pitchFamily="49" charset="0"/>
-              </a:rPr>
-              <a:t>caddr</a:t>
-            </a:r>
-            <a:r>
-              <a:rPr lang="en-US" sz="1600" dirty="0">
-                <a:latin typeface="Consolas" panose="020B0609020204030204" pitchFamily="49" charset="0"/>
-              </a:rPr>
-              <a:t> </a:t>
-            </a:r>
-            <a:r>
-              <a:rPr lang="en-US" sz="1600" dirty="0" err="1">
-                <a:latin typeface="Consolas" panose="020B0609020204030204" pitchFamily="49" charset="0"/>
-              </a:rPr>
-              <a:t>orig</a:t>
-            </a:r>
-            <a:r>
-              <a:rPr lang="en-US" sz="1600" dirty="0">
-                <a:latin typeface="Consolas" panose="020B0609020204030204" pitchFamily="49" charset="0"/>
-              </a:rPr>
-              <a:t>)])</a:t>
-            </a:r>
-          </a:p>
-          <a:p>
-            <a:pPr marL="0" indent="0">
-              <a:buNone/>
-            </a:pPr>
-            <a:r>
-              <a:rPr lang="en-US" sz="1600" dirty="0">
-                <a:latin typeface="Consolas" panose="020B0609020204030204" pitchFamily="49" charset="0"/>
-              </a:rPr>
-              <a:t>                         (list 'let (list (list '</a:t>
-            </a:r>
-            <a:r>
-              <a:rPr lang="en-US" sz="1600" dirty="0" err="1">
-                <a:latin typeface="Consolas" panose="020B0609020204030204" pitchFamily="49" charset="0"/>
-              </a:rPr>
-              <a:t>tmp</a:t>
-            </a:r>
-            <a:r>
-              <a:rPr lang="en-US" sz="1600" dirty="0">
-                <a:latin typeface="Consolas" panose="020B0609020204030204" pitchFamily="49" charset="0"/>
-              </a:rPr>
-              <a:t> v1))</a:t>
-            </a:r>
-          </a:p>
-          <a:p>
-            <a:pPr marL="0" indent="0">
-              <a:buNone/>
-            </a:pPr>
-            <a:r>
-              <a:rPr lang="en-US" sz="1600" dirty="0">
-                <a:latin typeface="Consolas" panose="020B0609020204030204" pitchFamily="49" charset="0"/>
-              </a:rPr>
-              <a:t>                               (list 'set! v1 v2)</a:t>
-            </a:r>
-          </a:p>
-          <a:p>
-            <a:pPr marL="0" indent="0">
-              <a:buNone/>
-            </a:pPr>
-            <a:r>
-              <a:rPr lang="en-US" sz="1600" dirty="0">
-                <a:latin typeface="Consolas" panose="020B0609020204030204" pitchFamily="49" charset="0"/>
-              </a:rPr>
-              <a:t>                               (list 'set! v2 '</a:t>
-            </a:r>
-            <a:r>
-              <a:rPr lang="en-US" sz="1600" dirty="0" err="1">
-                <a:latin typeface="Consolas" panose="020B0609020204030204" pitchFamily="49" charset="0"/>
-              </a:rPr>
-              <a:t>tmp</a:t>
-            </a:r>
-            <a:r>
-              <a:rPr lang="en-US" sz="1600" dirty="0">
-                <a:latin typeface="Consolas" panose="020B0609020204030204" pitchFamily="49" charset="0"/>
-              </a:rPr>
-              <a:t>))))))</a:t>
-            </a:r>
-          </a:p>
-          <a:p>
-            <a:pPr marL="0" indent="0">
-              <a:buNone/>
-            </a:pPr>
-            <a:r>
-              <a:rPr lang="en-US" sz="1600" dirty="0">
-                <a:latin typeface="Consolas" panose="020B0609020204030204" pitchFamily="49" charset="0"/>
-              </a:rPr>
-              <a:t>      </a:t>
-            </a:r>
-          </a:p>
-          <a:p>
-            <a:pPr marL="0" indent="0">
-              <a:buNone/>
-            </a:pPr>
-            <a:endParaRPr lang="en-US" sz="1600" dirty="0">
-              <a:latin typeface="Consolas" panose="020B0609020204030204" pitchFamily="49" charset="0"/>
-            </a:endParaRPr>
-          </a:p>
-          <a:p>
-            <a:pPr marL="0" indent="0">
-              <a:buNone/>
-            </a:pPr>
-            <a:r>
-              <a:rPr lang="en-US" sz="1600" dirty="0">
-                <a:latin typeface="Consolas" panose="020B0609020204030204" pitchFamily="49" charset="0"/>
-              </a:rPr>
-              <a:t>(define a 1)</a:t>
-            </a:r>
-          </a:p>
-          <a:p>
-            <a:pPr marL="0" indent="0">
-              <a:buNone/>
-            </a:pPr>
-            <a:r>
-              <a:rPr lang="en-US" sz="1600" dirty="0">
-                <a:latin typeface="Consolas" panose="020B0609020204030204" pitchFamily="49" charset="0"/>
-              </a:rPr>
-              <a:t>(define b 2)</a:t>
-            </a:r>
-          </a:p>
-          <a:p>
-            <a:pPr marL="0" indent="0">
-              <a:buNone/>
-            </a:pPr>
-            <a:r>
-              <a:rPr lang="en-US" sz="1600" dirty="0">
-                <a:latin typeface="Consolas" panose="020B0609020204030204" pitchFamily="49" charset="0"/>
-              </a:rPr>
-              <a:t>(</a:t>
-            </a:r>
-            <a:r>
-              <a:rPr lang="en-US" sz="1600" dirty="0" err="1">
-                <a:latin typeface="Consolas" panose="020B0609020204030204" pitchFamily="49" charset="0"/>
-              </a:rPr>
-              <a:t>badswap</a:t>
-            </a:r>
-            <a:r>
-              <a:rPr lang="en-US" sz="1600" dirty="0">
-                <a:latin typeface="Consolas" panose="020B0609020204030204" pitchFamily="49" charset="0"/>
-              </a:rPr>
-              <a:t> a b) ; works</a:t>
-            </a:r>
-          </a:p>
-          <a:p>
-            <a:pPr marL="0" indent="0">
-              <a:buNone/>
-            </a:pPr>
-            <a:r>
-              <a:rPr lang="en-US" sz="1600" dirty="0">
-                <a:latin typeface="Consolas" panose="020B0609020204030204" pitchFamily="49" charset="0"/>
-              </a:rPr>
-              <a:t>(define q 3)</a:t>
-            </a:r>
-          </a:p>
-          <a:p>
-            <a:pPr marL="0" indent="0">
-              <a:buNone/>
-            </a:pPr>
-            <a:r>
-              <a:rPr lang="en-US" sz="1600" dirty="0">
-                <a:latin typeface="Consolas" panose="020B0609020204030204" pitchFamily="49" charset="0"/>
-              </a:rPr>
-              <a:t>(define </a:t>
-            </a:r>
-            <a:r>
-              <a:rPr lang="en-US" sz="1600" dirty="0" err="1">
-                <a:latin typeface="Consolas" panose="020B0609020204030204" pitchFamily="49" charset="0"/>
-              </a:rPr>
-              <a:t>tmp</a:t>
-            </a:r>
-            <a:r>
-              <a:rPr lang="en-US" sz="1600" dirty="0">
-                <a:latin typeface="Consolas" panose="020B0609020204030204" pitchFamily="49" charset="0"/>
-              </a:rPr>
-              <a:t> 99)</a:t>
-            </a:r>
-          </a:p>
-          <a:p>
-            <a:pPr marL="0" indent="0">
-              <a:buNone/>
-            </a:pPr>
-            <a:r>
-              <a:rPr lang="en-US" sz="1600" dirty="0">
-                <a:latin typeface="Consolas" panose="020B0609020204030204" pitchFamily="49" charset="0"/>
-              </a:rPr>
-              <a:t>(</a:t>
-            </a:r>
-            <a:r>
-              <a:rPr lang="en-US" sz="1600" dirty="0" err="1">
-                <a:latin typeface="Consolas" panose="020B0609020204030204" pitchFamily="49" charset="0"/>
-              </a:rPr>
-              <a:t>badswap</a:t>
-            </a:r>
-            <a:r>
-              <a:rPr lang="en-US" sz="1600" dirty="0">
-                <a:latin typeface="Consolas" panose="020B0609020204030204" pitchFamily="49" charset="0"/>
-              </a:rPr>
-              <a:t> q </a:t>
-            </a:r>
-            <a:r>
-              <a:rPr lang="en-US" sz="1600" dirty="0" err="1">
-                <a:latin typeface="Consolas" panose="020B0609020204030204" pitchFamily="49" charset="0"/>
-              </a:rPr>
-              <a:t>tmp</a:t>
-            </a:r>
-            <a:r>
-              <a:rPr lang="en-US" sz="1600" dirty="0">
-                <a:latin typeface="Consolas" panose="020B0609020204030204" pitchFamily="49" charset="0"/>
-              </a:rPr>
-              <a:t>) ; variables are not swapped</a:t>
+            <a:r>
+              <a:rPr lang="en-US" sz="2800" dirty="0"/>
+              <a:t>But they can also extend to the same macro.</a:t>
+            </a:r>
+          </a:p>
+          <a:p>
+            <a:endParaRPr lang="en-US" sz="2800" dirty="0"/>
+          </a:p>
+          <a:p>
+            <a:r>
+              <a:rPr lang="en-US" sz="2800" dirty="0"/>
+              <a:t>Let’s implement </a:t>
+            </a:r>
+            <a:r>
+              <a:rPr lang="en-US" sz="2800" dirty="0" err="1"/>
+              <a:t>myand</a:t>
+            </a:r>
+            <a:r>
+              <a:rPr lang="en-US" sz="2800" dirty="0"/>
+              <a:t>.</a:t>
             </a:r>
           </a:p>
         </p:txBody>
@@ -5121,7 +5429,7 @@
     </p:spTree>
     <p:extLst>
       <p:ext uri="{BB962C8B-B14F-4D97-AF65-F5344CB8AC3E}">
-        <p14:creationId xmlns:p14="http://schemas.microsoft.com/office/powerpoint/2010/main" val="3608643309"/>
+        <p14:creationId xmlns:p14="http://schemas.microsoft.com/office/powerpoint/2010/main" val="332350083"/>
       </p:ext>
     </p:extLst>
   </p:cSld>
@@ -5153,6 +5461,900 @@
           <p:cNvPr id="2" name="Title 1">
             <a:extLst>
               <a:ext uri="{FF2B5EF4-FFF2-40B4-BE49-F238E27FC236}">
+                <a16:creationId xmlns:a16="http://schemas.microsoft.com/office/drawing/2014/main" id="{1C1844DE-13D2-47BB-B5EF-DD6724321C73}"/>
+              </a:ext>
+            </a:extLst>
+          </p:cNvPr>
+          <p:cNvSpPr>
+            <a:spLocks noGrp="1"/>
+          </p:cNvSpPr>
+          <p:nvPr>
+            <p:ph type="title"/>
+          </p:nvPr>
+        </p:nvSpPr>
+        <p:spPr/>
+        <p:txBody>
+          <a:bodyPr/>
+          <a:lstStyle/>
+          <a:p>
+            <a:r>
+              <a:rPr lang="en-US" dirty="0"/>
+              <a:t>Limitations of Macros</a:t>
+            </a:r>
+          </a:p>
+        </p:txBody>
+      </p:sp>
+      <p:sp>
+        <p:nvSpPr>
+          <p:cNvPr id="3" name="Content Placeholder 2">
+            <a:extLst>
+              <a:ext uri="{FF2B5EF4-FFF2-40B4-BE49-F238E27FC236}">
+                <a16:creationId xmlns:a16="http://schemas.microsoft.com/office/drawing/2014/main" id="{30FEB9FF-26BB-4155-8955-9F39A4E15121}"/>
+              </a:ext>
+            </a:extLst>
+          </p:cNvPr>
+          <p:cNvSpPr>
+            <a:spLocks noGrp="1"/>
+          </p:cNvSpPr>
+          <p:nvPr>
+            <p:ph idx="1"/>
+          </p:nvPr>
+        </p:nvSpPr>
+        <p:spPr/>
+        <p:txBody>
+          <a:bodyPr>
+            <a:normAutofit fontScale="92500" lnSpcReduction="20000"/>
+          </a:bodyPr>
+          <a:lstStyle/>
+          <a:p>
+            <a:pPr marL="0" indent="0">
+              <a:buNone/>
+            </a:pPr>
+            <a:r>
+              <a:rPr lang="en-US" dirty="0"/>
+              <a:t>(repeat </a:t>
+            </a:r>
+            <a:r>
+              <a:rPr lang="en-US" dirty="0" err="1"/>
+              <a:t>someNumExp</a:t>
+            </a:r>
+            <a:r>
+              <a:rPr lang="en-US" dirty="0"/>
+              <a:t> </a:t>
+            </a:r>
+            <a:r>
+              <a:rPr lang="en-US" dirty="0" err="1"/>
+              <a:t>someExpressionToRepeat</a:t>
+            </a:r>
+            <a:r>
+              <a:rPr lang="en-US" dirty="0"/>
+              <a:t>)</a:t>
+            </a:r>
+          </a:p>
+          <a:p>
+            <a:pPr marL="0" indent="0">
+              <a:buNone/>
+            </a:pPr>
+            <a:endParaRPr lang="en-US" dirty="0"/>
+          </a:p>
+          <a:p>
+            <a:pPr marL="0" indent="0">
+              <a:buNone/>
+            </a:pPr>
+            <a:r>
+              <a:rPr lang="en-US" dirty="0"/>
+              <a:t>e.g. (repeat 3 (display “prints 3 times”))</a:t>
+            </a:r>
+          </a:p>
+          <a:p>
+            <a:pPr marL="0" indent="0">
+              <a:buNone/>
+            </a:pPr>
+            <a:endParaRPr lang="en-US" dirty="0"/>
+          </a:p>
+          <a:p>
+            <a:pPr marL="0" indent="0">
+              <a:buNone/>
+            </a:pPr>
+            <a:r>
+              <a:rPr lang="en-US" dirty="0"/>
+              <a:t>You might be inclined to try and expand this into</a:t>
+            </a:r>
+          </a:p>
+          <a:p>
+            <a:pPr marL="0" indent="0">
+              <a:buNone/>
+            </a:pPr>
+            <a:endParaRPr lang="en-US" dirty="0"/>
+          </a:p>
+          <a:p>
+            <a:pPr marL="0" indent="0">
+              <a:buNone/>
+            </a:pPr>
+            <a:r>
+              <a:rPr lang="en-US" dirty="0"/>
+              <a:t>(begin (display “prints 3 times’) (display “prints 3 times’) (display “prints 3 times’))</a:t>
+            </a:r>
+          </a:p>
+          <a:p>
+            <a:pPr marL="0" indent="0">
+              <a:buNone/>
+            </a:pPr>
+            <a:endParaRPr lang="en-US" dirty="0"/>
+          </a:p>
+          <a:p>
+            <a:pPr marL="0" indent="0">
+              <a:buNone/>
+            </a:pPr>
+            <a:r>
+              <a:rPr lang="en-US" dirty="0"/>
+              <a:t>But this is not a viable approach.  Why?  Hint: consider if </a:t>
+            </a:r>
+            <a:r>
+              <a:rPr lang="en-US" dirty="0" err="1"/>
+              <a:t>someNumExpression</a:t>
+            </a:r>
+            <a:r>
+              <a:rPr lang="en-US" dirty="0"/>
+              <a:t> was something like (+ a b).  </a:t>
+            </a:r>
+          </a:p>
+        </p:txBody>
+      </p:sp>
+    </p:spTree>
+    <p:extLst>
+      <p:ext uri="{BB962C8B-B14F-4D97-AF65-F5344CB8AC3E}">
+        <p14:creationId xmlns:p14="http://schemas.microsoft.com/office/powerpoint/2010/main" val="748589689"/>
+      </p:ext>
+    </p:extLst>
+  </p:cSld>
+  <p:clrMapOvr>
+    <a:masterClrMapping/>
+  </p:clrMapOvr>
+</p:sld>
+</file>
+
+<file path=ppt/slides/slide6.xml><?xml version="1.0" encoding="utf-8"?>
+<p:sld xmlns:a="http://schemas.openxmlformats.org/drawingml/2006/main" xmlns:r="http://schemas.openxmlformats.org/officeDocument/2006/relationships" xmlns:p="http://schemas.openxmlformats.org/presentationml/2006/main">
+  <p:cSld>
+    <p:spTree>
+      <p:nvGrpSpPr>
+        <p:cNvPr id="1" name=""/>
+        <p:cNvGrpSpPr/>
+        <p:nvPr/>
+      </p:nvGrpSpPr>
+      <p:grpSpPr>
+        <a:xfrm>
+          <a:off x="0" y="0"/>
+          <a:ext cx="0" cy="0"/>
+          <a:chOff x="0" y="0"/>
+          <a:chExt cx="0" cy="0"/>
+        </a:xfrm>
+      </p:grpSpPr>
+      <p:sp>
+        <p:nvSpPr>
+          <p:cNvPr id="2" name="Title 1">
+            <a:extLst>
+              <a:ext uri="{FF2B5EF4-FFF2-40B4-BE49-F238E27FC236}">
+                <a16:creationId xmlns:a16="http://schemas.microsoft.com/office/drawing/2014/main" id="{6ED19C5D-7EEC-4D10-8DD6-9BC00F804509}"/>
+              </a:ext>
+            </a:extLst>
+          </p:cNvPr>
+          <p:cNvSpPr>
+            <a:spLocks noGrp="1"/>
+          </p:cNvSpPr>
+          <p:nvPr>
+            <p:ph type="title"/>
+          </p:nvPr>
+        </p:nvSpPr>
+        <p:spPr/>
+        <p:txBody>
+          <a:bodyPr/>
+          <a:lstStyle/>
+          <a:p>
+            <a:r>
+              <a:rPr lang="en-US" dirty="0"/>
+              <a:t>Macros have edge cases</a:t>
+            </a:r>
+          </a:p>
+        </p:txBody>
+      </p:sp>
+      <p:sp>
+        <p:nvSpPr>
+          <p:cNvPr id="4" name="Rectangle 3">
+            <a:extLst>
+              <a:ext uri="{FF2B5EF4-FFF2-40B4-BE49-F238E27FC236}">
+                <a16:creationId xmlns:a16="http://schemas.microsoft.com/office/drawing/2014/main" id="{FF38F809-5A71-4016-AF15-9C5188838E6E}"/>
+              </a:ext>
+            </a:extLst>
+          </p:cNvPr>
+          <p:cNvSpPr/>
+          <p:nvPr/>
+        </p:nvSpPr>
+        <p:spPr>
+          <a:xfrm>
+            <a:off x="419100" y="1905506"/>
+            <a:ext cx="11353800" cy="3046988"/>
+          </a:xfrm>
+          <a:prstGeom prst="rect">
+            <a:avLst/>
+          </a:prstGeom>
+        </p:spPr>
+        <p:txBody>
+          <a:bodyPr wrap="square">
+            <a:spAutoFit/>
+          </a:bodyPr>
+          <a:lstStyle/>
+          <a:p>
+            <a:r>
+              <a:rPr lang="en-US" sz="2400" dirty="0">
+                <a:latin typeface="Consolas" panose="020B0609020204030204" pitchFamily="49" charset="0"/>
+              </a:rPr>
+              <a:t>(define-syntax (repeat </a:t>
+            </a:r>
+            <a:r>
+              <a:rPr lang="en-US" sz="2400" dirty="0" err="1">
+                <a:latin typeface="Consolas" panose="020B0609020204030204" pitchFamily="49" charset="0"/>
+              </a:rPr>
+              <a:t>stx</a:t>
+            </a:r>
+            <a:r>
+              <a:rPr lang="en-US" sz="2400" dirty="0">
+                <a:latin typeface="Consolas" panose="020B0609020204030204" pitchFamily="49" charset="0"/>
+              </a:rPr>
+              <a:t>)</a:t>
+            </a:r>
+          </a:p>
+          <a:p>
+            <a:r>
+              <a:rPr lang="en-US" sz="2400" dirty="0">
+                <a:latin typeface="Consolas" panose="020B0609020204030204" pitchFamily="49" charset="0"/>
+              </a:rPr>
+              <a:t>  (syntax-case </a:t>
+            </a:r>
+            <a:r>
+              <a:rPr lang="en-US" sz="2400" dirty="0" err="1">
+                <a:latin typeface="Consolas" panose="020B0609020204030204" pitchFamily="49" charset="0"/>
+              </a:rPr>
+              <a:t>stx</a:t>
+            </a:r>
+            <a:r>
+              <a:rPr lang="en-US" sz="2400" dirty="0">
+                <a:latin typeface="Consolas" panose="020B0609020204030204" pitchFamily="49" charset="0"/>
+              </a:rPr>
+              <a:t> ()</a:t>
+            </a:r>
+          </a:p>
+          <a:p>
+            <a:r>
+              <a:rPr lang="en-US" sz="2400" dirty="0">
+                <a:latin typeface="Consolas" panose="020B0609020204030204" pitchFamily="49" charset="0"/>
+              </a:rPr>
+              <a:t>    [(_ </a:t>
+            </a:r>
+            <a:r>
+              <a:rPr lang="en-US" sz="2400" dirty="0" err="1">
+                <a:latin typeface="Consolas" panose="020B0609020204030204" pitchFamily="49" charset="0"/>
+              </a:rPr>
+              <a:t>numExp</a:t>
+            </a:r>
+            <a:r>
+              <a:rPr lang="en-US" sz="2400" dirty="0">
+                <a:latin typeface="Consolas" panose="020B0609020204030204" pitchFamily="49" charset="0"/>
+              </a:rPr>
+              <a:t> </a:t>
+            </a:r>
+            <a:r>
+              <a:rPr lang="en-US" sz="2400" dirty="0" err="1">
+                <a:latin typeface="Consolas" panose="020B0609020204030204" pitchFamily="49" charset="0"/>
+              </a:rPr>
+              <a:t>repeatExp</a:t>
+            </a:r>
+            <a:r>
+              <a:rPr lang="en-US" sz="2400" dirty="0">
+                <a:latin typeface="Consolas" panose="020B0609020204030204" pitchFamily="49" charset="0"/>
+              </a:rPr>
+              <a:t> ) #'(let </a:t>
+            </a:r>
+            <a:r>
+              <a:rPr lang="en-US" sz="2400" dirty="0" err="1">
+                <a:latin typeface="Consolas" panose="020B0609020204030204" pitchFamily="49" charset="0"/>
+              </a:rPr>
+              <a:t>repeatme</a:t>
+            </a:r>
+            <a:r>
+              <a:rPr lang="en-US" sz="2400" dirty="0">
+                <a:latin typeface="Consolas" panose="020B0609020204030204" pitchFamily="49" charset="0"/>
+              </a:rPr>
+              <a:t> ((count 0))</a:t>
+            </a:r>
+          </a:p>
+          <a:p>
+            <a:r>
+              <a:rPr lang="en-US" sz="2400" dirty="0">
+                <a:latin typeface="Consolas" panose="020B0609020204030204" pitchFamily="49" charset="0"/>
+              </a:rPr>
+              <a:t>                               (if (= count </a:t>
+            </a:r>
+            <a:r>
+              <a:rPr lang="en-US" sz="2400" dirty="0" err="1">
+                <a:latin typeface="Consolas" panose="020B0609020204030204" pitchFamily="49" charset="0"/>
+              </a:rPr>
+              <a:t>numExp</a:t>
+            </a:r>
+            <a:r>
+              <a:rPr lang="en-US" sz="2400" dirty="0">
+                <a:latin typeface="Consolas" panose="020B0609020204030204" pitchFamily="49" charset="0"/>
+              </a:rPr>
+              <a:t>)</a:t>
+            </a:r>
+          </a:p>
+          <a:p>
+            <a:r>
+              <a:rPr lang="en-US" sz="2400" dirty="0">
+                <a:latin typeface="Consolas" panose="020B0609020204030204" pitchFamily="49" charset="0"/>
+              </a:rPr>
+              <a:t>                                   (void)</a:t>
+            </a:r>
+          </a:p>
+          <a:p>
+            <a:r>
+              <a:rPr lang="en-US" sz="2400" dirty="0">
+                <a:latin typeface="Consolas" panose="020B0609020204030204" pitchFamily="49" charset="0"/>
+              </a:rPr>
+              <a:t>                                   (begin</a:t>
+            </a:r>
+          </a:p>
+          <a:p>
+            <a:r>
+              <a:rPr lang="en-US" sz="2400" dirty="0">
+                <a:latin typeface="Consolas" panose="020B0609020204030204" pitchFamily="49" charset="0"/>
+              </a:rPr>
+              <a:t>                                     </a:t>
+            </a:r>
+            <a:r>
+              <a:rPr lang="en-US" sz="2400" dirty="0" err="1">
+                <a:latin typeface="Consolas" panose="020B0609020204030204" pitchFamily="49" charset="0"/>
+              </a:rPr>
+              <a:t>repeatExp</a:t>
+            </a:r>
+            <a:endParaRPr lang="en-US" sz="2400" dirty="0">
+              <a:latin typeface="Consolas" panose="020B0609020204030204" pitchFamily="49" charset="0"/>
+            </a:endParaRPr>
+          </a:p>
+          <a:p>
+            <a:r>
+              <a:rPr lang="en-US" sz="2400" dirty="0">
+                <a:latin typeface="Consolas" panose="020B0609020204030204" pitchFamily="49" charset="0"/>
+              </a:rPr>
+              <a:t>                                     (</a:t>
+            </a:r>
+            <a:r>
+              <a:rPr lang="en-US" sz="2400" dirty="0" err="1">
+                <a:latin typeface="Consolas" panose="020B0609020204030204" pitchFamily="49" charset="0"/>
+              </a:rPr>
+              <a:t>repeatme</a:t>
+            </a:r>
+            <a:r>
+              <a:rPr lang="en-US" sz="2400" dirty="0">
+                <a:latin typeface="Consolas" panose="020B0609020204030204" pitchFamily="49" charset="0"/>
+              </a:rPr>
+              <a:t> (add1 count)))))]))</a:t>
+            </a:r>
+          </a:p>
+        </p:txBody>
+      </p:sp>
+      <p:sp>
+        <p:nvSpPr>
+          <p:cNvPr id="5" name="Rectangle 4">
+            <a:extLst>
+              <a:ext uri="{FF2B5EF4-FFF2-40B4-BE49-F238E27FC236}">
+                <a16:creationId xmlns:a16="http://schemas.microsoft.com/office/drawing/2014/main" id="{9CE2229F-D572-49EB-A7B6-35233BB40769}"/>
+              </a:ext>
+            </a:extLst>
+          </p:cNvPr>
+          <p:cNvSpPr/>
+          <p:nvPr/>
+        </p:nvSpPr>
+        <p:spPr>
+          <a:xfrm>
+            <a:off x="419099" y="5698166"/>
+            <a:ext cx="10264333" cy="369332"/>
+          </a:xfrm>
+          <a:prstGeom prst="rect">
+            <a:avLst/>
+          </a:prstGeom>
+        </p:spPr>
+        <p:txBody>
+          <a:bodyPr wrap="square">
+            <a:spAutoFit/>
+          </a:bodyPr>
+          <a:lstStyle/>
+          <a:p>
+            <a:r>
+              <a:rPr lang="en-US" dirty="0"/>
+              <a:t>If you can out why this is buggy, rewrite it in the in class exercises to be correct.</a:t>
+            </a:r>
+          </a:p>
+        </p:txBody>
+      </p:sp>
+    </p:spTree>
+    <p:extLst>
+      <p:ext uri="{BB962C8B-B14F-4D97-AF65-F5344CB8AC3E}">
+        <p14:creationId xmlns:p14="http://schemas.microsoft.com/office/powerpoint/2010/main" val="3991979242"/>
+      </p:ext>
+    </p:extLst>
+  </p:cSld>
+  <p:clrMapOvr>
+    <a:masterClrMapping/>
+  </p:clrMapOvr>
+</p:sld>
+</file>
+
+<file path=ppt/slides/slide7.xml><?xml version="1.0" encoding="utf-8"?>
+<p:sld xmlns:a="http://schemas.openxmlformats.org/drawingml/2006/main" xmlns:r="http://schemas.openxmlformats.org/officeDocument/2006/relationships" xmlns:p="http://schemas.openxmlformats.org/presentationml/2006/main">
+  <p:cSld>
+    <p:spTree>
+      <p:nvGrpSpPr>
+        <p:cNvPr id="1" name=""/>
+        <p:cNvGrpSpPr/>
+        <p:nvPr/>
+      </p:nvGrpSpPr>
+      <p:grpSpPr>
+        <a:xfrm>
+          <a:off x="0" y="0"/>
+          <a:ext cx="0" cy="0"/>
+          <a:chOff x="0" y="0"/>
+          <a:chExt cx="0" cy="0"/>
+        </a:xfrm>
+      </p:grpSpPr>
+      <p:sp>
+        <p:nvSpPr>
+          <p:cNvPr id="2" name="Title 1">
+            <a:extLst>
+              <a:ext uri="{FF2B5EF4-FFF2-40B4-BE49-F238E27FC236}">
+                <a16:creationId xmlns:a16="http://schemas.microsoft.com/office/drawing/2014/main" id="{75F3D548-3E64-4CD6-BBE2-E8AB594A3236}"/>
+              </a:ext>
+            </a:extLst>
+          </p:cNvPr>
+          <p:cNvSpPr>
+            <a:spLocks noGrp="1"/>
+          </p:cNvSpPr>
+          <p:nvPr>
+            <p:ph type="title"/>
+          </p:nvPr>
+        </p:nvSpPr>
+        <p:spPr>
+          <a:xfrm>
+            <a:off x="838200" y="249379"/>
+            <a:ext cx="10515600" cy="792343"/>
+          </a:xfrm>
+        </p:spPr>
+        <p:txBody>
+          <a:bodyPr/>
+          <a:lstStyle/>
+          <a:p>
+            <a:r>
+              <a:rPr lang="en-US" dirty="0"/>
+              <a:t>Variable Capture Problems</a:t>
+            </a:r>
+          </a:p>
+        </p:txBody>
+      </p:sp>
+      <p:sp>
+        <p:nvSpPr>
+          <p:cNvPr id="3" name="Content Placeholder 2">
+            <a:extLst>
+              <a:ext uri="{FF2B5EF4-FFF2-40B4-BE49-F238E27FC236}">
+                <a16:creationId xmlns:a16="http://schemas.microsoft.com/office/drawing/2014/main" id="{84391CD8-05AB-4B2E-BD40-A2E3D48D0286}"/>
+              </a:ext>
+            </a:extLst>
+          </p:cNvPr>
+          <p:cNvSpPr>
+            <a:spLocks noGrp="1"/>
+          </p:cNvSpPr>
+          <p:nvPr>
+            <p:ph idx="1"/>
+          </p:nvPr>
+        </p:nvSpPr>
+        <p:spPr>
+          <a:xfrm>
+            <a:off x="838200" y="1157468"/>
+            <a:ext cx="10515600" cy="5602147"/>
+          </a:xfrm>
+        </p:spPr>
+        <p:txBody>
+          <a:bodyPr>
+            <a:normAutofit/>
+          </a:bodyPr>
+          <a:lstStyle/>
+          <a:p>
+            <a:pPr marL="0" indent="0">
+              <a:buNone/>
+            </a:pPr>
+            <a:r>
+              <a:rPr lang="en-US" sz="1600" dirty="0">
+                <a:latin typeface="Consolas" panose="020B0609020204030204" pitchFamily="49" charset="0"/>
+              </a:rPr>
+              <a:t>(define-syntax </a:t>
+            </a:r>
+            <a:r>
+              <a:rPr lang="en-US" sz="1600" dirty="0" err="1">
+                <a:latin typeface="Consolas" panose="020B0609020204030204" pitchFamily="49" charset="0"/>
+              </a:rPr>
+              <a:t>badswap</a:t>
+            </a:r>
+            <a:endParaRPr lang="en-US" sz="1600" dirty="0">
+              <a:latin typeface="Consolas" panose="020B0609020204030204" pitchFamily="49" charset="0"/>
+            </a:endParaRPr>
+          </a:p>
+          <a:p>
+            <a:pPr marL="0" indent="0">
+              <a:buNone/>
+            </a:pPr>
+            <a:r>
+              <a:rPr lang="en-US" sz="1600" dirty="0">
+                <a:latin typeface="Consolas" panose="020B0609020204030204" pitchFamily="49" charset="0"/>
+              </a:rPr>
+              <a:t>  (lambda (</a:t>
+            </a:r>
+            <a:r>
+              <a:rPr lang="en-US" sz="1600" dirty="0" err="1">
+                <a:latin typeface="Consolas" panose="020B0609020204030204" pitchFamily="49" charset="0"/>
+              </a:rPr>
+              <a:t>stx</a:t>
+            </a:r>
+            <a:r>
+              <a:rPr lang="en-US" sz="1600" dirty="0">
+                <a:latin typeface="Consolas" panose="020B0609020204030204" pitchFamily="49" charset="0"/>
+              </a:rPr>
+              <a:t>)</a:t>
+            </a:r>
+          </a:p>
+          <a:p>
+            <a:pPr marL="0" indent="0">
+              <a:buNone/>
+            </a:pPr>
+            <a:r>
+              <a:rPr lang="en-US" sz="1600" dirty="0">
+                <a:latin typeface="Consolas" panose="020B0609020204030204" pitchFamily="49" charset="0"/>
+              </a:rPr>
+              <a:t>    (datum-&gt;syntax </a:t>
+            </a:r>
+            <a:r>
+              <a:rPr lang="en-US" sz="1600" dirty="0" err="1">
+                <a:latin typeface="Consolas" panose="020B0609020204030204" pitchFamily="49" charset="0"/>
+              </a:rPr>
+              <a:t>stx</a:t>
+            </a:r>
+            <a:r>
+              <a:rPr lang="en-US" sz="1600" dirty="0">
+                <a:latin typeface="Consolas" panose="020B0609020204030204" pitchFamily="49" charset="0"/>
+              </a:rPr>
+              <a:t> (let* ([</a:t>
+            </a:r>
+            <a:r>
+              <a:rPr lang="en-US" sz="1600" dirty="0" err="1">
+                <a:latin typeface="Consolas" panose="020B0609020204030204" pitchFamily="49" charset="0"/>
+              </a:rPr>
+              <a:t>orig</a:t>
+            </a:r>
+            <a:r>
+              <a:rPr lang="en-US" sz="1600" dirty="0">
+                <a:latin typeface="Consolas" panose="020B0609020204030204" pitchFamily="49" charset="0"/>
+              </a:rPr>
+              <a:t> (syntax-&gt;datum </a:t>
+            </a:r>
+            <a:r>
+              <a:rPr lang="en-US" sz="1600" dirty="0" err="1">
+                <a:latin typeface="Consolas" panose="020B0609020204030204" pitchFamily="49" charset="0"/>
+              </a:rPr>
+              <a:t>stx</a:t>
+            </a:r>
+            <a:r>
+              <a:rPr lang="en-US" sz="1600" dirty="0">
+                <a:latin typeface="Consolas" panose="020B0609020204030204" pitchFamily="49" charset="0"/>
+              </a:rPr>
+              <a:t>)]</a:t>
+            </a:r>
+          </a:p>
+          <a:p>
+            <a:pPr marL="0" indent="0">
+              <a:buNone/>
+            </a:pPr>
+            <a:r>
+              <a:rPr lang="en-US" sz="1600" dirty="0">
+                <a:latin typeface="Consolas" panose="020B0609020204030204" pitchFamily="49" charset="0"/>
+              </a:rPr>
+              <a:t>                              [v1 (</a:t>
+            </a:r>
+            <a:r>
+              <a:rPr lang="en-US" sz="1600" dirty="0" err="1">
+                <a:latin typeface="Consolas" panose="020B0609020204030204" pitchFamily="49" charset="0"/>
+              </a:rPr>
+              <a:t>cadr</a:t>
+            </a:r>
+            <a:r>
+              <a:rPr lang="en-US" sz="1600" dirty="0">
+                <a:latin typeface="Consolas" panose="020B0609020204030204" pitchFamily="49" charset="0"/>
+              </a:rPr>
+              <a:t> </a:t>
+            </a:r>
+            <a:r>
+              <a:rPr lang="en-US" sz="1600" dirty="0" err="1">
+                <a:latin typeface="Consolas" panose="020B0609020204030204" pitchFamily="49" charset="0"/>
+              </a:rPr>
+              <a:t>orig</a:t>
+            </a:r>
+            <a:r>
+              <a:rPr lang="en-US" sz="1600" dirty="0">
+                <a:latin typeface="Consolas" panose="020B0609020204030204" pitchFamily="49" charset="0"/>
+              </a:rPr>
+              <a:t>)]</a:t>
+            </a:r>
+          </a:p>
+          <a:p>
+            <a:pPr marL="0" indent="0">
+              <a:buNone/>
+            </a:pPr>
+            <a:r>
+              <a:rPr lang="en-US" sz="1600" dirty="0">
+                <a:latin typeface="Consolas" panose="020B0609020204030204" pitchFamily="49" charset="0"/>
+              </a:rPr>
+              <a:t>                              [v2 (</a:t>
+            </a:r>
+            <a:r>
+              <a:rPr lang="en-US" sz="1600" dirty="0" err="1">
+                <a:latin typeface="Consolas" panose="020B0609020204030204" pitchFamily="49" charset="0"/>
+              </a:rPr>
+              <a:t>caddr</a:t>
+            </a:r>
+            <a:r>
+              <a:rPr lang="en-US" sz="1600" dirty="0">
+                <a:latin typeface="Consolas" panose="020B0609020204030204" pitchFamily="49" charset="0"/>
+              </a:rPr>
+              <a:t> </a:t>
+            </a:r>
+            <a:r>
+              <a:rPr lang="en-US" sz="1600" dirty="0" err="1">
+                <a:latin typeface="Consolas" panose="020B0609020204030204" pitchFamily="49" charset="0"/>
+              </a:rPr>
+              <a:t>orig</a:t>
+            </a:r>
+            <a:r>
+              <a:rPr lang="en-US" sz="1600" dirty="0">
+                <a:latin typeface="Consolas" panose="020B0609020204030204" pitchFamily="49" charset="0"/>
+              </a:rPr>
+              <a:t>)])</a:t>
+            </a:r>
+          </a:p>
+          <a:p>
+            <a:pPr marL="0" indent="0">
+              <a:buNone/>
+            </a:pPr>
+            <a:r>
+              <a:rPr lang="en-US" sz="1600" dirty="0">
+                <a:latin typeface="Consolas" panose="020B0609020204030204" pitchFamily="49" charset="0"/>
+              </a:rPr>
+              <a:t>                         (list 'let (list (list '</a:t>
+            </a:r>
+            <a:r>
+              <a:rPr lang="en-US" sz="1600" dirty="0" err="1">
+                <a:latin typeface="Consolas" panose="020B0609020204030204" pitchFamily="49" charset="0"/>
+              </a:rPr>
+              <a:t>tmp</a:t>
+            </a:r>
+            <a:r>
+              <a:rPr lang="en-US" sz="1600" dirty="0">
+                <a:latin typeface="Consolas" panose="020B0609020204030204" pitchFamily="49" charset="0"/>
+              </a:rPr>
+              <a:t> v1))</a:t>
+            </a:r>
+          </a:p>
+          <a:p>
+            <a:pPr marL="0" indent="0">
+              <a:buNone/>
+            </a:pPr>
+            <a:r>
+              <a:rPr lang="en-US" sz="1600" dirty="0">
+                <a:latin typeface="Consolas" panose="020B0609020204030204" pitchFamily="49" charset="0"/>
+              </a:rPr>
+              <a:t>                               (list 'set! v1 v2)</a:t>
+            </a:r>
+          </a:p>
+          <a:p>
+            <a:pPr marL="0" indent="0">
+              <a:buNone/>
+            </a:pPr>
+            <a:r>
+              <a:rPr lang="en-US" sz="1600" dirty="0">
+                <a:latin typeface="Consolas" panose="020B0609020204030204" pitchFamily="49" charset="0"/>
+              </a:rPr>
+              <a:t>                               (list 'set! v2 '</a:t>
+            </a:r>
+            <a:r>
+              <a:rPr lang="en-US" sz="1600" dirty="0" err="1">
+                <a:latin typeface="Consolas" panose="020B0609020204030204" pitchFamily="49" charset="0"/>
+              </a:rPr>
+              <a:t>tmp</a:t>
+            </a:r>
+            <a:r>
+              <a:rPr lang="en-US" sz="1600" dirty="0">
+                <a:latin typeface="Consolas" panose="020B0609020204030204" pitchFamily="49" charset="0"/>
+              </a:rPr>
+              <a:t>))))))</a:t>
+            </a:r>
+          </a:p>
+          <a:p>
+            <a:pPr marL="0" indent="0">
+              <a:buNone/>
+            </a:pPr>
+            <a:r>
+              <a:rPr lang="en-US" sz="1600" dirty="0">
+                <a:latin typeface="Consolas" panose="020B0609020204030204" pitchFamily="49" charset="0"/>
+              </a:rPr>
+              <a:t>      </a:t>
+            </a:r>
+          </a:p>
+          <a:p>
+            <a:pPr marL="0" indent="0">
+              <a:buNone/>
+            </a:pPr>
+            <a:endParaRPr lang="en-US" sz="1600" dirty="0">
+              <a:latin typeface="Consolas" panose="020B0609020204030204" pitchFamily="49" charset="0"/>
+            </a:endParaRPr>
+          </a:p>
+          <a:p>
+            <a:pPr marL="0" indent="0">
+              <a:buNone/>
+            </a:pPr>
+            <a:r>
+              <a:rPr lang="en-US" sz="1600" dirty="0">
+                <a:latin typeface="Consolas" panose="020B0609020204030204" pitchFamily="49" charset="0"/>
+              </a:rPr>
+              <a:t>(define a 1)</a:t>
+            </a:r>
+          </a:p>
+          <a:p>
+            <a:pPr marL="0" indent="0">
+              <a:buNone/>
+            </a:pPr>
+            <a:r>
+              <a:rPr lang="en-US" sz="1600" dirty="0">
+                <a:latin typeface="Consolas" panose="020B0609020204030204" pitchFamily="49" charset="0"/>
+              </a:rPr>
+              <a:t>(define b 2)</a:t>
+            </a:r>
+          </a:p>
+          <a:p>
+            <a:pPr marL="0" indent="0">
+              <a:buNone/>
+            </a:pPr>
+            <a:r>
+              <a:rPr lang="en-US" sz="1600" dirty="0">
+                <a:latin typeface="Consolas" panose="020B0609020204030204" pitchFamily="49" charset="0"/>
+              </a:rPr>
+              <a:t>(</a:t>
+            </a:r>
+            <a:r>
+              <a:rPr lang="en-US" sz="1600" dirty="0" err="1">
+                <a:latin typeface="Consolas" panose="020B0609020204030204" pitchFamily="49" charset="0"/>
+              </a:rPr>
+              <a:t>badswap</a:t>
+            </a:r>
+            <a:r>
+              <a:rPr lang="en-US" sz="1600" dirty="0">
+                <a:latin typeface="Consolas" panose="020B0609020204030204" pitchFamily="49" charset="0"/>
+              </a:rPr>
+              <a:t> a b) ; works</a:t>
+            </a:r>
+          </a:p>
+          <a:p>
+            <a:pPr marL="0" indent="0">
+              <a:buNone/>
+            </a:pPr>
+            <a:r>
+              <a:rPr lang="en-US" sz="1600" dirty="0">
+                <a:latin typeface="Consolas" panose="020B0609020204030204" pitchFamily="49" charset="0"/>
+              </a:rPr>
+              <a:t>(define q 3)</a:t>
+            </a:r>
+          </a:p>
+          <a:p>
+            <a:pPr marL="0" indent="0">
+              <a:buNone/>
+            </a:pPr>
+            <a:r>
+              <a:rPr lang="en-US" sz="1600" dirty="0">
+                <a:latin typeface="Consolas" panose="020B0609020204030204" pitchFamily="49" charset="0"/>
+              </a:rPr>
+              <a:t>(define </a:t>
+            </a:r>
+            <a:r>
+              <a:rPr lang="en-US" sz="1600" dirty="0" err="1">
+                <a:latin typeface="Consolas" panose="020B0609020204030204" pitchFamily="49" charset="0"/>
+              </a:rPr>
+              <a:t>tmp</a:t>
+            </a:r>
+            <a:r>
+              <a:rPr lang="en-US" sz="1600" dirty="0">
+                <a:latin typeface="Consolas" panose="020B0609020204030204" pitchFamily="49" charset="0"/>
+              </a:rPr>
+              <a:t> 99)</a:t>
+            </a:r>
+          </a:p>
+          <a:p>
+            <a:pPr marL="0" indent="0">
+              <a:buNone/>
+            </a:pPr>
+            <a:r>
+              <a:rPr lang="en-US" sz="1600" dirty="0">
+                <a:latin typeface="Consolas" panose="020B0609020204030204" pitchFamily="49" charset="0"/>
+              </a:rPr>
+              <a:t>(</a:t>
+            </a:r>
+            <a:r>
+              <a:rPr lang="en-US" sz="1600" dirty="0" err="1">
+                <a:latin typeface="Consolas" panose="020B0609020204030204" pitchFamily="49" charset="0"/>
+              </a:rPr>
+              <a:t>badswap</a:t>
+            </a:r>
+            <a:r>
+              <a:rPr lang="en-US" sz="1600" dirty="0">
+                <a:latin typeface="Consolas" panose="020B0609020204030204" pitchFamily="49" charset="0"/>
+              </a:rPr>
+              <a:t> q </a:t>
+            </a:r>
+            <a:r>
+              <a:rPr lang="en-US" sz="1600" dirty="0" err="1">
+                <a:latin typeface="Consolas" panose="020B0609020204030204" pitchFamily="49" charset="0"/>
+              </a:rPr>
+              <a:t>tmp</a:t>
+            </a:r>
+            <a:r>
+              <a:rPr lang="en-US" sz="1600" dirty="0">
+                <a:latin typeface="Consolas" panose="020B0609020204030204" pitchFamily="49" charset="0"/>
+              </a:rPr>
+              <a:t>) ; variables are not swapped</a:t>
+            </a:r>
+          </a:p>
+        </p:txBody>
+      </p:sp>
+    </p:spTree>
+    <p:extLst>
+      <p:ext uri="{BB962C8B-B14F-4D97-AF65-F5344CB8AC3E}">
+        <p14:creationId xmlns:p14="http://schemas.microsoft.com/office/powerpoint/2010/main" val="3608643309"/>
+      </p:ext>
+    </p:extLst>
+  </p:cSld>
+  <p:clrMapOvr>
+    <a:masterClrMapping/>
+  </p:clrMapOvr>
+</p:sld>
+</file>
+
+<file path=ppt/slides/slide8.xml><?xml version="1.0" encoding="utf-8"?>
+<p:sld xmlns:a="http://schemas.openxmlformats.org/drawingml/2006/main" xmlns:r="http://schemas.openxmlformats.org/officeDocument/2006/relationships" xmlns:p="http://schemas.openxmlformats.org/presentationml/2006/main">
+  <p:cSld>
+    <p:spTree>
+      <p:nvGrpSpPr>
+        <p:cNvPr id="1" name=""/>
+        <p:cNvGrpSpPr/>
+        <p:nvPr/>
+      </p:nvGrpSpPr>
+      <p:grpSpPr>
+        <a:xfrm>
+          <a:off x="0" y="0"/>
+          <a:ext cx="0" cy="0"/>
+          <a:chOff x="0" y="0"/>
+          <a:chExt cx="0" cy="0"/>
+        </a:xfrm>
+      </p:grpSpPr>
+      <p:sp>
+        <p:nvSpPr>
+          <p:cNvPr id="2" name="Title 1">
+            <a:extLst>
+              <a:ext uri="{FF2B5EF4-FFF2-40B4-BE49-F238E27FC236}">
                 <a16:creationId xmlns:a16="http://schemas.microsoft.com/office/drawing/2014/main" id="{3AF57412-F958-44E1-BD9C-13649DD46B23}"/>
               </a:ext>
             </a:extLst>
@@ -5277,7 +6479,7 @@
 </p:sld>
 </file>
 
-<file path=ppt/slides/slide6.xml><?xml version="1.0" encoding="utf-8"?>
+<file path=ppt/slides/slide9.xml><?xml version="1.0" encoding="utf-8"?>
 <p:sld xmlns:a="http://schemas.openxmlformats.org/drawingml/2006/main" xmlns:r="http://schemas.openxmlformats.org/officeDocument/2006/relationships" xmlns:p="http://schemas.openxmlformats.org/presentationml/2006/main">
   <p:cSld>
     <p:spTree>
@@ -5634,648 +6836,6 @@
     <p:extLst>
       <p:ext uri="{BB962C8B-B14F-4D97-AF65-F5344CB8AC3E}">
         <p14:creationId xmlns:p14="http://schemas.microsoft.com/office/powerpoint/2010/main" val="898275119"/>
-      </p:ext>
-    </p:extLst>
-  </p:cSld>
-  <p:clrMapOvr>
-    <a:masterClrMapping/>
-  </p:clrMapOvr>
-</p:sld>
-</file>
-
-<file path=ppt/slides/slide7.xml><?xml version="1.0" encoding="utf-8"?>
-<p:sld xmlns:a="http://schemas.openxmlformats.org/drawingml/2006/main" xmlns:r="http://schemas.openxmlformats.org/officeDocument/2006/relationships" xmlns:p="http://schemas.openxmlformats.org/presentationml/2006/main">
-  <p:cSld>
-    <p:spTree>
-      <p:nvGrpSpPr>
-        <p:cNvPr id="1" name=""/>
-        <p:cNvGrpSpPr/>
-        <p:nvPr/>
-      </p:nvGrpSpPr>
-      <p:grpSpPr>
-        <a:xfrm>
-          <a:off x="0" y="0"/>
-          <a:ext cx="0" cy="0"/>
-          <a:chOff x="0" y="0"/>
-          <a:chExt cx="0" cy="0"/>
-        </a:xfrm>
-      </p:grpSpPr>
-      <p:sp>
-        <p:nvSpPr>
-          <p:cNvPr id="2" name="Title 1">
-            <a:extLst>
-              <a:ext uri="{FF2B5EF4-FFF2-40B4-BE49-F238E27FC236}">
-                <a16:creationId xmlns:a16="http://schemas.microsoft.com/office/drawing/2014/main" id="{D06AC56F-C6DC-44C4-BF01-68F0F145FAAA}"/>
-              </a:ext>
-            </a:extLst>
-          </p:cNvPr>
-          <p:cNvSpPr>
-            <a:spLocks noGrp="1"/>
-          </p:cNvSpPr>
-          <p:nvPr>
-            <p:ph type="title"/>
-          </p:nvPr>
-        </p:nvSpPr>
-        <p:spPr/>
-        <p:txBody>
-          <a:bodyPr/>
-          <a:lstStyle/>
-          <a:p>
-            <a:r>
-              <a:rPr lang="en-US" dirty="0"/>
-              <a:t>Sometimes we want to capture</a:t>
-            </a:r>
-          </a:p>
-        </p:txBody>
-      </p:sp>
-      <p:sp>
-        <p:nvSpPr>
-          <p:cNvPr id="3" name="Content Placeholder 2">
-            <a:extLst>
-              <a:ext uri="{FF2B5EF4-FFF2-40B4-BE49-F238E27FC236}">
-                <a16:creationId xmlns:a16="http://schemas.microsoft.com/office/drawing/2014/main" id="{DFFC10AC-A57A-435D-B74E-F6F5353DEFD1}"/>
-              </a:ext>
-            </a:extLst>
-          </p:cNvPr>
-          <p:cNvSpPr>
-            <a:spLocks noGrp="1"/>
-          </p:cNvSpPr>
-          <p:nvPr>
-            <p:ph idx="1"/>
-          </p:nvPr>
-        </p:nvSpPr>
-        <p:spPr>
-          <a:xfrm>
-            <a:off x="273132" y="1825625"/>
-            <a:ext cx="12029704" cy="4351338"/>
-          </a:xfrm>
-        </p:spPr>
-        <p:txBody>
-          <a:bodyPr>
-            <a:normAutofit/>
-          </a:bodyPr>
-          <a:lstStyle/>
-          <a:p>
-            <a:pPr marL="0" indent="0">
-              <a:buNone/>
-            </a:pPr>
-            <a:r>
-              <a:rPr lang="en-US" sz="2400" dirty="0">
-                <a:latin typeface="Consolas" panose="020B0609020204030204" pitchFamily="49" charset="0"/>
-              </a:rPr>
-              <a:t>(define-syntax print-x</a:t>
-            </a:r>
-          </a:p>
-          <a:p>
-            <a:pPr marL="0" indent="0">
-              <a:buNone/>
-            </a:pPr>
-            <a:r>
-              <a:rPr lang="en-US" sz="2400" dirty="0">
-                <a:latin typeface="Consolas" panose="020B0609020204030204" pitchFamily="49" charset="0"/>
-              </a:rPr>
-              <a:t>  (lambda (</a:t>
-            </a:r>
-            <a:r>
-              <a:rPr lang="en-US" sz="2400" dirty="0" err="1">
-                <a:latin typeface="Consolas" panose="020B0609020204030204" pitchFamily="49" charset="0"/>
-              </a:rPr>
-              <a:t>stx</a:t>
-            </a:r>
-            <a:r>
-              <a:rPr lang="en-US" sz="2400" dirty="0">
-                <a:latin typeface="Consolas" panose="020B0609020204030204" pitchFamily="49" charset="0"/>
-              </a:rPr>
-              <a:t>)</a:t>
-            </a:r>
-          </a:p>
-          <a:p>
-            <a:pPr marL="0" indent="0">
-              <a:buNone/>
-            </a:pPr>
-            <a:r>
-              <a:rPr lang="en-US" sz="2400" dirty="0">
-                <a:latin typeface="Consolas" panose="020B0609020204030204" pitchFamily="49" charset="0"/>
-              </a:rPr>
-              <a:t>    (syntax-case </a:t>
-            </a:r>
-            <a:r>
-              <a:rPr lang="en-US" sz="2400" dirty="0" err="1">
-                <a:latin typeface="Consolas" panose="020B0609020204030204" pitchFamily="49" charset="0"/>
-              </a:rPr>
-              <a:t>stx</a:t>
-            </a:r>
-            <a:r>
-              <a:rPr lang="en-US" sz="2400" dirty="0">
-                <a:latin typeface="Consolas" panose="020B0609020204030204" pitchFamily="49" charset="0"/>
-              </a:rPr>
-              <a:t> ()</a:t>
-            </a:r>
-          </a:p>
-          <a:p>
-            <a:pPr marL="0" indent="0">
-              <a:buNone/>
-            </a:pPr>
-            <a:r>
-              <a:rPr lang="en-US" sz="2400" dirty="0">
-                <a:latin typeface="Consolas" panose="020B0609020204030204" pitchFamily="49" charset="0"/>
-              </a:rPr>
-              <a:t>      [(print-x) (with-syntax ([x-in-context (datum-&gt;syntax </a:t>
-            </a:r>
-            <a:r>
-              <a:rPr lang="en-US" sz="2400" dirty="0" err="1">
-                <a:latin typeface="Consolas" panose="020B0609020204030204" pitchFamily="49" charset="0"/>
-              </a:rPr>
-              <a:t>stx</a:t>
-            </a:r>
-            <a:r>
-              <a:rPr lang="en-US" sz="2400" dirty="0">
-                <a:latin typeface="Consolas" panose="020B0609020204030204" pitchFamily="49" charset="0"/>
-              </a:rPr>
-              <a:t> 'x)])</a:t>
-            </a:r>
-          </a:p>
-          <a:p>
-            <a:pPr marL="0" indent="0">
-              <a:buNone/>
-            </a:pPr>
-            <a:r>
-              <a:rPr lang="en-US" sz="2400" dirty="0">
-                <a:latin typeface="Consolas" panose="020B0609020204030204" pitchFamily="49" charset="0"/>
-              </a:rPr>
-              <a:t>                   #'(</a:t>
-            </a:r>
-            <a:r>
-              <a:rPr lang="en-US" sz="2400" dirty="0" err="1">
-                <a:latin typeface="Consolas" panose="020B0609020204030204" pitchFamily="49" charset="0"/>
-              </a:rPr>
-              <a:t>printf</a:t>
-            </a:r>
-            <a:r>
-              <a:rPr lang="en-US" sz="2400" dirty="0">
-                <a:latin typeface="Consolas" panose="020B0609020204030204" pitchFamily="49" charset="0"/>
-              </a:rPr>
-              <a:t> "x is ~</a:t>
-            </a:r>
-            <a:r>
-              <a:rPr lang="en-US" sz="2400" dirty="0" err="1">
-                <a:latin typeface="Consolas" panose="020B0609020204030204" pitchFamily="49" charset="0"/>
-              </a:rPr>
-              <a:t>s~n</a:t>
-            </a:r>
-            <a:r>
-              <a:rPr lang="en-US" sz="2400" dirty="0">
-                <a:latin typeface="Consolas" panose="020B0609020204030204" pitchFamily="49" charset="0"/>
-              </a:rPr>
-              <a:t>" x-in-context))])))</a:t>
-            </a:r>
-          </a:p>
-          <a:p>
-            <a:pPr marL="0" indent="0">
-              <a:buNone/>
-            </a:pPr>
-            <a:endParaRPr lang="en-US" sz="2400" dirty="0">
-              <a:latin typeface="Consolas" panose="020B0609020204030204" pitchFamily="49" charset="0"/>
-            </a:endParaRPr>
-          </a:p>
-          <a:p>
-            <a:pPr marL="0" indent="0">
-              <a:buNone/>
-            </a:pPr>
-            <a:r>
-              <a:rPr lang="en-US" sz="2400" dirty="0">
-                <a:latin typeface="Consolas" panose="020B0609020204030204" pitchFamily="49" charset="0"/>
-              </a:rPr>
-              <a:t>(let ((x 3)) (print-x))</a:t>
-            </a:r>
-          </a:p>
-        </p:txBody>
-      </p:sp>
-      <p:sp>
-        <p:nvSpPr>
-          <p:cNvPr id="4" name="Callout: Line 3">
-            <a:extLst>
-              <a:ext uri="{FF2B5EF4-FFF2-40B4-BE49-F238E27FC236}">
-                <a16:creationId xmlns:a16="http://schemas.microsoft.com/office/drawing/2014/main" id="{F4FC7380-7478-4DA7-8374-D304C7120702}"/>
-              </a:ext>
-            </a:extLst>
-          </p:cNvPr>
-          <p:cNvSpPr/>
-          <p:nvPr/>
-        </p:nvSpPr>
-        <p:spPr>
-          <a:xfrm>
-            <a:off x="8311676" y="1234609"/>
-            <a:ext cx="3368233" cy="1182032"/>
-          </a:xfrm>
-          <a:prstGeom prst="borderCallout1">
-            <a:avLst>
-              <a:gd name="adj1" fmla="val 101603"/>
-              <a:gd name="adj2" fmla="val 88726"/>
-              <a:gd name="adj3" fmla="val 169841"/>
-              <a:gd name="adj4" fmla="val 81853"/>
-            </a:avLst>
-          </a:prstGeom>
-          <a:solidFill>
-            <a:schemeClr val="accent1">
-              <a:lumMod val="20000"/>
-              <a:lumOff val="80000"/>
-            </a:schemeClr>
-          </a:solidFill>
-        </p:spPr>
-        <p:style>
-          <a:lnRef idx="2">
-            <a:schemeClr val="dk1"/>
-          </a:lnRef>
-          <a:fillRef idx="1">
-            <a:schemeClr val="lt1"/>
-          </a:fillRef>
-          <a:effectRef idx="0">
-            <a:schemeClr val="dk1"/>
-          </a:effectRef>
-          <a:fontRef idx="minor">
-            <a:schemeClr val="dk1"/>
-          </a:fontRef>
-        </p:style>
-        <p:txBody>
-          <a:bodyPr rtlCol="0" anchor="ctr"/>
-          <a:lstStyle/>
-          <a:p>
-            <a:pPr algn="ctr"/>
-            <a:r>
-              <a:rPr lang="en-US" dirty="0"/>
-              <a:t>Put in the namespace of the transformed code, not the generated code</a:t>
-            </a:r>
-          </a:p>
-        </p:txBody>
-      </p:sp>
-      <p:sp>
-        <p:nvSpPr>
-          <p:cNvPr id="5" name="Callout: Line 4">
-            <a:extLst>
-              <a:ext uri="{FF2B5EF4-FFF2-40B4-BE49-F238E27FC236}">
-                <a16:creationId xmlns:a16="http://schemas.microsoft.com/office/drawing/2014/main" id="{FC433F22-5895-475A-A36A-78C5CE827612}"/>
-              </a:ext>
-            </a:extLst>
-          </p:cNvPr>
-          <p:cNvSpPr/>
-          <p:nvPr/>
-        </p:nvSpPr>
-        <p:spPr>
-          <a:xfrm>
-            <a:off x="6627558" y="4772760"/>
-            <a:ext cx="4209317" cy="850631"/>
-          </a:xfrm>
-          <a:prstGeom prst="borderCallout1">
-            <a:avLst>
-              <a:gd name="adj1" fmla="val 201"/>
-              <a:gd name="adj2" fmla="val 21957"/>
-              <a:gd name="adj3" fmla="val -86522"/>
-              <a:gd name="adj4" fmla="val -44640"/>
-            </a:avLst>
-          </a:prstGeom>
-          <a:solidFill>
-            <a:schemeClr val="accent1">
-              <a:lumMod val="20000"/>
-              <a:lumOff val="80000"/>
-            </a:schemeClr>
-          </a:solidFill>
-        </p:spPr>
-        <p:style>
-          <a:lnRef idx="2">
-            <a:schemeClr val="dk1"/>
-          </a:lnRef>
-          <a:fillRef idx="1">
-            <a:schemeClr val="lt1"/>
-          </a:fillRef>
-          <a:effectRef idx="0">
-            <a:schemeClr val="dk1"/>
-          </a:effectRef>
-          <a:fontRef idx="minor">
-            <a:schemeClr val="dk1"/>
-          </a:fontRef>
-        </p:style>
-        <p:txBody>
-          <a:bodyPr rtlCol="0" anchor="ctr"/>
-          <a:lstStyle/>
-          <a:p>
-            <a:pPr algn="ctr"/>
-            <a:r>
-              <a:rPr lang="en-US" dirty="0"/>
-              <a:t>Other values not specially constructed however, are still safe from capture</a:t>
-            </a:r>
-          </a:p>
-        </p:txBody>
-      </p:sp>
-    </p:spTree>
-    <p:extLst>
-      <p:ext uri="{BB962C8B-B14F-4D97-AF65-F5344CB8AC3E}">
-        <p14:creationId xmlns:p14="http://schemas.microsoft.com/office/powerpoint/2010/main" val="4014141333"/>
-      </p:ext>
-    </p:extLst>
-  </p:cSld>
-  <p:clrMapOvr>
-    <a:masterClrMapping/>
-  </p:clrMapOvr>
-</p:sld>
-</file>
-
-<file path=ppt/slides/slide8.xml><?xml version="1.0" encoding="utf-8"?>
-<p:sld xmlns:a="http://schemas.openxmlformats.org/drawingml/2006/main" xmlns:r="http://schemas.openxmlformats.org/officeDocument/2006/relationships" xmlns:p="http://schemas.openxmlformats.org/presentationml/2006/main">
-  <p:cSld>
-    <p:spTree>
-      <p:nvGrpSpPr>
-        <p:cNvPr id="1" name=""/>
-        <p:cNvGrpSpPr/>
-        <p:nvPr/>
-      </p:nvGrpSpPr>
-      <p:grpSpPr>
-        <a:xfrm>
-          <a:off x="0" y="0"/>
-          <a:ext cx="0" cy="0"/>
-          <a:chOff x="0" y="0"/>
-          <a:chExt cx="0" cy="0"/>
-        </a:xfrm>
-      </p:grpSpPr>
-      <p:sp>
-        <p:nvSpPr>
-          <p:cNvPr id="2" name="Title 1">
-            <a:extLst>
-              <a:ext uri="{FF2B5EF4-FFF2-40B4-BE49-F238E27FC236}">
-                <a16:creationId xmlns:a16="http://schemas.microsoft.com/office/drawing/2014/main" id="{6AB62B88-2902-4412-BBDD-876C3337B320}"/>
-              </a:ext>
-            </a:extLst>
-          </p:cNvPr>
-          <p:cNvSpPr>
-            <a:spLocks noGrp="1"/>
-          </p:cNvSpPr>
-          <p:nvPr>
-            <p:ph type="title"/>
-          </p:nvPr>
-        </p:nvSpPr>
-        <p:spPr/>
-        <p:txBody>
-          <a:bodyPr/>
-          <a:lstStyle/>
-          <a:p>
-            <a:r>
-              <a:rPr lang="en-US" dirty="0"/>
-              <a:t>Activity if-it</a:t>
-            </a:r>
-          </a:p>
-        </p:txBody>
-      </p:sp>
-      <p:sp>
-        <p:nvSpPr>
-          <p:cNvPr id="3" name="Content Placeholder 2">
-            <a:extLst>
-              <a:ext uri="{FF2B5EF4-FFF2-40B4-BE49-F238E27FC236}">
-                <a16:creationId xmlns:a16="http://schemas.microsoft.com/office/drawing/2014/main" id="{0028535B-BBC3-4547-8508-DF51D52C1C72}"/>
-              </a:ext>
-            </a:extLst>
-          </p:cNvPr>
-          <p:cNvSpPr>
-            <a:spLocks noGrp="1"/>
-          </p:cNvSpPr>
-          <p:nvPr>
-            <p:ph idx="1"/>
-          </p:nvPr>
-        </p:nvSpPr>
-        <p:spPr>
-          <a:xfrm>
-            <a:off x="0" y="1564368"/>
-            <a:ext cx="11709070" cy="4351338"/>
-          </a:xfrm>
-        </p:spPr>
-        <p:txBody>
-          <a:bodyPr/>
-          <a:lstStyle/>
-          <a:p>
-            <a:pPr marL="0" indent="0">
-              <a:spcAft>
-                <a:spcPts val="600"/>
-              </a:spcAft>
-              <a:buNone/>
-            </a:pPr>
-            <a:r>
-              <a:rPr lang="en-US" dirty="0"/>
-              <a:t>Sometimes we want to use the value of an if test</a:t>
-            </a:r>
-          </a:p>
-          <a:p>
-            <a:pPr marL="0" indent="0">
-              <a:spcAft>
-                <a:spcPts val="600"/>
-              </a:spcAft>
-              <a:buNone/>
-            </a:pPr>
-            <a:r>
-              <a:rPr lang="en-US" sz="2400" dirty="0">
-                <a:latin typeface="Consolas" panose="020B0609020204030204" pitchFamily="49" charset="0"/>
-              </a:rPr>
-              <a:t>(if (do-big-calculation 100) (+ 1 (do-big-calculation 100)) #failed)</a:t>
-            </a:r>
-          </a:p>
-          <a:p>
-            <a:pPr marL="0" indent="0">
-              <a:spcAft>
-                <a:spcPts val="600"/>
-              </a:spcAft>
-              <a:buNone/>
-            </a:pPr>
-            <a:r>
-              <a:rPr lang="en-US" sz="2400" dirty="0"/>
-              <a:t>What if we had a variant of if that bound the test to a variable “it”.  The equivalent of:</a:t>
-            </a:r>
-          </a:p>
-          <a:p>
-            <a:pPr marL="0" indent="0">
-              <a:spcAft>
-                <a:spcPts val="600"/>
-              </a:spcAft>
-              <a:buNone/>
-            </a:pPr>
-            <a:r>
-              <a:rPr lang="en-US" sz="2400" dirty="0">
-                <a:latin typeface="Consolas" panose="020B0609020204030204" pitchFamily="49" charset="0"/>
-              </a:rPr>
-              <a:t>(let ((it (do-big-calculation 100)) (if it (+ 1 it) #failed))</a:t>
-            </a:r>
-          </a:p>
-          <a:p>
-            <a:pPr marL="0" indent="0">
-              <a:spcAft>
-                <a:spcPts val="600"/>
-              </a:spcAft>
-              <a:buNone/>
-            </a:pPr>
-            <a:r>
-              <a:rPr lang="en-US" sz="2400" dirty="0"/>
-              <a:t>But without having to explicitly do the let</a:t>
-            </a:r>
-          </a:p>
-          <a:p>
-            <a:pPr marL="0" indent="0">
-              <a:spcAft>
-                <a:spcPts val="600"/>
-              </a:spcAft>
-              <a:buNone/>
-            </a:pPr>
-            <a:r>
-              <a:rPr lang="en-US" sz="2400" dirty="0">
-                <a:latin typeface="Consolas" panose="020B0609020204030204" pitchFamily="49" charset="0"/>
-              </a:rPr>
-              <a:t>(if (do-big-calculation 100) (+ 1 it) #failed)</a:t>
-            </a:r>
-          </a:p>
-          <a:p>
-            <a:pPr marL="0" indent="0">
-              <a:spcAft>
-                <a:spcPts val="600"/>
-              </a:spcAft>
-              <a:buNone/>
-            </a:pPr>
-            <a:r>
-              <a:rPr lang="en-US" sz="2400" dirty="0"/>
-              <a:t>Hint: You’ll want to define it similar to the way we did x in the example.</a:t>
-            </a:r>
-          </a:p>
-          <a:p>
-            <a:pPr marL="0" indent="0">
-              <a:spcAft>
-                <a:spcPts val="600"/>
-              </a:spcAft>
-              <a:buNone/>
-            </a:pPr>
-            <a:endParaRPr lang="en-US" sz="2400" dirty="0"/>
-          </a:p>
-          <a:p>
-            <a:pPr marL="0" indent="0">
-              <a:spcAft>
-                <a:spcPts val="600"/>
-              </a:spcAft>
-              <a:buNone/>
-            </a:pPr>
-            <a:endParaRPr lang="en-US" sz="2400" dirty="0">
-              <a:latin typeface="Consolas" panose="020B0609020204030204" pitchFamily="49" charset="0"/>
-            </a:endParaRPr>
-          </a:p>
-          <a:p>
-            <a:pPr marL="0" indent="0">
-              <a:spcAft>
-                <a:spcPts val="600"/>
-              </a:spcAft>
-              <a:buNone/>
-            </a:pPr>
-            <a:endParaRPr lang="en-US" sz="2400" dirty="0">
-              <a:latin typeface="Consolas" panose="020B0609020204030204" pitchFamily="49" charset="0"/>
-            </a:endParaRPr>
-          </a:p>
-          <a:p>
-            <a:pPr marL="0" indent="0">
-              <a:spcAft>
-                <a:spcPts val="600"/>
-              </a:spcAft>
-              <a:buNone/>
-            </a:pPr>
-            <a:endParaRPr lang="en-US" sz="2400" dirty="0">
-              <a:latin typeface="Consolas" panose="020B0609020204030204" pitchFamily="49" charset="0"/>
-            </a:endParaRPr>
-          </a:p>
-        </p:txBody>
-      </p:sp>
-    </p:spTree>
-    <p:extLst>
-      <p:ext uri="{BB962C8B-B14F-4D97-AF65-F5344CB8AC3E}">
-        <p14:creationId xmlns:p14="http://schemas.microsoft.com/office/powerpoint/2010/main" val="3290595372"/>
-      </p:ext>
-    </p:extLst>
-  </p:cSld>
-  <p:clrMapOvr>
-    <a:masterClrMapping/>
-  </p:clrMapOvr>
-</p:sld>
-</file>
-
-<file path=ppt/slides/slide9.xml><?xml version="1.0" encoding="utf-8"?>
-<p:sld xmlns:a="http://schemas.openxmlformats.org/drawingml/2006/main" xmlns:r="http://schemas.openxmlformats.org/officeDocument/2006/relationships" xmlns:p="http://schemas.openxmlformats.org/presentationml/2006/main">
-  <p:cSld>
-    <p:spTree>
-      <p:nvGrpSpPr>
-        <p:cNvPr id="1" name=""/>
-        <p:cNvGrpSpPr/>
-        <p:nvPr/>
-      </p:nvGrpSpPr>
-      <p:grpSpPr>
-        <a:xfrm>
-          <a:off x="0" y="0"/>
-          <a:ext cx="0" cy="0"/>
-          <a:chOff x="0" y="0"/>
-          <a:chExt cx="0" cy="0"/>
-        </a:xfrm>
-      </p:grpSpPr>
-      <p:sp>
-        <p:nvSpPr>
-          <p:cNvPr id="2" name="Title 1">
-            <a:extLst>
-              <a:ext uri="{FF2B5EF4-FFF2-40B4-BE49-F238E27FC236}">
-                <a16:creationId xmlns:a16="http://schemas.microsoft.com/office/drawing/2014/main" id="{748FC9B3-6B91-4C04-80E7-363D1288C3C6}"/>
-              </a:ext>
-            </a:extLst>
-          </p:cNvPr>
-          <p:cNvSpPr>
-            <a:spLocks noGrp="1"/>
-          </p:cNvSpPr>
-          <p:nvPr>
-            <p:ph type="title"/>
-          </p:nvPr>
-        </p:nvSpPr>
-        <p:spPr/>
-        <p:txBody>
-          <a:bodyPr/>
-          <a:lstStyle/>
-          <a:p>
-            <a:r>
-              <a:rPr lang="en-US" dirty="0"/>
-              <a:t>Macro Expansion occurs before execution</a:t>
-            </a:r>
-          </a:p>
-        </p:txBody>
-      </p:sp>
-      <p:pic>
-        <p:nvPicPr>
-          <p:cNvPr id="5" name="Picture 4">
-            <a:extLst>
-              <a:ext uri="{FF2B5EF4-FFF2-40B4-BE49-F238E27FC236}">
-                <a16:creationId xmlns:a16="http://schemas.microsoft.com/office/drawing/2014/main" id="{F081C50D-AB49-4C64-A716-9209DB3BA6E7}"/>
-              </a:ext>
-            </a:extLst>
-          </p:cNvPr>
-          <p:cNvPicPr>
-            <a:picLocks noChangeAspect="1"/>
-          </p:cNvPicPr>
-          <p:nvPr/>
-        </p:nvPicPr>
-        <p:blipFill>
-          <a:blip r:embed="rId2"/>
-          <a:stretch>
-            <a:fillRect/>
-          </a:stretch>
-        </p:blipFill>
-        <p:spPr>
-          <a:xfrm>
-            <a:off x="1498524" y="1377236"/>
-            <a:ext cx="9459645" cy="5115639"/>
-          </a:xfrm>
-          <a:prstGeom prst="rect">
-            <a:avLst/>
-          </a:prstGeom>
-        </p:spPr>
-      </p:pic>
-    </p:spTree>
-    <p:extLst>
-      <p:ext uri="{BB962C8B-B14F-4D97-AF65-F5344CB8AC3E}">
-        <p14:creationId xmlns:p14="http://schemas.microsoft.com/office/powerpoint/2010/main" val="4163544457"/>
       </p:ext>
     </p:extLst>
   </p:cSld>
@@ -6580,21 +7140,316 @@
 </a:theme>
 </file>
 
-<file path=customXml/item1.xml><?xml version="1.0" encoding="utf-8"?>
-<p:properties xmlns:p="http://schemas.microsoft.com/office/2006/metadata/properties" xmlns:xsi="http://www.w3.org/2001/XMLSchema-instance" xmlns:pc="http://schemas.microsoft.com/office/infopath/2007/PartnerControls">
-  <documentManagement>
-    <_activity xmlns="5f5b6d61-0e5f-41fd-8596-a1256f5a83b0" xsi:nil="true"/>
-  </documentManagement>
-</p:properties>
+<file path=ppt/theme/theme2.xml><?xml version="1.0" encoding="utf-8"?>
+<a:theme xmlns:a="http://schemas.openxmlformats.org/drawingml/2006/main" name="Office Theme">
+  <a:themeElements>
+    <a:clrScheme name="Office">
+      <a:dk1>
+        <a:sysClr val="windowText" lastClr="000000"/>
+      </a:dk1>
+      <a:lt1>
+        <a:sysClr val="window" lastClr="FFFFFF"/>
+      </a:lt1>
+      <a:dk2>
+        <a:srgbClr val="44546A"/>
+      </a:dk2>
+      <a:lt2>
+        <a:srgbClr val="E7E6E6"/>
+      </a:lt2>
+      <a:accent1>
+        <a:srgbClr val="4472C4"/>
+      </a:accent1>
+      <a:accent2>
+        <a:srgbClr val="ED7D31"/>
+      </a:accent2>
+      <a:accent3>
+        <a:srgbClr val="A5A5A5"/>
+      </a:accent3>
+      <a:accent4>
+        <a:srgbClr val="FFC000"/>
+      </a:accent4>
+      <a:accent5>
+        <a:srgbClr val="5B9BD5"/>
+      </a:accent5>
+      <a:accent6>
+        <a:srgbClr val="70AD47"/>
+      </a:accent6>
+      <a:hlink>
+        <a:srgbClr val="0563C1"/>
+      </a:hlink>
+      <a:folHlink>
+        <a:srgbClr val="954F72"/>
+      </a:folHlink>
+    </a:clrScheme>
+    <a:fontScheme name="Office">
+      <a:majorFont>
+        <a:latin typeface="Calibri Light" panose="020F0302020204030204"/>
+        <a:ea typeface=""/>
+        <a:cs typeface=""/>
+        <a:font script="Jpan" typeface="游ゴシック Light"/>
+        <a:font script="Hang" typeface="맑은 고딕"/>
+        <a:font script="Hans" typeface="等线 Light"/>
+        <a:font script="Hant" typeface="新細明體"/>
+        <a:font script="Arab" typeface="Times New Roman"/>
+        <a:font script="Hebr" typeface="Times New Roman"/>
+        <a:font script="Thai" typeface="Angsana New"/>
+        <a:font script="Ethi" typeface="Nyala"/>
+        <a:font script="Beng" typeface="Vrinda"/>
+        <a:font script="Gujr" typeface="Shruti"/>
+        <a:font script="Khmr" typeface="MoolBoran"/>
+        <a:font script="Knda" typeface="Tunga"/>
+        <a:font script="Guru" typeface="Raavi"/>
+        <a:font script="Cans" typeface="Euphemia"/>
+        <a:font script="Cher" typeface="Plantagenet Cherokee"/>
+        <a:font script="Yiii" typeface="Microsoft Yi Baiti"/>
+        <a:font script="Tibt" typeface="Microsoft Himalaya"/>
+        <a:font script="Thaa" typeface="MV Boli"/>
+        <a:font script="Deva" typeface="Mangal"/>
+        <a:font script="Telu" typeface="Gautami"/>
+        <a:font script="Taml" typeface="Latha"/>
+        <a:font script="Syrc" typeface="Estrangelo Edessa"/>
+        <a:font script="Orya" typeface="Kalinga"/>
+        <a:font script="Mlym" typeface="Kartika"/>
+        <a:font script="Laoo" typeface="DokChampa"/>
+        <a:font script="Sinh" typeface="Iskoola Pota"/>
+        <a:font script="Mong" typeface="Mongolian Baiti"/>
+        <a:font script="Viet" typeface="Times New Roman"/>
+        <a:font script="Uigh" typeface="Microsoft Uighur"/>
+        <a:font script="Geor" typeface="Sylfaen"/>
+        <a:font script="Armn" typeface="Arial"/>
+        <a:font script="Bugi" typeface="Leelawadee UI"/>
+        <a:font script="Bopo" typeface="Microsoft JhengHei"/>
+        <a:font script="Java" typeface="Javanese Text"/>
+        <a:font script="Lisu" typeface="Segoe UI"/>
+        <a:font script="Mymr" typeface="Myanmar Text"/>
+        <a:font script="Nkoo" typeface="Ebrima"/>
+        <a:font script="Olck" typeface="Nirmala UI"/>
+        <a:font script="Osma" typeface="Ebrima"/>
+        <a:font script="Phag" typeface="Phagspa"/>
+        <a:font script="Syrn" typeface="Estrangelo Edessa"/>
+        <a:font script="Syrj" typeface="Estrangelo Edessa"/>
+        <a:font script="Syre" typeface="Estrangelo Edessa"/>
+        <a:font script="Sora" typeface="Nirmala UI"/>
+        <a:font script="Tale" typeface="Microsoft Tai Le"/>
+        <a:font script="Talu" typeface="Microsoft New Tai Lue"/>
+        <a:font script="Tfng" typeface="Ebrima"/>
+      </a:majorFont>
+      <a:minorFont>
+        <a:latin typeface="Calibri" panose="020F0502020204030204"/>
+        <a:ea typeface=""/>
+        <a:cs typeface=""/>
+        <a:font script="Jpan" typeface="游ゴシック"/>
+        <a:font script="Hang" typeface="맑은 고딕"/>
+        <a:font script="Hans" typeface="等线"/>
+        <a:font script="Hant" typeface="新細明體"/>
+        <a:font script="Arab" typeface="Arial"/>
+        <a:font script="Hebr" typeface="Arial"/>
+        <a:font script="Thai" typeface="Cordia New"/>
+        <a:font script="Ethi" typeface="Nyala"/>
+        <a:font script="Beng" typeface="Vrinda"/>
+        <a:font script="Gujr" typeface="Shruti"/>
+        <a:font script="Khmr" typeface="DaunPenh"/>
+        <a:font script="Knda" typeface="Tunga"/>
+        <a:font script="Guru" typeface="Raavi"/>
+        <a:font script="Cans" typeface="Euphemia"/>
+        <a:font script="Cher" typeface="Plantagenet Cherokee"/>
+        <a:font script="Yiii" typeface="Microsoft Yi Baiti"/>
+        <a:font script="Tibt" typeface="Microsoft Himalaya"/>
+        <a:font script="Thaa" typeface="MV Boli"/>
+        <a:font script="Deva" typeface="Mangal"/>
+        <a:font script="Telu" typeface="Gautami"/>
+        <a:font script="Taml" typeface="Latha"/>
+        <a:font script="Syrc" typeface="Estrangelo Edessa"/>
+        <a:font script="Orya" typeface="Kalinga"/>
+        <a:font script="Mlym" typeface="Kartika"/>
+        <a:font script="Laoo" typeface="DokChampa"/>
+        <a:font script="Sinh" typeface="Iskoola Pota"/>
+        <a:font script="Mong" typeface="Mongolian Baiti"/>
+        <a:font script="Viet" typeface="Arial"/>
+        <a:font script="Uigh" typeface="Microsoft Uighur"/>
+        <a:font script="Geor" typeface="Sylfaen"/>
+        <a:font script="Armn" typeface="Arial"/>
+        <a:font script="Bugi" typeface="Leelawadee UI"/>
+        <a:font script="Bopo" typeface="Microsoft JhengHei"/>
+        <a:font script="Java" typeface="Javanese Text"/>
+        <a:font script="Lisu" typeface="Segoe UI"/>
+        <a:font script="Mymr" typeface="Myanmar Text"/>
+        <a:font script="Nkoo" typeface="Ebrima"/>
+        <a:font script="Olck" typeface="Nirmala UI"/>
+        <a:font script="Osma" typeface="Ebrima"/>
+        <a:font script="Phag" typeface="Phagspa"/>
+        <a:font script="Syrn" typeface="Estrangelo Edessa"/>
+        <a:font script="Syrj" typeface="Estrangelo Edessa"/>
+        <a:font script="Syre" typeface="Estrangelo Edessa"/>
+        <a:font script="Sora" typeface="Nirmala UI"/>
+        <a:font script="Tale" typeface="Microsoft Tai Le"/>
+        <a:font script="Talu" typeface="Microsoft New Tai Lue"/>
+        <a:font script="Tfng" typeface="Ebrima"/>
+      </a:minorFont>
+    </a:fontScheme>
+    <a:fmtScheme name="Office">
+      <a:fillStyleLst>
+        <a:solidFill>
+          <a:schemeClr val="phClr"/>
+        </a:solidFill>
+        <a:gradFill rotWithShape="1">
+          <a:gsLst>
+            <a:gs pos="0">
+              <a:schemeClr val="phClr">
+                <a:lumMod val="110000"/>
+                <a:satMod val="105000"/>
+                <a:tint val="67000"/>
+              </a:schemeClr>
+            </a:gs>
+            <a:gs pos="50000">
+              <a:schemeClr val="phClr">
+                <a:lumMod val="105000"/>
+                <a:satMod val="103000"/>
+                <a:tint val="73000"/>
+              </a:schemeClr>
+            </a:gs>
+            <a:gs pos="100000">
+              <a:schemeClr val="phClr">
+                <a:lumMod val="105000"/>
+                <a:satMod val="109000"/>
+                <a:tint val="81000"/>
+              </a:schemeClr>
+            </a:gs>
+          </a:gsLst>
+          <a:lin ang="5400000" scaled="0"/>
+        </a:gradFill>
+        <a:gradFill rotWithShape="1">
+          <a:gsLst>
+            <a:gs pos="0">
+              <a:schemeClr val="phClr">
+                <a:satMod val="103000"/>
+                <a:lumMod val="102000"/>
+                <a:tint val="94000"/>
+              </a:schemeClr>
+            </a:gs>
+            <a:gs pos="50000">
+              <a:schemeClr val="phClr">
+                <a:satMod val="110000"/>
+                <a:lumMod val="100000"/>
+                <a:shade val="100000"/>
+              </a:schemeClr>
+            </a:gs>
+            <a:gs pos="100000">
+              <a:schemeClr val="phClr">
+                <a:lumMod val="99000"/>
+                <a:satMod val="120000"/>
+                <a:shade val="78000"/>
+              </a:schemeClr>
+            </a:gs>
+          </a:gsLst>
+          <a:lin ang="5400000" scaled="0"/>
+        </a:gradFill>
+      </a:fillStyleLst>
+      <a:lnStyleLst>
+        <a:ln w="6350" cap="flat" cmpd="sng" algn="ctr">
+          <a:solidFill>
+            <a:schemeClr val="phClr"/>
+          </a:solidFill>
+          <a:prstDash val="solid"/>
+          <a:miter lim="800000"/>
+        </a:ln>
+        <a:ln w="12700" cap="flat" cmpd="sng" algn="ctr">
+          <a:solidFill>
+            <a:schemeClr val="phClr"/>
+          </a:solidFill>
+          <a:prstDash val="solid"/>
+          <a:miter lim="800000"/>
+        </a:ln>
+        <a:ln w="19050" cap="flat" cmpd="sng" algn="ctr">
+          <a:solidFill>
+            <a:schemeClr val="phClr"/>
+          </a:solidFill>
+          <a:prstDash val="solid"/>
+          <a:miter lim="800000"/>
+        </a:ln>
+      </a:lnStyleLst>
+      <a:effectStyleLst>
+        <a:effectStyle>
+          <a:effectLst/>
+        </a:effectStyle>
+        <a:effectStyle>
+          <a:effectLst/>
+        </a:effectStyle>
+        <a:effectStyle>
+          <a:effectLst>
+            <a:outerShdw blurRad="57150" dist="19050" dir="5400000" algn="ctr" rotWithShape="0">
+              <a:srgbClr val="000000">
+                <a:alpha val="63000"/>
+              </a:srgbClr>
+            </a:outerShdw>
+          </a:effectLst>
+        </a:effectStyle>
+      </a:effectStyleLst>
+      <a:bgFillStyleLst>
+        <a:solidFill>
+          <a:schemeClr val="phClr"/>
+        </a:solidFill>
+        <a:solidFill>
+          <a:schemeClr val="phClr">
+            <a:tint val="95000"/>
+            <a:satMod val="170000"/>
+          </a:schemeClr>
+        </a:solidFill>
+        <a:gradFill rotWithShape="1">
+          <a:gsLst>
+            <a:gs pos="0">
+              <a:schemeClr val="phClr">
+                <a:tint val="93000"/>
+                <a:satMod val="150000"/>
+                <a:shade val="98000"/>
+                <a:lumMod val="102000"/>
+              </a:schemeClr>
+            </a:gs>
+            <a:gs pos="50000">
+              <a:schemeClr val="phClr">
+                <a:tint val="98000"/>
+                <a:satMod val="130000"/>
+                <a:shade val="90000"/>
+                <a:lumMod val="103000"/>
+              </a:schemeClr>
+            </a:gs>
+            <a:gs pos="100000">
+              <a:schemeClr val="phClr">
+                <a:shade val="63000"/>
+                <a:satMod val="120000"/>
+              </a:schemeClr>
+            </a:gs>
+          </a:gsLst>
+          <a:lin ang="5400000" scaled="0"/>
+        </a:gradFill>
+      </a:bgFillStyleLst>
+    </a:fmtScheme>
+  </a:themeElements>
+  <a:objectDefaults/>
+  <a:extraClrSchemeLst/>
+  <a:extLst>
+    <a:ext uri="{05A4C25C-085E-4340-85A3-A5531E510DB2}">
+      <thm15:themeFamily xmlns:thm15="http://schemas.microsoft.com/office/thememl/2012/main" name="Office Theme" id="{62F939B6-93AF-4DB8-9C6B-D6C7DFDC589F}" vid="{4A3C46E8-61CC-4603-A589-7422A47A8E4A}"/>
+    </a:ext>
+  </a:extLst>
+</a:theme>
 </file>
 
-<file path=customXml/item2.xml><?xml version="1.0" encoding="utf-8"?>
+<file path=customXml/item1.xml><?xml version="1.0" encoding="utf-8"?>
 <?mso-contentType ?>
 <FormTemplates xmlns="http://schemas.microsoft.com/sharepoint/v3/contenttype/forms">
   <Display>DocumentLibraryForm</Display>
   <Edit>DocumentLibraryForm</Edit>
   <New>DocumentLibraryForm</New>
 </FormTemplates>
+</file>
+
+<file path=customXml/item2.xml><?xml version="1.0" encoding="utf-8"?>
+<p:properties xmlns:p="http://schemas.microsoft.com/office/2006/metadata/properties" xmlns:xsi="http://www.w3.org/2001/XMLSchema-instance" xmlns:pc="http://schemas.microsoft.com/office/infopath/2007/PartnerControls">
+  <documentManagement>
+    <_activity xmlns="5f5b6d61-0e5f-41fd-8596-a1256f5a83b0" xsi:nil="true"/>
+  </documentManagement>
+</p:properties>
 </file>
 
 <file path=customXml/item3.xml><?xml version="1.0" encoding="utf-8"?>
@@ -6833,26 +7688,26 @@
 </file>
 
 <file path=customXml/itemProps1.xml><?xml version="1.0" encoding="utf-8"?>
-<ds:datastoreItem xmlns:ds="http://schemas.openxmlformats.org/officeDocument/2006/customXml" ds:itemID="{8E741AA0-9B3C-4459-9F97-862626D74B5F}">
+<ds:datastoreItem xmlns:ds="http://schemas.openxmlformats.org/officeDocument/2006/customXml" ds:itemID="{C23C1880-AA5B-4CD9-A675-31266D1AC92A}">
   <ds:schemaRefs>
-    <ds:schemaRef ds:uri="http://schemas.microsoft.com/office/2006/documentManagement/types"/>
-    <ds:schemaRef ds:uri="http://www.w3.org/XML/1998/namespace"/>
-    <ds:schemaRef ds:uri="http://schemas.microsoft.com/office/infopath/2007/PartnerControls"/>
-    <ds:schemaRef ds:uri="http://schemas.microsoft.com/office/2006/metadata/properties"/>
-    <ds:schemaRef ds:uri="http://purl.org/dc/dcmitype/"/>
-    <ds:schemaRef ds:uri="http://schemas.openxmlformats.org/package/2006/metadata/core-properties"/>
-    <ds:schemaRef ds:uri="5f5b6d61-0e5f-41fd-8596-a1256f5a83b0"/>
-    <ds:schemaRef ds:uri="http://purl.org/dc/elements/1.1/"/>
-    <ds:schemaRef ds:uri="f0b9717a-2b57-40f9-a089-7ad30d640f15"/>
-    <ds:schemaRef ds:uri="http://purl.org/dc/terms/"/>
+    <ds:schemaRef ds:uri="http://schemas.microsoft.com/sharepoint/v3/contenttype/forms"/>
   </ds:schemaRefs>
 </ds:datastoreItem>
 </file>
 
 <file path=customXml/itemProps2.xml><?xml version="1.0" encoding="utf-8"?>
-<ds:datastoreItem xmlns:ds="http://schemas.openxmlformats.org/officeDocument/2006/customXml" ds:itemID="{C23C1880-AA5B-4CD9-A675-31266D1AC92A}">
+<ds:datastoreItem xmlns:ds="http://schemas.openxmlformats.org/officeDocument/2006/customXml" ds:itemID="{8E741AA0-9B3C-4459-9F97-862626D74B5F}">
   <ds:schemaRefs>
-    <ds:schemaRef ds:uri="http://schemas.microsoft.com/sharepoint/v3/contenttype/forms"/>
+    <ds:schemaRef ds:uri="http://schemas.microsoft.com/office/2006/documentManagement/types"/>
+    <ds:schemaRef ds:uri="http://purl.org/dc/terms/"/>
+    <ds:schemaRef ds:uri="http://schemas.microsoft.com/office/2006/metadata/properties"/>
+    <ds:schemaRef ds:uri="http://schemas.openxmlformats.org/package/2006/metadata/core-properties"/>
+    <ds:schemaRef ds:uri="http://www.w3.org/XML/1998/namespace"/>
+    <ds:schemaRef ds:uri="http://purl.org/dc/elements/1.1/"/>
+    <ds:schemaRef ds:uri="5f5b6d61-0e5f-41fd-8596-a1256f5a83b0"/>
+    <ds:schemaRef ds:uri="http://schemas.microsoft.com/office/infopath/2007/PartnerControls"/>
+    <ds:schemaRef ds:uri="f0b9717a-2b57-40f9-a089-7ad30d640f15"/>
+    <ds:schemaRef ds:uri="http://purl.org/dc/dcmitype/"/>
   </ds:schemaRefs>
 </ds:datastoreItem>
 </file>

--- a/ClassMaterials/Macros2/Macros 2.pptx
+++ b/ClassMaterials/Macros2/Macros 2.pptx
@@ -5,20 +5,22 @@
     <p:sldMasterId id="2147483648" r:id="rId4"/>
   </p:sldMasterIdLst>
   <p:notesMasterIdLst>
-    <p:notesMasterId r:id="rId16"/>
+    <p:notesMasterId r:id="rId18"/>
   </p:notesMasterIdLst>
   <p:sldIdLst>
     <p:sldId id="256" r:id="rId5"/>
     <p:sldId id="267" r:id="rId6"/>
-    <p:sldId id="257" r:id="rId7"/>
-    <p:sldId id="268" r:id="rId8"/>
+    <p:sldId id="268" r:id="rId7"/>
+    <p:sldId id="271" r:id="rId8"/>
     <p:sldId id="269" r:id="rId9"/>
     <p:sldId id="270" r:id="rId10"/>
-    <p:sldId id="258" r:id="rId11"/>
-    <p:sldId id="262" r:id="rId12"/>
-    <p:sldId id="259" r:id="rId13"/>
-    <p:sldId id="260" r:id="rId14"/>
-    <p:sldId id="261" r:id="rId15"/>
+    <p:sldId id="272" r:id="rId11"/>
+    <p:sldId id="257" r:id="rId12"/>
+    <p:sldId id="258" r:id="rId13"/>
+    <p:sldId id="262" r:id="rId14"/>
+    <p:sldId id="259" r:id="rId15"/>
+    <p:sldId id="260" r:id="rId16"/>
+    <p:sldId id="261" r:id="rId17"/>
   </p:sldIdLst>
   <p:sldSz cx="12192000" cy="6858000"/>
   <p:notesSz cx="6858000" cy="9144000"/>
@@ -570,7 +572,7 @@
           <a:p>
             <a:fld id="{CCE3B63A-6F9F-4ADB-85B1-22B171A73B7E}" type="datetimeFigureOut">
               <a:rPr lang="en-US" smtClean="0"/>
-              <a:t>10/13/2024</a:t>
+              <a:t>10/14/2024</a:t>
             </a:fld>
             <a:endParaRPr lang="en-US"/>
           </a:p>
@@ -1084,7 +1086,7 @@
           <a:p>
             <a:fld id="{648FFCB5-3900-45AA-AD1D-F54FBD060154}" type="datetimeFigureOut">
               <a:rPr lang="en-US" smtClean="0"/>
-              <a:t>10/13/2024</a:t>
+              <a:t>10/14/2024</a:t>
             </a:fld>
             <a:endParaRPr lang="en-US"/>
           </a:p>
@@ -1282,7 +1284,7 @@
           <a:p>
             <a:fld id="{648FFCB5-3900-45AA-AD1D-F54FBD060154}" type="datetimeFigureOut">
               <a:rPr lang="en-US" smtClean="0"/>
-              <a:t>10/13/2024</a:t>
+              <a:t>10/14/2024</a:t>
             </a:fld>
             <a:endParaRPr lang="en-US"/>
           </a:p>
@@ -1490,7 +1492,7 @@
           <a:p>
             <a:fld id="{648FFCB5-3900-45AA-AD1D-F54FBD060154}" type="datetimeFigureOut">
               <a:rPr lang="en-US" smtClean="0"/>
-              <a:t>10/13/2024</a:t>
+              <a:t>10/14/2024</a:t>
             </a:fld>
             <a:endParaRPr lang="en-US"/>
           </a:p>
@@ -1688,7 +1690,7 @@
           <a:p>
             <a:fld id="{648FFCB5-3900-45AA-AD1D-F54FBD060154}" type="datetimeFigureOut">
               <a:rPr lang="en-US" smtClean="0"/>
-              <a:t>10/13/2024</a:t>
+              <a:t>10/14/2024</a:t>
             </a:fld>
             <a:endParaRPr lang="en-US"/>
           </a:p>
@@ -1963,7 +1965,7 @@
           <a:p>
             <a:fld id="{648FFCB5-3900-45AA-AD1D-F54FBD060154}" type="datetimeFigureOut">
               <a:rPr lang="en-US" smtClean="0"/>
-              <a:t>10/13/2024</a:t>
+              <a:t>10/14/2024</a:t>
             </a:fld>
             <a:endParaRPr lang="en-US"/>
           </a:p>
@@ -2228,7 +2230,7 @@
           <a:p>
             <a:fld id="{648FFCB5-3900-45AA-AD1D-F54FBD060154}" type="datetimeFigureOut">
               <a:rPr lang="en-US" smtClean="0"/>
-              <a:t>10/13/2024</a:t>
+              <a:t>10/14/2024</a:t>
             </a:fld>
             <a:endParaRPr lang="en-US"/>
           </a:p>
@@ -2640,7 +2642,7 @@
           <a:p>
             <a:fld id="{648FFCB5-3900-45AA-AD1D-F54FBD060154}" type="datetimeFigureOut">
               <a:rPr lang="en-US" smtClean="0"/>
-              <a:t>10/13/2024</a:t>
+              <a:t>10/14/2024</a:t>
             </a:fld>
             <a:endParaRPr lang="en-US"/>
           </a:p>
@@ -2781,7 +2783,7 @@
           <a:p>
             <a:fld id="{648FFCB5-3900-45AA-AD1D-F54FBD060154}" type="datetimeFigureOut">
               <a:rPr lang="en-US" smtClean="0"/>
-              <a:t>10/13/2024</a:t>
+              <a:t>10/14/2024</a:t>
             </a:fld>
             <a:endParaRPr lang="en-US"/>
           </a:p>
@@ -2894,7 +2896,7 @@
           <a:p>
             <a:fld id="{648FFCB5-3900-45AA-AD1D-F54FBD060154}" type="datetimeFigureOut">
               <a:rPr lang="en-US" smtClean="0"/>
-              <a:t>10/13/2024</a:t>
+              <a:t>10/14/2024</a:t>
             </a:fld>
             <a:endParaRPr lang="en-US"/>
           </a:p>
@@ -3205,7 +3207,7 @@
           <a:p>
             <a:fld id="{648FFCB5-3900-45AA-AD1D-F54FBD060154}" type="datetimeFigureOut">
               <a:rPr lang="en-US" smtClean="0"/>
-              <a:t>10/13/2024</a:t>
+              <a:t>10/14/2024</a:t>
             </a:fld>
             <a:endParaRPr lang="en-US"/>
           </a:p>
@@ -3493,7 +3495,7 @@
           <a:p>
             <a:fld id="{648FFCB5-3900-45AA-AD1D-F54FBD060154}" type="datetimeFigureOut">
               <a:rPr lang="en-US" smtClean="0"/>
-              <a:t>10/13/2024</a:t>
+              <a:t>10/14/2024</a:t>
             </a:fld>
             <a:endParaRPr lang="en-US"/>
           </a:p>
@@ -3734,7 +3736,7 @@
           <a:p>
             <a:fld id="{648FFCB5-3900-45AA-AD1D-F54FBD060154}" type="datetimeFigureOut">
               <a:rPr lang="en-US" smtClean="0"/>
-              <a:t>10/13/2024</a:t>
+              <a:t>10/14/2024</a:t>
             </a:fld>
             <a:endParaRPr lang="en-US"/>
           </a:p>
@@ -4137,6 +4139,14 @@
 <file path=ppt/slides/slide1.xml><?xml version="1.0" encoding="utf-8"?>
 <p:sld xmlns:a="http://schemas.openxmlformats.org/drawingml/2006/main" xmlns:r="http://schemas.openxmlformats.org/officeDocument/2006/relationships" xmlns:p="http://schemas.openxmlformats.org/presentationml/2006/main">
   <p:cSld>
+    <p:bg>
+      <p:bgPr>
+        <a:solidFill>
+          <a:schemeClr val="bg1"/>
+        </a:solidFill>
+        <a:effectLst/>
+      </p:bgPr>
+    </p:bg>
     <p:spTree>
       <p:nvGrpSpPr>
         <p:cNvPr id="1" name=""/>
@@ -4151,6 +4161,401 @@
           <a:chExt cx="0" cy="0"/>
         </a:xfrm>
       </p:grpSpPr>
+      <p:sp useBgFill="1">
+        <p:nvSpPr>
+          <p:cNvPr id="9" name="Rectangle 8">
+            <a:extLst>
+              <a:ext uri="{FF2B5EF4-FFF2-40B4-BE49-F238E27FC236}">
+                <a16:creationId xmlns:a16="http://schemas.microsoft.com/office/drawing/2014/main" id="{5DCB5928-DC7D-4612-9922-441966E15627}"/>
+              </a:ext>
+              <a:ext uri="{C183D7F6-B498-43B3-948B-1728B52AA6E4}">
+                <adec:decorative xmlns:adec="http://schemas.microsoft.com/office/drawing/2017/decorative" val="1"/>
+              </a:ext>
+            </a:extLst>
+          </p:cNvPr>
+          <p:cNvSpPr>
+            <a:spLocks noGrp="1" noRot="1" noChangeAspect="1" noMove="1" noResize="1" noEditPoints="1" noAdjustHandles="1" noChangeArrowheads="1" noChangeShapeType="1" noTextEdit="1"/>
+          </p:cNvSpPr>
+          <p:nvPr>
+            <p:extLst>
+              <p:ext uri="{386F3935-93C4-4BCD-93E2-E3B085C9AB24}">
+                <p16:designElem xmlns:p16="http://schemas.microsoft.com/office/powerpoint/2015/main" val="1"/>
+              </p:ext>
+            </p:extLst>
+          </p:nvPr>
+        </p:nvSpPr>
+        <p:spPr>
+          <a:xfrm>
+            <a:off x="0" y="0"/>
+            <a:ext cx="12192000" cy="6858000"/>
+          </a:xfrm>
+          <a:prstGeom prst="rect">
+            <a:avLst/>
+          </a:prstGeom>
+          <a:ln>
+            <a:noFill/>
+          </a:ln>
+        </p:spPr>
+        <p:style>
+          <a:lnRef idx="2">
+            <a:schemeClr val="accent1">
+              <a:shade val="50000"/>
+            </a:schemeClr>
+          </a:lnRef>
+          <a:fillRef idx="1">
+            <a:schemeClr val="accent1"/>
+          </a:fillRef>
+          <a:effectRef idx="0">
+            <a:schemeClr val="accent1"/>
+          </a:effectRef>
+          <a:fontRef idx="minor">
+            <a:schemeClr val="lt1"/>
+          </a:fontRef>
+        </p:style>
+        <p:txBody>
+          <a:bodyPr rtlCol="0" anchor="ctr"/>
+          <a:lstStyle/>
+          <a:p>
+            <a:pPr algn="ctr"/>
+            <a:endParaRPr lang="en-US"/>
+          </a:p>
+        </p:txBody>
+      </p:sp>
+      <p:sp useBgFill="1">
+        <p:nvSpPr>
+          <p:cNvPr id="11" name="Freeform: Shape 10">
+            <a:extLst>
+              <a:ext uri="{FF2B5EF4-FFF2-40B4-BE49-F238E27FC236}">
+                <a16:creationId xmlns:a16="http://schemas.microsoft.com/office/drawing/2014/main" id="{682C1161-1736-45EC-99B7-33F3CAE9D517}"/>
+              </a:ext>
+              <a:ext uri="{C183D7F6-B498-43B3-948B-1728B52AA6E4}">
+                <adec:decorative xmlns:adec="http://schemas.microsoft.com/office/drawing/2017/decorative" val="1"/>
+              </a:ext>
+            </a:extLst>
+          </p:cNvPr>
+          <p:cNvSpPr>
+            <a:spLocks noGrp="1" noRot="1" noChangeAspect="1" noMove="1" noResize="1" noEditPoints="1" noAdjustHandles="1" noChangeArrowheads="1" noChangeShapeType="1" noTextEdit="1"/>
+          </p:cNvSpPr>
+          <p:nvPr>
+            <p:extLst>
+              <p:ext uri="{386F3935-93C4-4BCD-93E2-E3B085C9AB24}">
+                <p16:designElem xmlns:p16="http://schemas.microsoft.com/office/powerpoint/2015/main" val="1"/>
+              </p:ext>
+            </p:extLst>
+          </p:nvPr>
+        </p:nvSpPr>
+        <p:spPr>
+          <a:xfrm>
+            <a:off x="0" y="0"/>
+            <a:ext cx="4959047" cy="6858000"/>
+          </a:xfrm>
+          <a:custGeom>
+            <a:avLst/>
+            <a:gdLst>
+              <a:gd name="connsiteX0" fmla="*/ 0 w 4959047"/>
+              <a:gd name="connsiteY0" fmla="*/ 0 h 6858000"/>
+              <a:gd name="connsiteX1" fmla="*/ 4110127 w 4959047"/>
+              <a:gd name="connsiteY1" fmla="*/ 0 h 6858000"/>
+              <a:gd name="connsiteX2" fmla="*/ 4179024 w 4959047"/>
+              <a:gd name="connsiteY2" fmla="*/ 123368 h 6858000"/>
+              <a:gd name="connsiteX3" fmla="*/ 4959047 w 4959047"/>
+              <a:gd name="connsiteY3" fmla="*/ 3429000 h 6858000"/>
+              <a:gd name="connsiteX4" fmla="*/ 4179024 w 4959047"/>
+              <a:gd name="connsiteY4" fmla="*/ 6734633 h 6858000"/>
+              <a:gd name="connsiteX5" fmla="*/ 4110127 w 4959047"/>
+              <a:gd name="connsiteY5" fmla="*/ 6858000 h 6858000"/>
+              <a:gd name="connsiteX6" fmla="*/ 0 w 4959047"/>
+              <a:gd name="connsiteY6" fmla="*/ 6858000 h 6858000"/>
+            </a:gdLst>
+            <a:ahLst/>
+            <a:cxnLst>
+              <a:cxn ang="0">
+                <a:pos x="connsiteX0" y="connsiteY0"/>
+              </a:cxn>
+              <a:cxn ang="0">
+                <a:pos x="connsiteX1" y="connsiteY1"/>
+              </a:cxn>
+              <a:cxn ang="0">
+                <a:pos x="connsiteX2" y="connsiteY2"/>
+              </a:cxn>
+              <a:cxn ang="0">
+                <a:pos x="connsiteX3" y="connsiteY3"/>
+              </a:cxn>
+              <a:cxn ang="0">
+                <a:pos x="connsiteX4" y="connsiteY4"/>
+              </a:cxn>
+              <a:cxn ang="0">
+                <a:pos x="connsiteX5" y="connsiteY5"/>
+              </a:cxn>
+              <a:cxn ang="0">
+                <a:pos x="connsiteX6" y="connsiteY6"/>
+              </a:cxn>
+            </a:cxnLst>
+            <a:rect l="l" t="t" r="r" b="b"/>
+            <a:pathLst>
+              <a:path w="4959047" h="6858000">
+                <a:moveTo>
+                  <a:pt x="0" y="0"/>
+                </a:moveTo>
+                <a:lnTo>
+                  <a:pt x="4110127" y="0"/>
+                </a:lnTo>
+                <a:lnTo>
+                  <a:pt x="4179024" y="123368"/>
+                </a:lnTo>
+                <a:cubicBezTo>
+                  <a:pt x="4668929" y="1045156"/>
+                  <a:pt x="4959047" y="2189404"/>
+                  <a:pt x="4959047" y="3429000"/>
+                </a:cubicBezTo>
+                <a:cubicBezTo>
+                  <a:pt x="4959047" y="4668597"/>
+                  <a:pt x="4668929" y="5812845"/>
+                  <a:pt x="4179024" y="6734633"/>
+                </a:cubicBezTo>
+                <a:lnTo>
+                  <a:pt x="4110127" y="6858000"/>
+                </a:lnTo>
+                <a:lnTo>
+                  <a:pt x="0" y="6858000"/>
+                </a:lnTo>
+                <a:close/>
+              </a:path>
+            </a:pathLst>
+          </a:custGeom>
+          <a:ln w="9525">
+            <a:solidFill>
+              <a:srgbClr val="E6E6E6"/>
+            </a:solidFill>
+          </a:ln>
+          <a:effectLst>
+            <a:outerShdw blurRad="76200" dist="38100" algn="l" rotWithShape="0">
+              <a:schemeClr val="bg1">
+                <a:lumMod val="85000"/>
+                <a:alpha val="50000"/>
+              </a:schemeClr>
+            </a:outerShdw>
+          </a:effectLst>
+        </p:spPr>
+        <p:style>
+          <a:lnRef idx="2">
+            <a:schemeClr val="accent1">
+              <a:shade val="50000"/>
+            </a:schemeClr>
+          </a:lnRef>
+          <a:fillRef idx="1">
+            <a:schemeClr val="accent1"/>
+          </a:fillRef>
+          <a:effectRef idx="0">
+            <a:schemeClr val="accent1"/>
+          </a:effectRef>
+          <a:fontRef idx="minor">
+            <a:schemeClr val="lt1"/>
+          </a:fontRef>
+        </p:style>
+        <p:txBody>
+          <a:bodyPr wrap="square" rtlCol="0" anchor="ctr">
+            <a:noAutofit/>
+          </a:bodyPr>
+          <a:lstStyle/>
+          <a:p>
+            <a:pPr marL="0" marR="0" lvl="0" indent="0" algn="ctr" defTabSz="914400" rtl="0" eaLnBrk="1" fontAlgn="auto" latinLnBrk="0" hangingPunct="1">
+              <a:lnSpc>
+                <a:spcPct val="100000"/>
+              </a:lnSpc>
+              <a:spcBef>
+                <a:spcPts val="0"/>
+              </a:spcBef>
+              <a:spcAft>
+                <a:spcPts val="0"/>
+              </a:spcAft>
+              <a:buClrTx/>
+              <a:buSzTx/>
+              <a:buFontTx/>
+              <a:buNone/>
+              <a:tabLst/>
+              <a:defRPr/>
+            </a:pPr>
+            <a:endParaRPr kumimoji="0" lang="en-US" sz="1800" b="0" i="0" u="none" strike="noStrike" kern="1200" cap="none" spc="0" normalizeH="0" baseline="0" noProof="0">
+              <a:ln>
+                <a:noFill/>
+              </a:ln>
+              <a:solidFill>
+                <a:prstClr val="white"/>
+              </a:solidFill>
+              <a:effectLst/>
+              <a:uLnTx/>
+              <a:uFillTx/>
+              <a:latin typeface="Calibri" panose="020F0502020204030204"/>
+              <a:ea typeface="+mn-ea"/>
+              <a:cs typeface="+mn-cs"/>
+            </a:endParaRPr>
+          </a:p>
+        </p:txBody>
+      </p:sp>
+      <p:sp useBgFill="1">
+        <p:nvSpPr>
+          <p:cNvPr id="13" name="Freeform: Shape 12">
+            <a:extLst>
+              <a:ext uri="{FF2B5EF4-FFF2-40B4-BE49-F238E27FC236}">
+                <a16:creationId xmlns:a16="http://schemas.microsoft.com/office/drawing/2014/main" id="{84D4DDB8-B68F-45B0-9F62-C4279996F672}"/>
+              </a:ext>
+              <a:ext uri="{C183D7F6-B498-43B3-948B-1728B52AA6E4}">
+                <adec:decorative xmlns:adec="http://schemas.microsoft.com/office/drawing/2017/decorative" val="1"/>
+              </a:ext>
+            </a:extLst>
+          </p:cNvPr>
+          <p:cNvSpPr>
+            <a:spLocks noGrp="1" noRot="1" noChangeAspect="1" noMove="1" noResize="1" noEditPoints="1" noAdjustHandles="1" noChangeArrowheads="1" noChangeShapeType="1" noTextEdit="1"/>
+          </p:cNvSpPr>
+          <p:nvPr>
+            <p:extLst>
+              <p:ext uri="{386F3935-93C4-4BCD-93E2-E3B085C9AB24}">
+                <p16:designElem xmlns:p16="http://schemas.microsoft.com/office/powerpoint/2015/main" val="1"/>
+              </p:ext>
+            </p:extLst>
+          </p:nvPr>
+        </p:nvSpPr>
+        <p:spPr>
+          <a:xfrm>
+            <a:off x="0" y="0"/>
+            <a:ext cx="4948887" cy="6858000"/>
+          </a:xfrm>
+          <a:custGeom>
+            <a:avLst/>
+            <a:gdLst>
+              <a:gd name="connsiteX0" fmla="*/ 0 w 4948887"/>
+              <a:gd name="connsiteY0" fmla="*/ 0 h 6858000"/>
+              <a:gd name="connsiteX1" fmla="*/ 4099967 w 4948887"/>
+              <a:gd name="connsiteY1" fmla="*/ 0 h 6858000"/>
+              <a:gd name="connsiteX2" fmla="*/ 4168864 w 4948887"/>
+              <a:gd name="connsiteY2" fmla="*/ 123368 h 6858000"/>
+              <a:gd name="connsiteX3" fmla="*/ 4948887 w 4948887"/>
+              <a:gd name="connsiteY3" fmla="*/ 3429000 h 6858000"/>
+              <a:gd name="connsiteX4" fmla="*/ 4168864 w 4948887"/>
+              <a:gd name="connsiteY4" fmla="*/ 6734633 h 6858000"/>
+              <a:gd name="connsiteX5" fmla="*/ 4099967 w 4948887"/>
+              <a:gd name="connsiteY5" fmla="*/ 6858000 h 6858000"/>
+              <a:gd name="connsiteX6" fmla="*/ 0 w 4948887"/>
+              <a:gd name="connsiteY6" fmla="*/ 6858000 h 6858000"/>
+            </a:gdLst>
+            <a:ahLst/>
+            <a:cxnLst>
+              <a:cxn ang="0">
+                <a:pos x="connsiteX0" y="connsiteY0"/>
+              </a:cxn>
+              <a:cxn ang="0">
+                <a:pos x="connsiteX1" y="connsiteY1"/>
+              </a:cxn>
+              <a:cxn ang="0">
+                <a:pos x="connsiteX2" y="connsiteY2"/>
+              </a:cxn>
+              <a:cxn ang="0">
+                <a:pos x="connsiteX3" y="connsiteY3"/>
+              </a:cxn>
+              <a:cxn ang="0">
+                <a:pos x="connsiteX4" y="connsiteY4"/>
+              </a:cxn>
+              <a:cxn ang="0">
+                <a:pos x="connsiteX5" y="connsiteY5"/>
+              </a:cxn>
+              <a:cxn ang="0">
+                <a:pos x="connsiteX6" y="connsiteY6"/>
+              </a:cxn>
+            </a:cxnLst>
+            <a:rect l="l" t="t" r="r" b="b"/>
+            <a:pathLst>
+              <a:path w="4948887" h="6858000">
+                <a:moveTo>
+                  <a:pt x="0" y="0"/>
+                </a:moveTo>
+                <a:lnTo>
+                  <a:pt x="4099967" y="0"/>
+                </a:lnTo>
+                <a:lnTo>
+                  <a:pt x="4168864" y="123368"/>
+                </a:lnTo>
+                <a:cubicBezTo>
+                  <a:pt x="4658769" y="1045156"/>
+                  <a:pt x="4948887" y="2189404"/>
+                  <a:pt x="4948887" y="3429000"/>
+                </a:cubicBezTo>
+                <a:cubicBezTo>
+                  <a:pt x="4948887" y="4668597"/>
+                  <a:pt x="4658769" y="5812845"/>
+                  <a:pt x="4168864" y="6734633"/>
+                </a:cubicBezTo>
+                <a:lnTo>
+                  <a:pt x="4099967" y="6858000"/>
+                </a:lnTo>
+                <a:lnTo>
+                  <a:pt x="0" y="6858000"/>
+                </a:lnTo>
+                <a:close/>
+              </a:path>
+            </a:pathLst>
+          </a:custGeom>
+          <a:ln w="9525">
+            <a:noFill/>
+          </a:ln>
+          <a:effectLst/>
+        </p:spPr>
+        <p:style>
+          <a:lnRef idx="2">
+            <a:schemeClr val="accent1">
+              <a:shade val="50000"/>
+            </a:schemeClr>
+          </a:lnRef>
+          <a:fillRef idx="1">
+            <a:schemeClr val="accent1"/>
+          </a:fillRef>
+          <a:effectRef idx="0">
+            <a:schemeClr val="accent1"/>
+          </a:effectRef>
+          <a:fontRef idx="minor">
+            <a:schemeClr val="lt1"/>
+          </a:fontRef>
+        </p:style>
+        <p:txBody>
+          <a:bodyPr wrap="square" rtlCol="0" anchor="ctr">
+            <a:noAutofit/>
+          </a:bodyPr>
+          <a:lstStyle/>
+          <a:p>
+            <a:pPr marL="0" marR="0" lvl="0" indent="0" algn="ctr" defTabSz="914400" rtl="0" eaLnBrk="1" fontAlgn="auto" latinLnBrk="0" hangingPunct="1">
+              <a:lnSpc>
+                <a:spcPct val="100000"/>
+              </a:lnSpc>
+              <a:spcBef>
+                <a:spcPts val="0"/>
+              </a:spcBef>
+              <a:spcAft>
+                <a:spcPts val="0"/>
+              </a:spcAft>
+              <a:buClrTx/>
+              <a:buSzTx/>
+              <a:buFontTx/>
+              <a:buNone/>
+              <a:tabLst/>
+              <a:defRPr/>
+            </a:pPr>
+            <a:endParaRPr kumimoji="0" lang="en-US" sz="1800" b="0" i="0" u="none" strike="noStrike" kern="1200" cap="none" spc="0" normalizeH="0" baseline="0" noProof="0">
+              <a:ln>
+                <a:noFill/>
+              </a:ln>
+              <a:solidFill>
+                <a:prstClr val="white"/>
+              </a:solidFill>
+              <a:effectLst/>
+              <a:uLnTx/>
+              <a:uFillTx/>
+              <a:latin typeface="Calibri" panose="020F0502020204030204"/>
+              <a:ea typeface="+mn-ea"/>
+              <a:cs typeface="+mn-cs"/>
+            </a:endParaRPr>
+          </a:p>
+        </p:txBody>
+      </p:sp>
       <p:sp>
         <p:nvSpPr>
           <p:cNvPr id="2" name="Title 1">
@@ -4167,13 +4572,21 @@
             <p:ph type="ctrTitle"/>
           </p:nvPr>
         </p:nvSpPr>
-        <p:spPr/>
-        <p:txBody>
-          <a:bodyPr/>
-          <a:lstStyle/>
-          <a:p>
-            <a:r>
-              <a:rPr lang="en-US" dirty="0"/>
+        <p:spPr>
+          <a:xfrm>
+            <a:off x="477981" y="1122363"/>
+            <a:ext cx="4023360" cy="3204134"/>
+          </a:xfrm>
+        </p:spPr>
+        <p:txBody>
+          <a:bodyPr anchor="b">
+            <a:normAutofit/>
+          </a:bodyPr>
+          <a:lstStyle/>
+          <a:p>
+            <a:pPr algn="l"/>
+            <a:r>
+              <a:rPr lang="en-US" sz="4800"/>
               <a:t>Macros 2</a:t>
             </a:r>
           </a:p>
@@ -4195,15 +4608,214 @@
             <p:ph type="subTitle" idx="1"/>
           </p:nvPr>
         </p:nvSpPr>
-        <p:spPr/>
-        <p:txBody>
-          <a:bodyPr/>
-          <a:lstStyle/>
-          <a:p>
-            <a:endParaRPr lang="en-US"/>
-          </a:p>
-        </p:txBody>
-      </p:sp>
+        <p:spPr>
+          <a:xfrm>
+            <a:off x="477981" y="4872922"/>
+            <a:ext cx="3933306" cy="1208141"/>
+          </a:xfrm>
+        </p:spPr>
+        <p:txBody>
+          <a:bodyPr>
+            <a:normAutofit/>
+          </a:bodyPr>
+          <a:lstStyle/>
+          <a:p>
+            <a:pPr algn="l"/>
+            <a:endParaRPr lang="en-US" sz="2000"/>
+          </a:p>
+        </p:txBody>
+      </p:sp>
+      <p:sp>
+        <p:nvSpPr>
+          <p:cNvPr id="15" name="Rectangle 14">
+            <a:extLst>
+              <a:ext uri="{FF2B5EF4-FFF2-40B4-BE49-F238E27FC236}">
+                <a16:creationId xmlns:a16="http://schemas.microsoft.com/office/drawing/2014/main" id="{AF2F604E-43BE-4DC3-B983-E071523364F8}"/>
+              </a:ext>
+              <a:ext uri="{C183D7F6-B498-43B3-948B-1728B52AA6E4}">
+                <adec:decorative xmlns:adec="http://schemas.microsoft.com/office/drawing/2017/decorative" val="1"/>
+              </a:ext>
+            </a:extLst>
+          </p:cNvPr>
+          <p:cNvSpPr>
+            <a:spLocks noGrp="1" noRot="1" noChangeAspect="1" noMove="1" noResize="1" noEditPoints="1" noAdjustHandles="1" noChangeArrowheads="1" noChangeShapeType="1" noTextEdit="1"/>
+          </p:cNvSpPr>
+          <p:nvPr>
+            <p:extLst>
+              <p:ext uri="{386F3935-93C4-4BCD-93E2-E3B085C9AB24}">
+                <p16:designElem xmlns:p16="http://schemas.microsoft.com/office/powerpoint/2015/main" val="1"/>
+              </p:ext>
+            </p:extLst>
+          </p:nvPr>
+        </p:nvSpPr>
+        <p:spPr>
+          <a:xfrm rot="5400000">
+            <a:off x="759921" y="346791"/>
+            <a:ext cx="146304" cy="704088"/>
+          </a:xfrm>
+          <a:prstGeom prst="rect">
+            <a:avLst/>
+          </a:prstGeom>
+          <a:solidFill>
+            <a:schemeClr val="accent2"/>
+          </a:solidFill>
+          <a:ln>
+            <a:noFill/>
+          </a:ln>
+        </p:spPr>
+        <p:style>
+          <a:lnRef idx="2">
+            <a:schemeClr val="accent1">
+              <a:shade val="50000"/>
+            </a:schemeClr>
+          </a:lnRef>
+          <a:fillRef idx="1">
+            <a:schemeClr val="accent1"/>
+          </a:fillRef>
+          <a:effectRef idx="0">
+            <a:schemeClr val="accent1"/>
+          </a:effectRef>
+          <a:fontRef idx="minor">
+            <a:schemeClr val="lt1"/>
+          </a:fontRef>
+        </p:style>
+        <p:txBody>
+          <a:bodyPr rtlCol="0" anchor="ctr"/>
+          <a:lstStyle/>
+          <a:p>
+            <a:pPr algn="ctr"/>
+            <a:endParaRPr lang="en-US">
+              <a:solidFill>
+                <a:prstClr val="white"/>
+              </a:solidFill>
+              <a:latin typeface="Calibri" panose="020F0502020204030204"/>
+            </a:endParaRPr>
+          </a:p>
+        </p:txBody>
+      </p:sp>
+      <p:sp>
+        <p:nvSpPr>
+          <p:cNvPr id="17" name="Rectangle 16">
+            <a:extLst>
+              <a:ext uri="{FF2B5EF4-FFF2-40B4-BE49-F238E27FC236}">
+                <a16:creationId xmlns:a16="http://schemas.microsoft.com/office/drawing/2014/main" id="{08C9B587-E65E-4B52-B37C-ABEBB6E87928}"/>
+              </a:ext>
+              <a:ext uri="{C183D7F6-B498-43B3-948B-1728B52AA6E4}">
+                <adec:decorative xmlns:adec="http://schemas.microsoft.com/office/drawing/2017/decorative" val="1"/>
+              </a:ext>
+            </a:extLst>
+          </p:cNvPr>
+          <p:cNvSpPr>
+            <a:spLocks noGrp="1" noRot="1" noChangeAspect="1" noMove="1" noResize="1" noEditPoints="1" noAdjustHandles="1" noChangeArrowheads="1" noChangeShapeType="1" noTextEdit="1"/>
+          </p:cNvSpPr>
+          <p:nvPr>
+            <p:extLst>
+              <p:ext uri="{386F3935-93C4-4BCD-93E2-E3B085C9AB24}">
+                <p16:designElem xmlns:p16="http://schemas.microsoft.com/office/powerpoint/2015/main" val="1"/>
+              </p:ext>
+            </p:extLst>
+          </p:nvPr>
+        </p:nvSpPr>
+        <p:spPr>
+          <a:xfrm>
+            <a:off x="481029" y="4546920"/>
+            <a:ext cx="4023360" cy="18288"/>
+          </a:xfrm>
+          <a:prstGeom prst="rect">
+            <a:avLst/>
+          </a:prstGeom>
+          <a:solidFill>
+            <a:srgbClr val="D5D5D5"/>
+          </a:solidFill>
+          <a:ln w="3175">
+            <a:noFill/>
+          </a:ln>
+          <a:effectLst/>
+        </p:spPr>
+        <p:style>
+          <a:lnRef idx="2">
+            <a:schemeClr val="accent1">
+              <a:shade val="50000"/>
+            </a:schemeClr>
+          </a:lnRef>
+          <a:fillRef idx="1">
+            <a:schemeClr val="accent1"/>
+          </a:fillRef>
+          <a:effectRef idx="0">
+            <a:schemeClr val="accent1"/>
+          </a:effectRef>
+          <a:fontRef idx="minor">
+            <a:schemeClr val="lt1"/>
+          </a:fontRef>
+        </p:style>
+        <p:txBody>
+          <a:bodyPr rtlCol="0" anchor="ctr"/>
+          <a:lstStyle/>
+          <a:p>
+            <a:pPr marL="0" marR="0" lvl="0" indent="0" algn="ctr" defTabSz="914400" rtl="0" eaLnBrk="1" fontAlgn="auto" latinLnBrk="0" hangingPunct="1">
+              <a:lnSpc>
+                <a:spcPct val="100000"/>
+              </a:lnSpc>
+              <a:spcBef>
+                <a:spcPts val="0"/>
+              </a:spcBef>
+              <a:spcAft>
+                <a:spcPts val="0"/>
+              </a:spcAft>
+              <a:buClrTx/>
+              <a:buSzTx/>
+              <a:buFontTx/>
+              <a:buNone/>
+              <a:tabLst/>
+              <a:defRPr/>
+            </a:pPr>
+            <a:endParaRPr kumimoji="0" lang="en-US" sz="1800" b="0" i="0" u="none" strike="noStrike" kern="1200" cap="none" spc="0" normalizeH="0" baseline="0" noProof="0">
+              <a:ln>
+                <a:noFill/>
+              </a:ln>
+              <a:solidFill>
+                <a:prstClr val="white"/>
+              </a:solidFill>
+              <a:effectLst/>
+              <a:uLnTx/>
+              <a:uFillTx/>
+              <a:latin typeface="Calibri" panose="020F0502020204030204"/>
+              <a:ea typeface="+mn-ea"/>
+              <a:cs typeface="+mn-cs"/>
+            </a:endParaRPr>
+          </a:p>
+        </p:txBody>
+      </p:sp>
+      <p:pic>
+        <p:nvPicPr>
+          <p:cNvPr id="4" name="Picture 3">
+            <a:extLst>
+              <a:ext uri="{FF2B5EF4-FFF2-40B4-BE49-F238E27FC236}">
+                <a16:creationId xmlns:a16="http://schemas.microsoft.com/office/drawing/2014/main" id="{44210458-E972-656E-208E-EA899C1A6933}"/>
+              </a:ext>
+            </a:extLst>
+          </p:cNvPr>
+          <p:cNvPicPr>
+            <a:picLocks noChangeAspect="1"/>
+          </p:cNvPicPr>
+          <p:nvPr/>
+        </p:nvPicPr>
+        <p:blipFill>
+          <a:blip r:embed="rId2"/>
+          <a:stretch>
+            <a:fillRect/>
+          </a:stretch>
+        </p:blipFill>
+        <p:spPr>
+          <a:xfrm>
+            <a:off x="5891084" y="625684"/>
+            <a:ext cx="5455380" cy="5455380"/>
+          </a:xfrm>
+          <a:prstGeom prst="rect">
+            <a:avLst/>
+          </a:prstGeom>
+        </p:spPr>
+      </p:pic>
     </p:spTree>
     <p:extLst>
       <p:ext uri="{BB962C8B-B14F-4D97-AF65-F5344CB8AC3E}">
@@ -4218,6 +4830,518 @@
 </file>
 
 <file path=ppt/slides/slide10.xml><?xml version="1.0" encoding="utf-8"?>
+<p:sld xmlns:a="http://schemas.openxmlformats.org/drawingml/2006/main" xmlns:r="http://schemas.openxmlformats.org/officeDocument/2006/relationships" xmlns:p="http://schemas.openxmlformats.org/presentationml/2006/main">
+  <p:cSld>
+    <p:spTree>
+      <p:nvGrpSpPr>
+        <p:cNvPr id="1" name=""/>
+        <p:cNvGrpSpPr/>
+        <p:nvPr/>
+      </p:nvGrpSpPr>
+      <p:grpSpPr>
+        <a:xfrm>
+          <a:off x="0" y="0"/>
+          <a:ext cx="0" cy="0"/>
+          <a:chOff x="0" y="0"/>
+          <a:chExt cx="0" cy="0"/>
+        </a:xfrm>
+      </p:grpSpPr>
+      <p:sp>
+        <p:nvSpPr>
+          <p:cNvPr id="2" name="Title 1">
+            <a:extLst>
+              <a:ext uri="{FF2B5EF4-FFF2-40B4-BE49-F238E27FC236}">
+                <a16:creationId xmlns:a16="http://schemas.microsoft.com/office/drawing/2014/main" id="{3AF57412-F958-44E1-BD9C-13649DD46B23}"/>
+              </a:ext>
+            </a:extLst>
+          </p:cNvPr>
+          <p:cNvSpPr>
+            <a:spLocks noGrp="1"/>
+          </p:cNvSpPr>
+          <p:nvPr>
+            <p:ph type="title"/>
+          </p:nvPr>
+        </p:nvSpPr>
+        <p:spPr/>
+        <p:txBody>
+          <a:bodyPr/>
+          <a:lstStyle/>
+          <a:p>
+            <a:r>
+              <a:rPr lang="en-US" dirty="0"/>
+              <a:t>2 Types of Variable Captures Problems</a:t>
+            </a:r>
+          </a:p>
+        </p:txBody>
+      </p:sp>
+      <p:sp>
+        <p:nvSpPr>
+          <p:cNvPr id="3" name="Content Placeholder 2">
+            <a:extLst>
+              <a:ext uri="{FF2B5EF4-FFF2-40B4-BE49-F238E27FC236}">
+                <a16:creationId xmlns:a16="http://schemas.microsoft.com/office/drawing/2014/main" id="{4D5B56F0-33E9-4916-97D2-8C007D15AEC4}"/>
+              </a:ext>
+            </a:extLst>
+          </p:cNvPr>
+          <p:cNvSpPr>
+            <a:spLocks noGrp="1"/>
+          </p:cNvSpPr>
+          <p:nvPr>
+            <p:ph idx="1"/>
+          </p:nvPr>
+        </p:nvSpPr>
+        <p:spPr/>
+        <p:txBody>
+          <a:bodyPr>
+            <a:normAutofit/>
+          </a:bodyPr>
+          <a:lstStyle/>
+          <a:p>
+            <a:pPr marL="0" indent="0">
+              <a:buNone/>
+            </a:pPr>
+            <a:r>
+              <a:rPr lang="en-US" dirty="0"/>
+              <a:t>A variable created by the macro “captures” some name that has meaning to the program that calls the macro and changes it</a:t>
+            </a:r>
+          </a:p>
+          <a:p>
+            <a:pPr marL="0" indent="0">
+              <a:buNone/>
+            </a:pPr>
+            <a:endParaRPr lang="en-US" dirty="0"/>
+          </a:p>
+          <a:p>
+            <a:pPr marL="0" indent="0">
+              <a:buNone/>
+            </a:pPr>
+            <a:r>
+              <a:rPr lang="en-US" dirty="0"/>
+              <a:t>The local context in which the macro is called “captures” some free variable intended to be global context from where the macro was declared</a:t>
+            </a:r>
+          </a:p>
+          <a:p>
+            <a:pPr marL="0" indent="0">
+              <a:buNone/>
+            </a:pPr>
+            <a:endParaRPr lang="en-US" dirty="0"/>
+          </a:p>
+          <a:p>
+            <a:pPr marL="0" indent="0">
+              <a:buNone/>
+            </a:pPr>
+            <a:r>
+              <a:rPr lang="en-US" dirty="0">
+                <a:latin typeface="Consolas" panose="020B0609020204030204" pitchFamily="49" charset="0"/>
+              </a:rPr>
+              <a:t>(let ((set! '(1 2 3)))</a:t>
+            </a:r>
+          </a:p>
+          <a:p>
+            <a:pPr marL="0" indent="0">
+              <a:buNone/>
+            </a:pPr>
+            <a:r>
+              <a:rPr lang="en-US" dirty="0">
+                <a:latin typeface="Consolas" panose="020B0609020204030204" pitchFamily="49" charset="0"/>
+              </a:rPr>
+              <a:t>  (</a:t>
+            </a:r>
+            <a:r>
+              <a:rPr lang="en-US" dirty="0" err="1">
+                <a:latin typeface="Consolas" panose="020B0609020204030204" pitchFamily="49" charset="0"/>
+              </a:rPr>
+              <a:t>badswap</a:t>
+            </a:r>
+            <a:r>
+              <a:rPr lang="en-US" dirty="0">
+                <a:latin typeface="Consolas" panose="020B0609020204030204" pitchFamily="49" charset="0"/>
+              </a:rPr>
+              <a:t> a b))</a:t>
+            </a:r>
+          </a:p>
+        </p:txBody>
+      </p:sp>
+    </p:spTree>
+    <p:extLst>
+      <p:ext uri="{BB962C8B-B14F-4D97-AF65-F5344CB8AC3E}">
+        <p14:creationId xmlns:p14="http://schemas.microsoft.com/office/powerpoint/2010/main" val="1153656585"/>
+      </p:ext>
+    </p:extLst>
+  </p:cSld>
+  <p:clrMapOvr>
+    <a:masterClrMapping/>
+  </p:clrMapOvr>
+</p:sld>
+</file>
+
+<file path=ppt/slides/slide11.xml><?xml version="1.0" encoding="utf-8"?>
+<p:sld xmlns:a="http://schemas.openxmlformats.org/drawingml/2006/main" xmlns:r="http://schemas.openxmlformats.org/officeDocument/2006/relationships" xmlns:p="http://schemas.openxmlformats.org/presentationml/2006/main">
+  <p:cSld>
+    <p:spTree>
+      <p:nvGrpSpPr>
+        <p:cNvPr id="1" name=""/>
+        <p:cNvGrpSpPr/>
+        <p:nvPr/>
+      </p:nvGrpSpPr>
+      <p:grpSpPr>
+        <a:xfrm>
+          <a:off x="0" y="0"/>
+          <a:ext cx="0" cy="0"/>
+          <a:chOff x="0" y="0"/>
+          <a:chExt cx="0" cy="0"/>
+        </a:xfrm>
+      </p:grpSpPr>
+      <p:sp>
+        <p:nvSpPr>
+          <p:cNvPr id="4" name="Rectangle 3">
+            <a:extLst>
+              <a:ext uri="{FF2B5EF4-FFF2-40B4-BE49-F238E27FC236}">
+                <a16:creationId xmlns:a16="http://schemas.microsoft.com/office/drawing/2014/main" id="{A24BF837-4241-463D-9326-D6E299214759}"/>
+              </a:ext>
+            </a:extLst>
+          </p:cNvPr>
+          <p:cNvSpPr/>
+          <p:nvPr/>
+        </p:nvSpPr>
+        <p:spPr>
+          <a:xfrm>
+            <a:off x="1103452" y="2246968"/>
+            <a:ext cx="8688729" cy="3416320"/>
+          </a:xfrm>
+          <a:prstGeom prst="rect">
+            <a:avLst/>
+          </a:prstGeom>
+        </p:spPr>
+        <p:txBody>
+          <a:bodyPr wrap="square">
+            <a:spAutoFit/>
+          </a:bodyPr>
+          <a:lstStyle/>
+          <a:p>
+            <a:r>
+              <a:rPr lang="en-US" sz="3600" dirty="0">
+                <a:latin typeface="Consolas" panose="020B0609020204030204" pitchFamily="49" charset="0"/>
+              </a:rPr>
+              <a:t>(define-syntax (swap </a:t>
+            </a:r>
+            <a:r>
+              <a:rPr lang="en-US" sz="3600" dirty="0" err="1">
+                <a:latin typeface="Consolas" panose="020B0609020204030204" pitchFamily="49" charset="0"/>
+              </a:rPr>
+              <a:t>stx</a:t>
+            </a:r>
+            <a:r>
+              <a:rPr lang="en-US" sz="3600" dirty="0">
+                <a:latin typeface="Consolas" panose="020B0609020204030204" pitchFamily="49" charset="0"/>
+              </a:rPr>
+              <a:t>)</a:t>
+            </a:r>
+          </a:p>
+          <a:p>
+            <a:r>
+              <a:rPr lang="en-US" sz="3600" dirty="0">
+                <a:latin typeface="Consolas" panose="020B0609020204030204" pitchFamily="49" charset="0"/>
+              </a:rPr>
+              <a:t>  (syntax-case </a:t>
+            </a:r>
+            <a:r>
+              <a:rPr lang="en-US" sz="3600" dirty="0" err="1">
+                <a:latin typeface="Consolas" panose="020B0609020204030204" pitchFamily="49" charset="0"/>
+              </a:rPr>
+              <a:t>stx</a:t>
+            </a:r>
+            <a:r>
+              <a:rPr lang="en-US" sz="3600" dirty="0">
+                <a:latin typeface="Consolas" panose="020B0609020204030204" pitchFamily="49" charset="0"/>
+              </a:rPr>
+              <a:t> ()</a:t>
+            </a:r>
+          </a:p>
+          <a:p>
+            <a:r>
+              <a:rPr lang="en-US" sz="3600" dirty="0">
+                <a:latin typeface="Consolas" panose="020B0609020204030204" pitchFamily="49" charset="0"/>
+              </a:rPr>
+              <a:t>    [(swap x y)</a:t>
+            </a:r>
+          </a:p>
+          <a:p>
+            <a:r>
+              <a:rPr lang="en-US" sz="3600" dirty="0">
+                <a:latin typeface="Consolas" panose="020B0609020204030204" pitchFamily="49" charset="0"/>
+              </a:rPr>
+              <a:t>     #'(let ([</a:t>
+            </a:r>
+            <a:r>
+              <a:rPr lang="en-US" sz="3600" dirty="0" err="1">
+                <a:latin typeface="Consolas" panose="020B0609020204030204" pitchFamily="49" charset="0"/>
+              </a:rPr>
+              <a:t>tmp</a:t>
+            </a:r>
+            <a:r>
+              <a:rPr lang="en-US" sz="3600" dirty="0">
+                <a:latin typeface="Consolas" panose="020B0609020204030204" pitchFamily="49" charset="0"/>
+              </a:rPr>
+              <a:t> x])</a:t>
+            </a:r>
+          </a:p>
+          <a:p>
+            <a:r>
+              <a:rPr lang="en-US" sz="3600" dirty="0">
+                <a:latin typeface="Consolas" panose="020B0609020204030204" pitchFamily="49" charset="0"/>
+              </a:rPr>
+              <a:t>         (set! x y)</a:t>
+            </a:r>
+          </a:p>
+          <a:p>
+            <a:r>
+              <a:rPr lang="en-US" sz="3600" dirty="0">
+                <a:latin typeface="Consolas" panose="020B0609020204030204" pitchFamily="49" charset="0"/>
+              </a:rPr>
+              <a:t>         (set! y </a:t>
+            </a:r>
+            <a:r>
+              <a:rPr lang="en-US" sz="3600" dirty="0" err="1">
+                <a:latin typeface="Consolas" panose="020B0609020204030204" pitchFamily="49" charset="0"/>
+              </a:rPr>
+              <a:t>tmp</a:t>
+            </a:r>
+            <a:r>
+              <a:rPr lang="en-US" sz="3600" dirty="0">
+                <a:latin typeface="Consolas" panose="020B0609020204030204" pitchFamily="49" charset="0"/>
+              </a:rPr>
+              <a:t>))]))</a:t>
+            </a:r>
+          </a:p>
+        </p:txBody>
+      </p:sp>
+      <p:sp>
+        <p:nvSpPr>
+          <p:cNvPr id="6" name="Callout: Line 5">
+            <a:extLst>
+              <a:ext uri="{FF2B5EF4-FFF2-40B4-BE49-F238E27FC236}">
+                <a16:creationId xmlns:a16="http://schemas.microsoft.com/office/drawing/2014/main" id="{2CBE7812-8F67-4DD1-8FD8-4E2CC7EEBF31}"/>
+              </a:ext>
+            </a:extLst>
+          </p:cNvPr>
+          <p:cNvSpPr/>
+          <p:nvPr/>
+        </p:nvSpPr>
+        <p:spPr>
+          <a:xfrm>
+            <a:off x="7812912" y="2409014"/>
+            <a:ext cx="3368233" cy="1182032"/>
+          </a:xfrm>
+          <a:prstGeom prst="borderCallout1">
+            <a:avLst>
+              <a:gd name="adj1" fmla="val 39314"/>
+              <a:gd name="adj2" fmla="val 1289"/>
+              <a:gd name="adj3" fmla="val 109562"/>
+              <a:gd name="adj4" fmla="val -104656"/>
+            </a:avLst>
+          </a:prstGeom>
+          <a:solidFill>
+            <a:schemeClr val="accent1">
+              <a:lumMod val="20000"/>
+              <a:lumOff val="80000"/>
+            </a:schemeClr>
+          </a:solidFill>
+        </p:spPr>
+        <p:style>
+          <a:lnRef idx="2">
+            <a:schemeClr val="dk1"/>
+          </a:lnRef>
+          <a:fillRef idx="1">
+            <a:schemeClr val="lt1"/>
+          </a:fillRef>
+          <a:effectRef idx="0">
+            <a:schemeClr val="dk1"/>
+          </a:effectRef>
+          <a:fontRef idx="minor">
+            <a:schemeClr val="dk1"/>
+          </a:fontRef>
+        </p:style>
+        <p:txBody>
+          <a:bodyPr rtlCol="0" anchor="ctr"/>
+          <a:lstStyle/>
+          <a:p>
+            <a:pPr algn="ctr"/>
+            <a:r>
+              <a:rPr lang="en-US" dirty="0"/>
+              <a:t>X and Y and syntax objects with their own namespace</a:t>
+            </a:r>
+          </a:p>
+        </p:txBody>
+      </p:sp>
+      <p:sp>
+        <p:nvSpPr>
+          <p:cNvPr id="7" name="Callout: Line 6">
+            <a:extLst>
+              <a:ext uri="{FF2B5EF4-FFF2-40B4-BE49-F238E27FC236}">
+                <a16:creationId xmlns:a16="http://schemas.microsoft.com/office/drawing/2014/main" id="{0EDBC9F2-1F3E-49FD-9D40-D288ACD7D710}"/>
+              </a:ext>
+            </a:extLst>
+          </p:cNvPr>
+          <p:cNvSpPr/>
+          <p:nvPr/>
+        </p:nvSpPr>
+        <p:spPr>
+          <a:xfrm>
+            <a:off x="8254679" y="4940830"/>
+            <a:ext cx="3368233" cy="1182032"/>
+          </a:xfrm>
+          <a:prstGeom prst="borderCallout1">
+            <a:avLst>
+              <a:gd name="adj1" fmla="val 39314"/>
+              <a:gd name="adj2" fmla="val 1289"/>
+              <a:gd name="adj3" fmla="val -37321"/>
+              <a:gd name="adj4" fmla="val -88505"/>
+            </a:avLst>
+          </a:prstGeom>
+          <a:solidFill>
+            <a:schemeClr val="accent1">
+              <a:lumMod val="20000"/>
+              <a:lumOff val="80000"/>
+            </a:schemeClr>
+          </a:solidFill>
+        </p:spPr>
+        <p:style>
+          <a:lnRef idx="2">
+            <a:schemeClr val="dk1"/>
+          </a:lnRef>
+          <a:fillRef idx="1">
+            <a:schemeClr val="lt1"/>
+          </a:fillRef>
+          <a:effectRef idx="0">
+            <a:schemeClr val="dk1"/>
+          </a:effectRef>
+          <a:fontRef idx="minor">
+            <a:schemeClr val="dk1"/>
+          </a:fontRef>
+        </p:style>
+        <p:txBody>
+          <a:bodyPr rtlCol="0" anchor="ctr"/>
+          <a:lstStyle/>
+          <a:p>
+            <a:pPr algn="ctr"/>
+            <a:r>
+              <a:rPr lang="en-US" dirty="0"/>
+              <a:t>The variable created here has a different namespace</a:t>
+            </a:r>
+          </a:p>
+        </p:txBody>
+      </p:sp>
+      <p:sp>
+        <p:nvSpPr>
+          <p:cNvPr id="8" name="Title 1">
+            <a:extLst>
+              <a:ext uri="{FF2B5EF4-FFF2-40B4-BE49-F238E27FC236}">
+                <a16:creationId xmlns:a16="http://schemas.microsoft.com/office/drawing/2014/main" id="{1C72843B-AC5B-4040-AADB-33CBDB0992D0}"/>
+              </a:ext>
+            </a:extLst>
+          </p:cNvPr>
+          <p:cNvSpPr>
+            <a:spLocks noGrp="1"/>
+          </p:cNvSpPr>
+          <p:nvPr>
+            <p:ph type="title"/>
+          </p:nvPr>
+        </p:nvSpPr>
+        <p:spPr>
+          <a:xfrm>
+            <a:off x="838200" y="365125"/>
+            <a:ext cx="10515600" cy="1325563"/>
+          </a:xfrm>
+        </p:spPr>
+        <p:txBody>
+          <a:bodyPr/>
+          <a:lstStyle/>
+          <a:p>
+            <a:r>
+              <a:rPr lang="en-US" dirty="0"/>
+              <a:t>Mostly solved by racket syntax</a:t>
+            </a:r>
+          </a:p>
+        </p:txBody>
+      </p:sp>
+      <p:sp>
+        <p:nvSpPr>
+          <p:cNvPr id="9" name="Callout: Line 8">
+            <a:extLst>
+              <a:ext uri="{FF2B5EF4-FFF2-40B4-BE49-F238E27FC236}">
+                <a16:creationId xmlns:a16="http://schemas.microsoft.com/office/drawing/2014/main" id="{D043020A-8D56-45B2-A8A3-4036875AD7E0}"/>
+              </a:ext>
+            </a:extLst>
+          </p:cNvPr>
+          <p:cNvSpPr/>
+          <p:nvPr/>
+        </p:nvSpPr>
+        <p:spPr>
+          <a:xfrm>
+            <a:off x="1103452" y="5683822"/>
+            <a:ext cx="3368233" cy="1182032"/>
+          </a:xfrm>
+          <a:prstGeom prst="borderCallout1">
+            <a:avLst>
+              <a:gd name="adj1" fmla="val -1401"/>
+              <a:gd name="adj2" fmla="val 40225"/>
+              <a:gd name="adj3" fmla="val -22053"/>
+              <a:gd name="adj4" fmla="val 75810"/>
+            </a:avLst>
+          </a:prstGeom>
+          <a:solidFill>
+            <a:schemeClr val="accent1">
+              <a:lumMod val="20000"/>
+              <a:lumOff val="80000"/>
+            </a:schemeClr>
+          </a:solidFill>
+        </p:spPr>
+        <p:style>
+          <a:lnRef idx="2">
+            <a:schemeClr val="dk1"/>
+          </a:lnRef>
+          <a:fillRef idx="1">
+            <a:schemeClr val="lt1"/>
+          </a:fillRef>
+          <a:effectRef idx="0">
+            <a:schemeClr val="dk1"/>
+          </a:effectRef>
+          <a:fontRef idx="minor">
+            <a:schemeClr val="dk1"/>
+          </a:fontRef>
+        </p:style>
+        <p:txBody>
+          <a:bodyPr rtlCol="0" anchor="ctr"/>
+          <a:lstStyle/>
+          <a:p>
+            <a:pPr algn="ctr"/>
+            <a:r>
+              <a:rPr lang="en-US" dirty="0"/>
+              <a:t>Variables referenced within the macro use the macro’s </a:t>
+            </a:r>
+            <a:r>
+              <a:rPr lang="en-US" dirty="0" err="1"/>
+              <a:t>namspace</a:t>
+            </a:r>
+            <a:endParaRPr lang="en-US" dirty="0"/>
+          </a:p>
+        </p:txBody>
+      </p:sp>
+    </p:spTree>
+    <p:extLst>
+      <p:ext uri="{BB962C8B-B14F-4D97-AF65-F5344CB8AC3E}">
+        <p14:creationId xmlns:p14="http://schemas.microsoft.com/office/powerpoint/2010/main" val="898275119"/>
+      </p:ext>
+    </p:extLst>
+  </p:cSld>
+  <p:clrMapOvr>
+    <a:masterClrMapping/>
+  </p:clrMapOvr>
+</p:sld>
+</file>
+
+<file path=ppt/slides/slide12.xml><?xml version="1.0" encoding="utf-8"?>
 <p:sld xmlns:a="http://schemas.openxmlformats.org/drawingml/2006/main" xmlns:r="http://schemas.openxmlformats.org/officeDocument/2006/relationships" xmlns:p="http://schemas.openxmlformats.org/presentationml/2006/main">
   <p:cSld>
     <p:spTree>
@@ -4554,7 +5678,7 @@
 </p:sld>
 </file>
 
-<file path=ppt/slides/slide11.xml><?xml version="1.0" encoding="utf-8"?>
+<file path=ppt/slides/slide13.xml><?xml version="1.0" encoding="utf-8"?>
 <p:sld xmlns:a="http://schemas.openxmlformats.org/drawingml/2006/main" xmlns:r="http://schemas.openxmlformats.org/officeDocument/2006/relationships" xmlns:p="http://schemas.openxmlformats.org/presentationml/2006/main">
   <p:cSld>
     <p:spTree>
@@ -4839,13 +5963,13 @@
           <a:p>
             <a:r>
               <a:rPr lang="en-US" dirty="0"/>
+              <a:t>Recursive macros &amp; practice</a:t>
+            </a:r>
+          </a:p>
+          <a:p>
+            <a:r>
+              <a:rPr lang="en-US" dirty="0"/>
               <a:t>Variable capture – a common issue with macros that you should be aware of and how racket macros avoid it mostly</a:t>
-            </a:r>
-          </a:p>
-          <a:p>
-            <a:r>
-              <a:rPr lang="en-US" dirty="0"/>
-              <a:t>How to do more complex calculations in the macro expansion phase</a:t>
             </a:r>
           </a:p>
         </p:txBody>
@@ -4885,343 +6009,6 @@
           <p:cNvPr id="2" name="Title 1">
             <a:extLst>
               <a:ext uri="{FF2B5EF4-FFF2-40B4-BE49-F238E27FC236}">
-                <a16:creationId xmlns:a16="http://schemas.microsoft.com/office/drawing/2014/main" id="{DC1A6D24-D371-45ED-AD5D-B77280709DE1}"/>
-              </a:ext>
-            </a:extLst>
-          </p:cNvPr>
-          <p:cNvSpPr>
-            <a:spLocks noGrp="1"/>
-          </p:cNvSpPr>
-          <p:nvPr>
-            <p:ph type="title"/>
-          </p:nvPr>
-        </p:nvSpPr>
-        <p:spPr/>
-        <p:txBody>
-          <a:bodyPr/>
-          <a:lstStyle/>
-          <a:p>
-            <a:r>
-              <a:rPr lang="en-US" dirty="0"/>
-              <a:t>Macro templates are good but have limits</a:t>
-            </a:r>
-          </a:p>
-        </p:txBody>
-      </p:sp>
-      <p:sp>
-        <p:nvSpPr>
-          <p:cNvPr id="4" name="Rectangle 3">
-            <a:extLst>
-              <a:ext uri="{FF2B5EF4-FFF2-40B4-BE49-F238E27FC236}">
-                <a16:creationId xmlns:a16="http://schemas.microsoft.com/office/drawing/2014/main" id="{63207CD5-4E34-42E3-A2B6-23CA51269998}"/>
-              </a:ext>
-            </a:extLst>
-          </p:cNvPr>
-          <p:cNvSpPr/>
-          <p:nvPr/>
-        </p:nvSpPr>
-        <p:spPr>
-          <a:xfrm>
-            <a:off x="177477" y="1690688"/>
-            <a:ext cx="11825469" cy="2585323"/>
-          </a:xfrm>
-          <a:prstGeom prst="rect">
-            <a:avLst/>
-          </a:prstGeom>
-        </p:spPr>
-        <p:txBody>
-          <a:bodyPr wrap="square">
-            <a:spAutoFit/>
-          </a:bodyPr>
-          <a:lstStyle/>
-          <a:p>
-            <a:r>
-              <a:rPr lang="en-US" dirty="0">
-                <a:latin typeface="Consolas" panose="020B0609020204030204" pitchFamily="49" charset="0"/>
-              </a:rPr>
-              <a:t>(define-syntax </a:t>
-            </a:r>
-            <a:r>
-              <a:rPr lang="en-US" dirty="0" err="1">
-                <a:latin typeface="Consolas" panose="020B0609020204030204" pitchFamily="49" charset="0"/>
-              </a:rPr>
-              <a:t>numed-syms</a:t>
-            </a:r>
-            <a:endParaRPr lang="en-US" dirty="0">
-              <a:latin typeface="Consolas" panose="020B0609020204030204" pitchFamily="49" charset="0"/>
-            </a:endParaRPr>
-          </a:p>
-          <a:p>
-            <a:r>
-              <a:rPr lang="en-US" dirty="0">
-                <a:latin typeface="Consolas" panose="020B0609020204030204" pitchFamily="49" charset="0"/>
-              </a:rPr>
-              <a:t>  (lambda (</a:t>
-            </a:r>
-            <a:r>
-              <a:rPr lang="en-US" dirty="0" err="1">
-                <a:latin typeface="Consolas" panose="020B0609020204030204" pitchFamily="49" charset="0"/>
-              </a:rPr>
-              <a:t>stx</a:t>
-            </a:r>
-            <a:r>
-              <a:rPr lang="en-US" dirty="0">
-                <a:latin typeface="Consolas" panose="020B0609020204030204" pitchFamily="49" charset="0"/>
-              </a:rPr>
-              <a:t>)</a:t>
-            </a:r>
-          </a:p>
-          <a:p>
-            <a:r>
-              <a:rPr lang="en-US" dirty="0">
-                <a:latin typeface="Consolas" panose="020B0609020204030204" pitchFamily="49" charset="0"/>
-              </a:rPr>
-              <a:t>    (datum-&gt;syntax </a:t>
-            </a:r>
-            <a:r>
-              <a:rPr lang="en-US" dirty="0" err="1">
-                <a:latin typeface="Consolas" panose="020B0609020204030204" pitchFamily="49" charset="0"/>
-              </a:rPr>
-              <a:t>stx</a:t>
-            </a:r>
-            <a:endParaRPr lang="en-US" dirty="0">
-              <a:latin typeface="Consolas" panose="020B0609020204030204" pitchFamily="49" charset="0"/>
-            </a:endParaRPr>
-          </a:p>
-          <a:p>
-            <a:r>
-              <a:rPr lang="en-US" dirty="0">
-                <a:latin typeface="Consolas" panose="020B0609020204030204" pitchFamily="49" charset="0"/>
-              </a:rPr>
-              <a:t>                   (list 'quote (let recur ([num 0]</a:t>
-            </a:r>
-          </a:p>
-          <a:p>
-            <a:r>
-              <a:rPr lang="en-US" dirty="0">
-                <a:latin typeface="Consolas" panose="020B0609020204030204" pitchFamily="49" charset="0"/>
-              </a:rPr>
-              <a:t>                                            [</a:t>
-            </a:r>
-            <a:r>
-              <a:rPr lang="en-US" dirty="0" err="1">
-                <a:latin typeface="Consolas" panose="020B0609020204030204" pitchFamily="49" charset="0"/>
-              </a:rPr>
-              <a:t>syms</a:t>
-            </a:r>
-            <a:r>
-              <a:rPr lang="en-US" dirty="0">
-                <a:latin typeface="Consolas" panose="020B0609020204030204" pitchFamily="49" charset="0"/>
-              </a:rPr>
-              <a:t> (</a:t>
-            </a:r>
-            <a:r>
-              <a:rPr lang="en-US" dirty="0" err="1">
-                <a:latin typeface="Consolas" panose="020B0609020204030204" pitchFamily="49" charset="0"/>
-              </a:rPr>
-              <a:t>cdr</a:t>
-            </a:r>
-            <a:r>
-              <a:rPr lang="en-US" dirty="0">
-                <a:latin typeface="Consolas" panose="020B0609020204030204" pitchFamily="49" charset="0"/>
-              </a:rPr>
-              <a:t> (syntax-&gt;datum </a:t>
-            </a:r>
-            <a:r>
-              <a:rPr lang="en-US" dirty="0" err="1">
-                <a:latin typeface="Consolas" panose="020B0609020204030204" pitchFamily="49" charset="0"/>
-              </a:rPr>
-              <a:t>stx</a:t>
-            </a:r>
-            <a:r>
-              <a:rPr lang="en-US" dirty="0">
-                <a:latin typeface="Consolas" panose="020B0609020204030204" pitchFamily="49" charset="0"/>
-              </a:rPr>
-              <a:t>))])</a:t>
-            </a:r>
-          </a:p>
-          <a:p>
-            <a:r>
-              <a:rPr lang="en-US" dirty="0">
-                <a:latin typeface="Consolas" panose="020B0609020204030204" pitchFamily="49" charset="0"/>
-              </a:rPr>
-              <a:t>                                      (if (null? </a:t>
-            </a:r>
-            <a:r>
-              <a:rPr lang="en-US" dirty="0" err="1">
-                <a:latin typeface="Consolas" panose="020B0609020204030204" pitchFamily="49" charset="0"/>
-              </a:rPr>
-              <a:t>syms</a:t>
-            </a:r>
-            <a:r>
-              <a:rPr lang="en-US" dirty="0">
-                <a:latin typeface="Consolas" panose="020B0609020204030204" pitchFamily="49" charset="0"/>
-              </a:rPr>
-              <a:t>)</a:t>
-            </a:r>
-          </a:p>
-          <a:p>
-            <a:r>
-              <a:rPr lang="en-US" dirty="0">
-                <a:latin typeface="Consolas" panose="020B0609020204030204" pitchFamily="49" charset="0"/>
-              </a:rPr>
-              <a:t>                                          '()</a:t>
-            </a:r>
-          </a:p>
-          <a:p>
-            <a:r>
-              <a:rPr lang="en-US" dirty="0">
-                <a:latin typeface="Consolas" panose="020B0609020204030204" pitchFamily="49" charset="0"/>
-              </a:rPr>
-              <a:t>                                          (cons (cons (car </a:t>
-            </a:r>
-            <a:r>
-              <a:rPr lang="en-US" dirty="0" err="1">
-                <a:latin typeface="Consolas" panose="020B0609020204030204" pitchFamily="49" charset="0"/>
-              </a:rPr>
-              <a:t>syms</a:t>
-            </a:r>
-            <a:r>
-              <a:rPr lang="en-US" dirty="0">
-                <a:latin typeface="Consolas" panose="020B0609020204030204" pitchFamily="49" charset="0"/>
-              </a:rPr>
-              <a:t>) num)</a:t>
-            </a:r>
-          </a:p>
-          <a:p>
-            <a:r>
-              <a:rPr lang="en-US" dirty="0">
-                <a:latin typeface="Consolas" panose="020B0609020204030204" pitchFamily="49" charset="0"/>
-              </a:rPr>
-              <a:t>                                                (recur (add1 num) (</a:t>
-            </a:r>
-            <a:r>
-              <a:rPr lang="en-US" dirty="0" err="1">
-                <a:latin typeface="Consolas" panose="020B0609020204030204" pitchFamily="49" charset="0"/>
-              </a:rPr>
-              <a:t>cdr</a:t>
-            </a:r>
-            <a:r>
-              <a:rPr lang="en-US" dirty="0">
-                <a:latin typeface="Consolas" panose="020B0609020204030204" pitchFamily="49" charset="0"/>
-              </a:rPr>
-              <a:t> </a:t>
-            </a:r>
-            <a:r>
-              <a:rPr lang="en-US" dirty="0" err="1">
-                <a:latin typeface="Consolas" panose="020B0609020204030204" pitchFamily="49" charset="0"/>
-              </a:rPr>
-              <a:t>syms</a:t>
-            </a:r>
-            <a:r>
-              <a:rPr lang="en-US" dirty="0">
-                <a:latin typeface="Consolas" panose="020B0609020204030204" pitchFamily="49" charset="0"/>
-              </a:rPr>
-              <a:t>)))))))))</a:t>
-            </a:r>
-          </a:p>
-        </p:txBody>
-      </p:sp>
-      <p:pic>
-        <p:nvPicPr>
-          <p:cNvPr id="3" name="Picture 2">
-            <a:extLst>
-              <a:ext uri="{FF2B5EF4-FFF2-40B4-BE49-F238E27FC236}">
-                <a16:creationId xmlns:a16="http://schemas.microsoft.com/office/drawing/2014/main" id="{CF71ACAB-4939-4DF9-ADC1-0D0B21C1F7B1}"/>
-              </a:ext>
-            </a:extLst>
-          </p:cNvPr>
-          <p:cNvPicPr>
-            <a:picLocks noChangeAspect="1"/>
-          </p:cNvPicPr>
-          <p:nvPr/>
-        </p:nvPicPr>
-        <p:blipFill>
-          <a:blip r:embed="rId2"/>
-          <a:stretch>
-            <a:fillRect/>
-          </a:stretch>
-        </p:blipFill>
-        <p:spPr>
-          <a:xfrm>
-            <a:off x="519089" y="4643364"/>
-            <a:ext cx="4648849" cy="523948"/>
-          </a:xfrm>
-          <a:prstGeom prst="rect">
-            <a:avLst/>
-          </a:prstGeom>
-        </p:spPr>
-      </p:pic>
-      <p:sp>
-        <p:nvSpPr>
-          <p:cNvPr id="5" name="TextBox 4">
-            <a:extLst>
-              <a:ext uri="{FF2B5EF4-FFF2-40B4-BE49-F238E27FC236}">
-                <a16:creationId xmlns:a16="http://schemas.microsoft.com/office/drawing/2014/main" id="{41A635F0-CF50-4D32-95EA-EF00A77E052D}"/>
-              </a:ext>
-            </a:extLst>
-          </p:cNvPr>
-          <p:cNvSpPr txBox="1"/>
-          <p:nvPr/>
-        </p:nvSpPr>
-        <p:spPr>
-          <a:xfrm>
-            <a:off x="1493134" y="6007261"/>
-            <a:ext cx="6812249" cy="461665"/>
-          </a:xfrm>
-          <a:prstGeom prst="rect">
-            <a:avLst/>
-          </a:prstGeom>
-          <a:noFill/>
-        </p:spPr>
-        <p:txBody>
-          <a:bodyPr wrap="none" rtlCol="0">
-            <a:spAutoFit/>
-          </a:bodyPr>
-          <a:lstStyle/>
-          <a:p>
-            <a:r>
-              <a:rPr lang="en-US" sz="2400" dirty="0"/>
-              <a:t>By treating code as fully data, we get plenty of power</a:t>
-            </a:r>
-          </a:p>
-        </p:txBody>
-      </p:sp>
-    </p:spTree>
-    <p:extLst>
-      <p:ext uri="{BB962C8B-B14F-4D97-AF65-F5344CB8AC3E}">
-        <p14:creationId xmlns:p14="http://schemas.microsoft.com/office/powerpoint/2010/main" val="3888160088"/>
-      </p:ext>
-    </p:extLst>
-  </p:cSld>
-  <p:clrMapOvr>
-    <a:masterClrMapping/>
-  </p:clrMapOvr>
-</p:sld>
-</file>
-
-<file path=ppt/slides/slide4.xml><?xml version="1.0" encoding="utf-8"?>
-<p:sld xmlns:a="http://schemas.openxmlformats.org/drawingml/2006/main" xmlns:r="http://schemas.openxmlformats.org/officeDocument/2006/relationships" xmlns:p="http://schemas.openxmlformats.org/presentationml/2006/main">
-  <p:cSld>
-    <p:spTree>
-      <p:nvGrpSpPr>
-        <p:cNvPr id="1" name=""/>
-        <p:cNvGrpSpPr/>
-        <p:nvPr/>
-      </p:nvGrpSpPr>
-      <p:grpSpPr>
-        <a:xfrm>
-          <a:off x="0" y="0"/>
-          <a:ext cx="0" cy="0"/>
-          <a:chOff x="0" y="0"/>
-          <a:chExt cx="0" cy="0"/>
-        </a:xfrm>
-      </p:grpSpPr>
-      <p:sp>
-        <p:nvSpPr>
-          <p:cNvPr id="2" name="Title 1">
-            <a:extLst>
-              <a:ext uri="{FF2B5EF4-FFF2-40B4-BE49-F238E27FC236}">
                 <a16:creationId xmlns:a16="http://schemas.microsoft.com/office/drawing/2014/main" id="{C64977BE-A58F-4BF8-BB35-E57044B12E2E}"/>
               </a:ext>
             </a:extLst>
@@ -5430,6 +6217,114 @@
     <p:extLst>
       <p:ext uri="{BB962C8B-B14F-4D97-AF65-F5344CB8AC3E}">
         <p14:creationId xmlns:p14="http://schemas.microsoft.com/office/powerpoint/2010/main" val="332350083"/>
+      </p:ext>
+    </p:extLst>
+  </p:cSld>
+  <p:clrMapOvr>
+    <a:masterClrMapping/>
+  </p:clrMapOvr>
+</p:sld>
+</file>
+
+<file path=ppt/slides/slide4.xml><?xml version="1.0" encoding="utf-8"?>
+<p:sld xmlns:a="http://schemas.openxmlformats.org/drawingml/2006/main" xmlns:r="http://schemas.openxmlformats.org/officeDocument/2006/relationships" xmlns:p="http://schemas.openxmlformats.org/presentationml/2006/main">
+  <p:cSld>
+    <p:spTree>
+      <p:nvGrpSpPr>
+        <p:cNvPr id="1" name=""/>
+        <p:cNvGrpSpPr/>
+        <p:nvPr/>
+      </p:nvGrpSpPr>
+      <p:grpSpPr>
+        <a:xfrm>
+          <a:off x="0" y="0"/>
+          <a:ext cx="0" cy="0"/>
+          <a:chOff x="0" y="0"/>
+          <a:chExt cx="0" cy="0"/>
+        </a:xfrm>
+      </p:grpSpPr>
+      <p:sp>
+        <p:nvSpPr>
+          <p:cNvPr id="2" name="Title 1">
+            <a:extLst>
+              <a:ext uri="{FF2B5EF4-FFF2-40B4-BE49-F238E27FC236}">
+                <a16:creationId xmlns:a16="http://schemas.microsoft.com/office/drawing/2014/main" id="{10E381F0-7B6C-00E6-63B4-1C1847866AB1}"/>
+              </a:ext>
+            </a:extLst>
+          </p:cNvPr>
+          <p:cNvSpPr>
+            <a:spLocks noGrp="1"/>
+          </p:cNvSpPr>
+          <p:nvPr>
+            <p:ph type="title"/>
+          </p:nvPr>
+        </p:nvSpPr>
+        <p:spPr/>
+        <p:txBody>
+          <a:bodyPr/>
+          <a:lstStyle/>
+          <a:p>
+            <a:r>
+              <a:rPr lang="en-US" dirty="0"/>
+              <a:t>Coding</a:t>
+            </a:r>
+          </a:p>
+        </p:txBody>
+      </p:sp>
+      <p:sp>
+        <p:nvSpPr>
+          <p:cNvPr id="3" name="Content Placeholder 2">
+            <a:extLst>
+              <a:ext uri="{FF2B5EF4-FFF2-40B4-BE49-F238E27FC236}">
+                <a16:creationId xmlns:a16="http://schemas.microsoft.com/office/drawing/2014/main" id="{2B3B7CB7-3281-A2DF-6A78-46BE70EE6C1E}"/>
+              </a:ext>
+            </a:extLst>
+          </p:cNvPr>
+          <p:cNvSpPr>
+            <a:spLocks noGrp="1"/>
+          </p:cNvSpPr>
+          <p:nvPr>
+            <p:ph idx="1"/>
+          </p:nvPr>
+        </p:nvSpPr>
+        <p:spPr/>
+        <p:txBody>
+          <a:bodyPr/>
+          <a:lstStyle/>
+          <a:p>
+            <a:r>
+              <a:rPr lang="en-US" dirty="0"/>
+              <a:t>We’ll solve </a:t>
+            </a:r>
+            <a:r>
+              <a:rPr lang="en-US" dirty="0" err="1"/>
+              <a:t>myand</a:t>
+            </a:r>
+            <a:r>
+              <a:rPr lang="en-US" dirty="0"/>
+              <a:t> together</a:t>
+            </a:r>
+          </a:p>
+          <a:p>
+            <a:r>
+              <a:rPr lang="en-US" dirty="0"/>
+              <a:t>You’ll do </a:t>
+            </a:r>
+            <a:r>
+              <a:rPr lang="en-US" dirty="0" err="1"/>
+              <a:t>mylet</a:t>
+            </a:r>
+            <a:r>
+              <a:rPr lang="en-US" dirty="0"/>
+              <a:t>* individually</a:t>
+            </a:r>
+          </a:p>
+        </p:txBody>
+      </p:sp>
+    </p:spTree>
+    <p:extLst>
+      <p:ext uri="{BB962C8B-B14F-4D97-AF65-F5344CB8AC3E}">
+        <p14:creationId xmlns:p14="http://schemas.microsoft.com/office/powerpoint/2010/main" val="1157684767"/>
       </p:ext>
     </p:extLst>
   </p:cSld>
@@ -5913,7 +6808,7 @@
           <p:cNvPr id="2" name="Title 1">
             <a:extLst>
               <a:ext uri="{FF2B5EF4-FFF2-40B4-BE49-F238E27FC236}">
-                <a16:creationId xmlns:a16="http://schemas.microsoft.com/office/drawing/2014/main" id="{75F3D548-3E64-4CD6-BBE2-E8AB594A3236}"/>
+                <a16:creationId xmlns:a16="http://schemas.microsoft.com/office/drawing/2014/main" id="{79C5FA93-88DB-27AC-FBFE-A03778177007}"/>
               </a:ext>
             </a:extLst>
           </p:cNvPr>
@@ -5924,20 +6819,20 @@
             <p:ph type="title"/>
           </p:nvPr>
         </p:nvSpPr>
-        <p:spPr>
-          <a:xfrm>
-            <a:off x="838200" y="249379"/>
-            <a:ext cx="10515600" cy="792343"/>
-          </a:xfrm>
-        </p:spPr>
+        <p:spPr/>
         <p:txBody>
           <a:bodyPr/>
           <a:lstStyle/>
           <a:p>
             <a:r>
               <a:rPr lang="en-US" dirty="0"/>
-              <a:t>Variable Capture Problems</a:t>
-            </a:r>
+              <a:t>Ok now try </a:t>
+            </a:r>
+            <a:r>
+              <a:rPr lang="en-US" dirty="0" err="1"/>
+              <a:t>listlet</a:t>
+            </a:r>
+            <a:endParaRPr lang="en-US" dirty="0"/>
           </a:p>
         </p:txBody>
       </p:sp>
@@ -5946,7 +6841,7 @@
           <p:cNvPr id="3" name="Content Placeholder 2">
             <a:extLst>
               <a:ext uri="{FF2B5EF4-FFF2-40B4-BE49-F238E27FC236}">
-                <a16:creationId xmlns:a16="http://schemas.microsoft.com/office/drawing/2014/main" id="{84391CD8-05AB-4B2E-BD40-A2E3D48D0286}"/>
+                <a16:creationId xmlns:a16="http://schemas.microsoft.com/office/drawing/2014/main" id="{F909F847-7CB3-F8DE-EA41-A4D4CFF2967C}"/>
               </a:ext>
             </a:extLst>
           </p:cNvPr>
@@ -5957,365 +6852,14 @@
             <p:ph idx="1"/>
           </p:nvPr>
         </p:nvSpPr>
-        <p:spPr>
-          <a:xfrm>
-            <a:off x="838200" y="1157468"/>
-            <a:ext cx="10515600" cy="5602147"/>
-          </a:xfrm>
-        </p:spPr>
-        <p:txBody>
-          <a:bodyPr>
-            <a:normAutofit/>
-          </a:bodyPr>
-          <a:lstStyle/>
-          <a:p>
-            <a:pPr marL="0" indent="0">
-              <a:buNone/>
-            </a:pPr>
-            <a:r>
-              <a:rPr lang="en-US" sz="1600" dirty="0">
-                <a:latin typeface="Consolas" panose="020B0609020204030204" pitchFamily="49" charset="0"/>
-              </a:rPr>
-              <a:t>(define-syntax </a:t>
-            </a:r>
-            <a:r>
-              <a:rPr lang="en-US" sz="1600" dirty="0" err="1">
-                <a:latin typeface="Consolas" panose="020B0609020204030204" pitchFamily="49" charset="0"/>
-              </a:rPr>
-              <a:t>badswap</a:t>
-            </a:r>
-            <a:endParaRPr lang="en-US" sz="1600" dirty="0">
-              <a:latin typeface="Consolas" panose="020B0609020204030204" pitchFamily="49" charset="0"/>
-            </a:endParaRPr>
-          </a:p>
-          <a:p>
-            <a:pPr marL="0" indent="0">
-              <a:buNone/>
-            </a:pPr>
-            <a:r>
-              <a:rPr lang="en-US" sz="1600" dirty="0">
-                <a:latin typeface="Consolas" panose="020B0609020204030204" pitchFamily="49" charset="0"/>
-              </a:rPr>
-              <a:t>  (lambda (</a:t>
-            </a:r>
-            <a:r>
-              <a:rPr lang="en-US" sz="1600" dirty="0" err="1">
-                <a:latin typeface="Consolas" panose="020B0609020204030204" pitchFamily="49" charset="0"/>
-              </a:rPr>
-              <a:t>stx</a:t>
-            </a:r>
-            <a:r>
-              <a:rPr lang="en-US" sz="1600" dirty="0">
-                <a:latin typeface="Consolas" panose="020B0609020204030204" pitchFamily="49" charset="0"/>
-              </a:rPr>
-              <a:t>)</a:t>
-            </a:r>
-          </a:p>
-          <a:p>
-            <a:pPr marL="0" indent="0">
-              <a:buNone/>
-            </a:pPr>
-            <a:r>
-              <a:rPr lang="en-US" sz="1600" dirty="0">
-                <a:latin typeface="Consolas" panose="020B0609020204030204" pitchFamily="49" charset="0"/>
-              </a:rPr>
-              <a:t>    (datum-&gt;syntax </a:t>
-            </a:r>
-            <a:r>
-              <a:rPr lang="en-US" sz="1600" dirty="0" err="1">
-                <a:latin typeface="Consolas" panose="020B0609020204030204" pitchFamily="49" charset="0"/>
-              </a:rPr>
-              <a:t>stx</a:t>
-            </a:r>
-            <a:r>
-              <a:rPr lang="en-US" sz="1600" dirty="0">
-                <a:latin typeface="Consolas" panose="020B0609020204030204" pitchFamily="49" charset="0"/>
-              </a:rPr>
-              <a:t> (let* ([</a:t>
-            </a:r>
-            <a:r>
-              <a:rPr lang="en-US" sz="1600" dirty="0" err="1">
-                <a:latin typeface="Consolas" panose="020B0609020204030204" pitchFamily="49" charset="0"/>
-              </a:rPr>
-              <a:t>orig</a:t>
-            </a:r>
-            <a:r>
-              <a:rPr lang="en-US" sz="1600" dirty="0">
-                <a:latin typeface="Consolas" panose="020B0609020204030204" pitchFamily="49" charset="0"/>
-              </a:rPr>
-              <a:t> (syntax-&gt;datum </a:t>
-            </a:r>
-            <a:r>
-              <a:rPr lang="en-US" sz="1600" dirty="0" err="1">
-                <a:latin typeface="Consolas" panose="020B0609020204030204" pitchFamily="49" charset="0"/>
-              </a:rPr>
-              <a:t>stx</a:t>
-            </a:r>
-            <a:r>
-              <a:rPr lang="en-US" sz="1600" dirty="0">
-                <a:latin typeface="Consolas" panose="020B0609020204030204" pitchFamily="49" charset="0"/>
-              </a:rPr>
-              <a:t>)]</a:t>
-            </a:r>
-          </a:p>
-          <a:p>
-            <a:pPr marL="0" indent="0">
-              <a:buNone/>
-            </a:pPr>
-            <a:r>
-              <a:rPr lang="en-US" sz="1600" dirty="0">
-                <a:latin typeface="Consolas" panose="020B0609020204030204" pitchFamily="49" charset="0"/>
-              </a:rPr>
-              <a:t>                              [v1 (</a:t>
-            </a:r>
-            <a:r>
-              <a:rPr lang="en-US" sz="1600" dirty="0" err="1">
-                <a:latin typeface="Consolas" panose="020B0609020204030204" pitchFamily="49" charset="0"/>
-              </a:rPr>
-              <a:t>cadr</a:t>
-            </a:r>
-            <a:r>
-              <a:rPr lang="en-US" sz="1600" dirty="0">
-                <a:latin typeface="Consolas" panose="020B0609020204030204" pitchFamily="49" charset="0"/>
-              </a:rPr>
-              <a:t> </a:t>
-            </a:r>
-            <a:r>
-              <a:rPr lang="en-US" sz="1600" dirty="0" err="1">
-                <a:latin typeface="Consolas" panose="020B0609020204030204" pitchFamily="49" charset="0"/>
-              </a:rPr>
-              <a:t>orig</a:t>
-            </a:r>
-            <a:r>
-              <a:rPr lang="en-US" sz="1600" dirty="0">
-                <a:latin typeface="Consolas" panose="020B0609020204030204" pitchFamily="49" charset="0"/>
-              </a:rPr>
-              <a:t>)]</a:t>
-            </a:r>
-          </a:p>
-          <a:p>
-            <a:pPr marL="0" indent="0">
-              <a:buNone/>
-            </a:pPr>
-            <a:r>
-              <a:rPr lang="en-US" sz="1600" dirty="0">
-                <a:latin typeface="Consolas" panose="020B0609020204030204" pitchFamily="49" charset="0"/>
-              </a:rPr>
-              <a:t>                              [v2 (</a:t>
-            </a:r>
-            <a:r>
-              <a:rPr lang="en-US" sz="1600" dirty="0" err="1">
-                <a:latin typeface="Consolas" panose="020B0609020204030204" pitchFamily="49" charset="0"/>
-              </a:rPr>
-              <a:t>caddr</a:t>
-            </a:r>
-            <a:r>
-              <a:rPr lang="en-US" sz="1600" dirty="0">
-                <a:latin typeface="Consolas" panose="020B0609020204030204" pitchFamily="49" charset="0"/>
-              </a:rPr>
-              <a:t> </a:t>
-            </a:r>
-            <a:r>
-              <a:rPr lang="en-US" sz="1600" dirty="0" err="1">
-                <a:latin typeface="Consolas" panose="020B0609020204030204" pitchFamily="49" charset="0"/>
-              </a:rPr>
-              <a:t>orig</a:t>
-            </a:r>
-            <a:r>
-              <a:rPr lang="en-US" sz="1600" dirty="0">
-                <a:latin typeface="Consolas" panose="020B0609020204030204" pitchFamily="49" charset="0"/>
-              </a:rPr>
-              <a:t>)])</a:t>
-            </a:r>
-          </a:p>
-          <a:p>
-            <a:pPr marL="0" indent="0">
-              <a:buNone/>
-            </a:pPr>
-            <a:r>
-              <a:rPr lang="en-US" sz="1600" dirty="0">
-                <a:latin typeface="Consolas" panose="020B0609020204030204" pitchFamily="49" charset="0"/>
-              </a:rPr>
-              <a:t>                         (list 'let (list (list '</a:t>
-            </a:r>
-            <a:r>
-              <a:rPr lang="en-US" sz="1600" dirty="0" err="1">
-                <a:latin typeface="Consolas" panose="020B0609020204030204" pitchFamily="49" charset="0"/>
-              </a:rPr>
-              <a:t>tmp</a:t>
-            </a:r>
-            <a:r>
-              <a:rPr lang="en-US" sz="1600" dirty="0">
-                <a:latin typeface="Consolas" panose="020B0609020204030204" pitchFamily="49" charset="0"/>
-              </a:rPr>
-              <a:t> v1))</a:t>
-            </a:r>
-          </a:p>
-          <a:p>
-            <a:pPr marL="0" indent="0">
-              <a:buNone/>
-            </a:pPr>
-            <a:r>
-              <a:rPr lang="en-US" sz="1600" dirty="0">
-                <a:latin typeface="Consolas" panose="020B0609020204030204" pitchFamily="49" charset="0"/>
-              </a:rPr>
-              <a:t>                               (list 'set! v1 v2)</a:t>
-            </a:r>
-          </a:p>
-          <a:p>
-            <a:pPr marL="0" indent="0">
-              <a:buNone/>
-            </a:pPr>
-            <a:r>
-              <a:rPr lang="en-US" sz="1600" dirty="0">
-                <a:latin typeface="Consolas" panose="020B0609020204030204" pitchFamily="49" charset="0"/>
-              </a:rPr>
-              <a:t>                               (list 'set! v2 '</a:t>
-            </a:r>
-            <a:r>
-              <a:rPr lang="en-US" sz="1600" dirty="0" err="1">
-                <a:latin typeface="Consolas" panose="020B0609020204030204" pitchFamily="49" charset="0"/>
-              </a:rPr>
-              <a:t>tmp</a:t>
-            </a:r>
-            <a:r>
-              <a:rPr lang="en-US" sz="1600" dirty="0">
-                <a:latin typeface="Consolas" panose="020B0609020204030204" pitchFamily="49" charset="0"/>
-              </a:rPr>
-              <a:t>))))))</a:t>
-            </a:r>
-          </a:p>
-          <a:p>
-            <a:pPr marL="0" indent="0">
-              <a:buNone/>
-            </a:pPr>
-            <a:r>
-              <a:rPr lang="en-US" sz="1600" dirty="0">
-                <a:latin typeface="Consolas" panose="020B0609020204030204" pitchFamily="49" charset="0"/>
-              </a:rPr>
-              <a:t>      </a:t>
-            </a:r>
-          </a:p>
-          <a:p>
-            <a:pPr marL="0" indent="0">
-              <a:buNone/>
-            </a:pPr>
-            <a:endParaRPr lang="en-US" sz="1600" dirty="0">
-              <a:latin typeface="Consolas" panose="020B0609020204030204" pitchFamily="49" charset="0"/>
-            </a:endParaRPr>
-          </a:p>
-          <a:p>
-            <a:pPr marL="0" indent="0">
-              <a:buNone/>
-            </a:pPr>
-            <a:r>
-              <a:rPr lang="en-US" sz="1600" dirty="0">
-                <a:latin typeface="Consolas" panose="020B0609020204030204" pitchFamily="49" charset="0"/>
-              </a:rPr>
-              <a:t>(define a 1)</a:t>
-            </a:r>
-          </a:p>
-          <a:p>
-            <a:pPr marL="0" indent="0">
-              <a:buNone/>
-            </a:pPr>
-            <a:r>
-              <a:rPr lang="en-US" sz="1600" dirty="0">
-                <a:latin typeface="Consolas" panose="020B0609020204030204" pitchFamily="49" charset="0"/>
-              </a:rPr>
-              <a:t>(define b 2)</a:t>
-            </a:r>
-          </a:p>
-          <a:p>
-            <a:pPr marL="0" indent="0">
-              <a:buNone/>
-            </a:pPr>
-            <a:r>
-              <a:rPr lang="en-US" sz="1600" dirty="0">
-                <a:latin typeface="Consolas" panose="020B0609020204030204" pitchFamily="49" charset="0"/>
-              </a:rPr>
-              <a:t>(</a:t>
-            </a:r>
-            <a:r>
-              <a:rPr lang="en-US" sz="1600" dirty="0" err="1">
-                <a:latin typeface="Consolas" panose="020B0609020204030204" pitchFamily="49" charset="0"/>
-              </a:rPr>
-              <a:t>badswap</a:t>
-            </a:r>
-            <a:r>
-              <a:rPr lang="en-US" sz="1600" dirty="0">
-                <a:latin typeface="Consolas" panose="020B0609020204030204" pitchFamily="49" charset="0"/>
-              </a:rPr>
-              <a:t> a b) ; works</a:t>
-            </a:r>
-          </a:p>
-          <a:p>
-            <a:pPr marL="0" indent="0">
-              <a:buNone/>
-            </a:pPr>
-            <a:r>
-              <a:rPr lang="en-US" sz="1600" dirty="0">
-                <a:latin typeface="Consolas" panose="020B0609020204030204" pitchFamily="49" charset="0"/>
-              </a:rPr>
-              <a:t>(define q 3)</a:t>
-            </a:r>
-          </a:p>
-          <a:p>
-            <a:pPr marL="0" indent="0">
-              <a:buNone/>
-            </a:pPr>
-            <a:r>
-              <a:rPr lang="en-US" sz="1600" dirty="0">
-                <a:latin typeface="Consolas" panose="020B0609020204030204" pitchFamily="49" charset="0"/>
-              </a:rPr>
-              <a:t>(define </a:t>
-            </a:r>
-            <a:r>
-              <a:rPr lang="en-US" sz="1600" dirty="0" err="1">
-                <a:latin typeface="Consolas" panose="020B0609020204030204" pitchFamily="49" charset="0"/>
-              </a:rPr>
-              <a:t>tmp</a:t>
-            </a:r>
-            <a:r>
-              <a:rPr lang="en-US" sz="1600" dirty="0">
-                <a:latin typeface="Consolas" panose="020B0609020204030204" pitchFamily="49" charset="0"/>
-              </a:rPr>
-              <a:t> 99)</a:t>
-            </a:r>
-          </a:p>
-          <a:p>
-            <a:pPr marL="0" indent="0">
-              <a:buNone/>
-            </a:pPr>
-            <a:r>
-              <a:rPr lang="en-US" sz="1600" dirty="0">
-                <a:latin typeface="Consolas" panose="020B0609020204030204" pitchFamily="49" charset="0"/>
-              </a:rPr>
-              <a:t>(</a:t>
-            </a:r>
-            <a:r>
-              <a:rPr lang="en-US" sz="1600" dirty="0" err="1">
-                <a:latin typeface="Consolas" panose="020B0609020204030204" pitchFamily="49" charset="0"/>
-              </a:rPr>
-              <a:t>badswap</a:t>
-            </a:r>
-            <a:r>
-              <a:rPr lang="en-US" sz="1600" dirty="0">
-                <a:latin typeface="Consolas" panose="020B0609020204030204" pitchFamily="49" charset="0"/>
-              </a:rPr>
-              <a:t> q </a:t>
-            </a:r>
-            <a:r>
-              <a:rPr lang="en-US" sz="1600" dirty="0" err="1">
-                <a:latin typeface="Consolas" panose="020B0609020204030204" pitchFamily="49" charset="0"/>
-              </a:rPr>
-              <a:t>tmp</a:t>
-            </a:r>
-            <a:r>
-              <a:rPr lang="en-US" sz="1600" dirty="0">
-                <a:latin typeface="Consolas" panose="020B0609020204030204" pitchFamily="49" charset="0"/>
-              </a:rPr>
-              <a:t>) ; variables are not swapped</a:t>
+        <p:spPr/>
+        <p:txBody>
+          <a:bodyPr/>
+          <a:lstStyle/>
+          <a:p>
+            <a:r>
+              <a:rPr lang="en-US" dirty="0"/>
+              <a:t>Do it in pairs</a:t>
             </a:r>
           </a:p>
         </p:txBody>
@@ -6323,7 +6867,7 @@
     </p:spTree>
     <p:extLst>
       <p:ext uri="{BB962C8B-B14F-4D97-AF65-F5344CB8AC3E}">
-        <p14:creationId xmlns:p14="http://schemas.microsoft.com/office/powerpoint/2010/main" val="3608643309"/>
+        <p14:creationId xmlns:p14="http://schemas.microsoft.com/office/powerpoint/2010/main" val="2962610783"/>
       </p:ext>
     </p:extLst>
   </p:cSld>
@@ -6355,7 +6899,7 @@
           <p:cNvPr id="2" name="Title 1">
             <a:extLst>
               <a:ext uri="{FF2B5EF4-FFF2-40B4-BE49-F238E27FC236}">
-                <a16:creationId xmlns:a16="http://schemas.microsoft.com/office/drawing/2014/main" id="{3AF57412-F958-44E1-BD9C-13649DD46B23}"/>
+                <a16:creationId xmlns:a16="http://schemas.microsoft.com/office/drawing/2014/main" id="{DC1A6D24-D371-45ED-AD5D-B77280709DE1}"/>
               </a:ext>
             </a:extLst>
           </p:cNvPr>
@@ -6373,95 +6917,286 @@
           <a:p>
             <a:r>
               <a:rPr lang="en-US" dirty="0"/>
-              <a:t>2 Types of Variable Captures Problems</a:t>
-            </a:r>
-          </a:p>
-        </p:txBody>
-      </p:sp>
-      <p:sp>
-        <p:nvSpPr>
-          <p:cNvPr id="3" name="Content Placeholder 2">
-            <a:extLst>
-              <a:ext uri="{FF2B5EF4-FFF2-40B4-BE49-F238E27FC236}">
-                <a16:creationId xmlns:a16="http://schemas.microsoft.com/office/drawing/2014/main" id="{4D5B56F0-33E9-4916-97D2-8C007D15AEC4}"/>
-              </a:ext>
-            </a:extLst>
-          </p:cNvPr>
-          <p:cNvSpPr>
-            <a:spLocks noGrp="1"/>
-          </p:cNvSpPr>
-          <p:nvPr>
-            <p:ph idx="1"/>
-          </p:nvPr>
-        </p:nvSpPr>
-        <p:spPr/>
-        <p:txBody>
-          <a:bodyPr>
-            <a:normAutofit/>
+              <a:t>Macro templates are good but have limits</a:t>
+            </a:r>
+          </a:p>
+        </p:txBody>
+      </p:sp>
+      <p:sp>
+        <p:nvSpPr>
+          <p:cNvPr id="4" name="Rectangle 3">
+            <a:extLst>
+              <a:ext uri="{FF2B5EF4-FFF2-40B4-BE49-F238E27FC236}">
+                <a16:creationId xmlns:a16="http://schemas.microsoft.com/office/drawing/2014/main" id="{63207CD5-4E34-42E3-A2B6-23CA51269998}"/>
+              </a:ext>
+            </a:extLst>
+          </p:cNvPr>
+          <p:cNvSpPr/>
+          <p:nvPr/>
+        </p:nvSpPr>
+        <p:spPr>
+          <a:xfrm>
+            <a:off x="177477" y="1690688"/>
+            <a:ext cx="11825469" cy="2585323"/>
+          </a:xfrm>
+          <a:prstGeom prst="rect">
+            <a:avLst/>
+          </a:prstGeom>
+        </p:spPr>
+        <p:txBody>
+          <a:bodyPr wrap="square">
+            <a:spAutoFit/>
           </a:bodyPr>
           <a:lstStyle/>
           <a:p>
-            <a:pPr marL="0" indent="0">
-              <a:buNone/>
-            </a:pPr>
-            <a:r>
-              <a:rPr lang="en-US" dirty="0"/>
-              <a:t>A variable created by the macro “captures” some name that has meaning to the program that calls the macro and changes it</a:t>
-            </a:r>
-          </a:p>
-          <a:p>
-            <a:pPr marL="0" indent="0">
-              <a:buNone/>
-            </a:pPr>
-            <a:endParaRPr lang="en-US" dirty="0"/>
-          </a:p>
-          <a:p>
-            <a:pPr marL="0" indent="0">
-              <a:buNone/>
-            </a:pPr>
-            <a:r>
-              <a:rPr lang="en-US" dirty="0"/>
-              <a:t>The local context in which the macro is called “captures” some free variable intended to be global context from where the macro was declared</a:t>
-            </a:r>
-          </a:p>
-          <a:p>
-            <a:pPr marL="0" indent="0">
-              <a:buNone/>
-            </a:pPr>
-            <a:endParaRPr lang="en-US" dirty="0"/>
-          </a:p>
-          <a:p>
-            <a:pPr marL="0" indent="0">
-              <a:buNone/>
-            </a:pPr>
             <a:r>
               <a:rPr lang="en-US" dirty="0">
                 <a:latin typeface="Consolas" panose="020B0609020204030204" pitchFamily="49" charset="0"/>
               </a:rPr>
-              <a:t>(let ((set! '(1 2 3)))</a:t>
-            </a:r>
-          </a:p>
-          <a:p>
-            <a:pPr marL="0" indent="0">
-              <a:buNone/>
-            </a:pPr>
+              <a:t>(define-syntax </a:t>
+            </a:r>
+            <a:r>
+              <a:rPr lang="en-US" dirty="0" err="1">
+                <a:latin typeface="Consolas" panose="020B0609020204030204" pitchFamily="49" charset="0"/>
+              </a:rPr>
+              <a:t>numed-syms</a:t>
+            </a:r>
+            <a:endParaRPr lang="en-US" dirty="0">
+              <a:latin typeface="Consolas" panose="020B0609020204030204" pitchFamily="49" charset="0"/>
+            </a:endParaRPr>
+          </a:p>
+          <a:p>
             <a:r>
               <a:rPr lang="en-US" dirty="0">
                 <a:latin typeface="Consolas" panose="020B0609020204030204" pitchFamily="49" charset="0"/>
               </a:rPr>
-              <a:t>  (</a:t>
+              <a:t>  (lambda (</a:t>
             </a:r>
             <a:r>
               <a:rPr lang="en-US" dirty="0" err="1">
                 <a:latin typeface="Consolas" panose="020B0609020204030204" pitchFamily="49" charset="0"/>
               </a:rPr>
-              <a:t>badswap</a:t>
+              <a:t>stx</a:t>
             </a:r>
             <a:r>
               <a:rPr lang="en-US" dirty="0">
                 <a:latin typeface="Consolas" panose="020B0609020204030204" pitchFamily="49" charset="0"/>
               </a:rPr>
-              <a:t> a b))</a:t>
+              <a:t>)</a:t>
+            </a:r>
+          </a:p>
+          <a:p>
+            <a:r>
+              <a:rPr lang="en-US" dirty="0">
+                <a:latin typeface="Consolas" panose="020B0609020204030204" pitchFamily="49" charset="0"/>
+              </a:rPr>
+              <a:t>    (datum-&gt;syntax </a:t>
+            </a:r>
+            <a:r>
+              <a:rPr lang="en-US" dirty="0" err="1">
+                <a:latin typeface="Consolas" panose="020B0609020204030204" pitchFamily="49" charset="0"/>
+              </a:rPr>
+              <a:t>stx</a:t>
+            </a:r>
+            <a:endParaRPr lang="en-US" dirty="0">
+              <a:latin typeface="Consolas" panose="020B0609020204030204" pitchFamily="49" charset="0"/>
+            </a:endParaRPr>
+          </a:p>
+          <a:p>
+            <a:r>
+              <a:rPr lang="en-US" dirty="0">
+                <a:latin typeface="Consolas" panose="020B0609020204030204" pitchFamily="49" charset="0"/>
+              </a:rPr>
+              <a:t>                   (list 'quote (let recur ([num 0]</a:t>
+            </a:r>
+          </a:p>
+          <a:p>
+            <a:r>
+              <a:rPr lang="en-US" dirty="0">
+                <a:latin typeface="Consolas" panose="020B0609020204030204" pitchFamily="49" charset="0"/>
+              </a:rPr>
+              <a:t>                                            [</a:t>
+            </a:r>
+            <a:r>
+              <a:rPr lang="en-US" dirty="0" err="1">
+                <a:latin typeface="Consolas" panose="020B0609020204030204" pitchFamily="49" charset="0"/>
+              </a:rPr>
+              <a:t>syms</a:t>
+            </a:r>
+            <a:r>
+              <a:rPr lang="en-US" dirty="0">
+                <a:latin typeface="Consolas" panose="020B0609020204030204" pitchFamily="49" charset="0"/>
+              </a:rPr>
+              <a:t> (</a:t>
+            </a:r>
+            <a:r>
+              <a:rPr lang="en-US" dirty="0" err="1">
+                <a:latin typeface="Consolas" panose="020B0609020204030204" pitchFamily="49" charset="0"/>
+              </a:rPr>
+              <a:t>cdr</a:t>
+            </a:r>
+            <a:r>
+              <a:rPr lang="en-US" dirty="0">
+                <a:latin typeface="Consolas" panose="020B0609020204030204" pitchFamily="49" charset="0"/>
+              </a:rPr>
+              <a:t> (syntax-&gt;datum </a:t>
+            </a:r>
+            <a:r>
+              <a:rPr lang="en-US" dirty="0" err="1">
+                <a:latin typeface="Consolas" panose="020B0609020204030204" pitchFamily="49" charset="0"/>
+              </a:rPr>
+              <a:t>stx</a:t>
+            </a:r>
+            <a:r>
+              <a:rPr lang="en-US" dirty="0">
+                <a:latin typeface="Consolas" panose="020B0609020204030204" pitchFamily="49" charset="0"/>
+              </a:rPr>
+              <a:t>))])</a:t>
+            </a:r>
+          </a:p>
+          <a:p>
+            <a:r>
+              <a:rPr lang="en-US" dirty="0">
+                <a:latin typeface="Consolas" panose="020B0609020204030204" pitchFamily="49" charset="0"/>
+              </a:rPr>
+              <a:t>                                      (if (null? </a:t>
+            </a:r>
+            <a:r>
+              <a:rPr lang="en-US" dirty="0" err="1">
+                <a:latin typeface="Consolas" panose="020B0609020204030204" pitchFamily="49" charset="0"/>
+              </a:rPr>
+              <a:t>syms</a:t>
+            </a:r>
+            <a:r>
+              <a:rPr lang="en-US" dirty="0">
+                <a:latin typeface="Consolas" panose="020B0609020204030204" pitchFamily="49" charset="0"/>
+              </a:rPr>
+              <a:t>)</a:t>
+            </a:r>
+          </a:p>
+          <a:p>
+            <a:r>
+              <a:rPr lang="en-US" dirty="0">
+                <a:latin typeface="Consolas" panose="020B0609020204030204" pitchFamily="49" charset="0"/>
+              </a:rPr>
+              <a:t>                                          '()</a:t>
+            </a:r>
+          </a:p>
+          <a:p>
+            <a:r>
+              <a:rPr lang="en-US" dirty="0">
+                <a:latin typeface="Consolas" panose="020B0609020204030204" pitchFamily="49" charset="0"/>
+              </a:rPr>
+              <a:t>                                          (cons (cons (car </a:t>
+            </a:r>
+            <a:r>
+              <a:rPr lang="en-US" dirty="0" err="1">
+                <a:latin typeface="Consolas" panose="020B0609020204030204" pitchFamily="49" charset="0"/>
+              </a:rPr>
+              <a:t>syms</a:t>
+            </a:r>
+            <a:r>
+              <a:rPr lang="en-US" dirty="0">
+                <a:latin typeface="Consolas" panose="020B0609020204030204" pitchFamily="49" charset="0"/>
+              </a:rPr>
+              <a:t>) num)</a:t>
+            </a:r>
+          </a:p>
+          <a:p>
+            <a:r>
+              <a:rPr lang="en-US" dirty="0">
+                <a:latin typeface="Consolas" panose="020B0609020204030204" pitchFamily="49" charset="0"/>
+              </a:rPr>
+              <a:t>                                                (recur (add1 num) (</a:t>
+            </a:r>
+            <a:r>
+              <a:rPr lang="en-US" dirty="0" err="1">
+                <a:latin typeface="Consolas" panose="020B0609020204030204" pitchFamily="49" charset="0"/>
+              </a:rPr>
+              <a:t>cdr</a:t>
+            </a:r>
+            <a:r>
+              <a:rPr lang="en-US" dirty="0">
+                <a:latin typeface="Consolas" panose="020B0609020204030204" pitchFamily="49" charset="0"/>
+              </a:rPr>
+              <a:t> </a:t>
+            </a:r>
+            <a:r>
+              <a:rPr lang="en-US" dirty="0" err="1">
+                <a:latin typeface="Consolas" panose="020B0609020204030204" pitchFamily="49" charset="0"/>
+              </a:rPr>
+              <a:t>syms</a:t>
+            </a:r>
+            <a:r>
+              <a:rPr lang="en-US" dirty="0">
+                <a:latin typeface="Consolas" panose="020B0609020204030204" pitchFamily="49" charset="0"/>
+              </a:rPr>
+              <a:t>)))))))))</a:t>
+            </a:r>
+          </a:p>
+        </p:txBody>
+      </p:sp>
+      <p:pic>
+        <p:nvPicPr>
+          <p:cNvPr id="3" name="Picture 2">
+            <a:extLst>
+              <a:ext uri="{FF2B5EF4-FFF2-40B4-BE49-F238E27FC236}">
+                <a16:creationId xmlns:a16="http://schemas.microsoft.com/office/drawing/2014/main" id="{CF71ACAB-4939-4DF9-ADC1-0D0B21C1F7B1}"/>
+              </a:ext>
+            </a:extLst>
+          </p:cNvPr>
+          <p:cNvPicPr>
+            <a:picLocks noChangeAspect="1"/>
+          </p:cNvPicPr>
+          <p:nvPr/>
+        </p:nvPicPr>
+        <p:blipFill>
+          <a:blip r:embed="rId2"/>
+          <a:stretch>
+            <a:fillRect/>
+          </a:stretch>
+        </p:blipFill>
+        <p:spPr>
+          <a:xfrm>
+            <a:off x="519089" y="4643364"/>
+            <a:ext cx="4648849" cy="523948"/>
+          </a:xfrm>
+          <a:prstGeom prst="rect">
+            <a:avLst/>
+          </a:prstGeom>
+        </p:spPr>
+      </p:pic>
+      <p:sp>
+        <p:nvSpPr>
+          <p:cNvPr id="5" name="TextBox 4">
+            <a:extLst>
+              <a:ext uri="{FF2B5EF4-FFF2-40B4-BE49-F238E27FC236}">
+                <a16:creationId xmlns:a16="http://schemas.microsoft.com/office/drawing/2014/main" id="{41A635F0-CF50-4D32-95EA-EF00A77E052D}"/>
+              </a:ext>
+            </a:extLst>
+          </p:cNvPr>
+          <p:cNvSpPr txBox="1"/>
+          <p:nvPr/>
+        </p:nvSpPr>
+        <p:spPr>
+          <a:xfrm>
+            <a:off x="1493134" y="6007261"/>
+            <a:ext cx="6812249" cy="461665"/>
+          </a:xfrm>
+          <a:prstGeom prst="rect">
+            <a:avLst/>
+          </a:prstGeom>
+          <a:noFill/>
+        </p:spPr>
+        <p:txBody>
+          <a:bodyPr wrap="none" rtlCol="0">
+            <a:spAutoFit/>
+          </a:bodyPr>
+          <a:lstStyle/>
+          <a:p>
+            <a:r>
+              <a:rPr lang="en-US" sz="2400" dirty="0"/>
+              <a:t>By treating code as fully data, we get plenty of power</a:t>
             </a:r>
           </a:p>
         </p:txBody>
@@ -6469,7 +7204,7 @@
     </p:spTree>
     <p:extLst>
       <p:ext uri="{BB962C8B-B14F-4D97-AF65-F5344CB8AC3E}">
-        <p14:creationId xmlns:p14="http://schemas.microsoft.com/office/powerpoint/2010/main" val="1153656585"/>
+        <p14:creationId xmlns:p14="http://schemas.microsoft.com/office/powerpoint/2010/main" val="2295695962"/>
       </p:ext>
     </p:extLst>
   </p:cSld>
@@ -6498,344 +7233,420 @@
       </p:grpSpPr>
       <p:sp>
         <p:nvSpPr>
-          <p:cNvPr id="4" name="Rectangle 3">
-            <a:extLst>
-              <a:ext uri="{FF2B5EF4-FFF2-40B4-BE49-F238E27FC236}">
-                <a16:creationId xmlns:a16="http://schemas.microsoft.com/office/drawing/2014/main" id="{A24BF837-4241-463D-9326-D6E299214759}"/>
-              </a:ext>
-            </a:extLst>
-          </p:cNvPr>
-          <p:cNvSpPr/>
-          <p:nvPr/>
+          <p:cNvPr id="2" name="Title 1">
+            <a:extLst>
+              <a:ext uri="{FF2B5EF4-FFF2-40B4-BE49-F238E27FC236}">
+                <a16:creationId xmlns:a16="http://schemas.microsoft.com/office/drawing/2014/main" id="{75F3D548-3E64-4CD6-BBE2-E8AB594A3236}"/>
+              </a:ext>
+            </a:extLst>
+          </p:cNvPr>
+          <p:cNvSpPr>
+            <a:spLocks noGrp="1"/>
+          </p:cNvSpPr>
+          <p:nvPr>
+            <p:ph type="title"/>
+          </p:nvPr>
         </p:nvSpPr>
         <p:spPr>
           <a:xfrm>
-            <a:off x="1103452" y="2246968"/>
-            <a:ext cx="8688729" cy="3416320"/>
+            <a:off x="838200" y="249379"/>
+            <a:ext cx="10515600" cy="792343"/>
           </a:xfrm>
-          <a:prstGeom prst="rect">
-            <a:avLst/>
-          </a:prstGeom>
         </p:spPr>
         <p:txBody>
-          <a:bodyPr wrap="square">
-            <a:spAutoFit/>
-          </a:bodyPr>
-          <a:lstStyle/>
-          <a:p>
-            <a:r>
-              <a:rPr lang="en-US" sz="3600" dirty="0">
-                <a:latin typeface="Consolas" panose="020B0609020204030204" pitchFamily="49" charset="0"/>
-              </a:rPr>
-              <a:t>(define-syntax (swap </a:t>
-            </a:r>
-            <a:r>
-              <a:rPr lang="en-US" sz="3600" dirty="0" err="1">
-                <a:latin typeface="Consolas" panose="020B0609020204030204" pitchFamily="49" charset="0"/>
-              </a:rPr>
-              <a:t>stx</a:t>
-            </a:r>
-            <a:r>
-              <a:rPr lang="en-US" sz="3600" dirty="0">
-                <a:latin typeface="Consolas" panose="020B0609020204030204" pitchFamily="49" charset="0"/>
-              </a:rPr>
-              <a:t>)</a:t>
-            </a:r>
-          </a:p>
-          <a:p>
-            <a:r>
-              <a:rPr lang="en-US" sz="3600" dirty="0">
-                <a:latin typeface="Consolas" panose="020B0609020204030204" pitchFamily="49" charset="0"/>
-              </a:rPr>
-              <a:t>  (syntax-case </a:t>
-            </a:r>
-            <a:r>
-              <a:rPr lang="en-US" sz="3600" dirty="0" err="1">
-                <a:latin typeface="Consolas" panose="020B0609020204030204" pitchFamily="49" charset="0"/>
-              </a:rPr>
-              <a:t>stx</a:t>
-            </a:r>
-            <a:r>
-              <a:rPr lang="en-US" sz="3600" dirty="0">
-                <a:latin typeface="Consolas" panose="020B0609020204030204" pitchFamily="49" charset="0"/>
-              </a:rPr>
-              <a:t> ()</a:t>
-            </a:r>
-          </a:p>
-          <a:p>
-            <a:r>
-              <a:rPr lang="en-US" sz="3600" dirty="0">
-                <a:latin typeface="Consolas" panose="020B0609020204030204" pitchFamily="49" charset="0"/>
-              </a:rPr>
-              <a:t>    [(swap x y)</a:t>
-            </a:r>
-          </a:p>
-          <a:p>
-            <a:r>
-              <a:rPr lang="en-US" sz="3600" dirty="0">
-                <a:latin typeface="Consolas" panose="020B0609020204030204" pitchFamily="49" charset="0"/>
-              </a:rPr>
-              <a:t>     #'(let ([</a:t>
-            </a:r>
-            <a:r>
-              <a:rPr lang="en-US" sz="3600" dirty="0" err="1">
-                <a:latin typeface="Consolas" panose="020B0609020204030204" pitchFamily="49" charset="0"/>
-              </a:rPr>
-              <a:t>tmp</a:t>
-            </a:r>
-            <a:r>
-              <a:rPr lang="en-US" sz="3600" dirty="0">
-                <a:latin typeface="Consolas" panose="020B0609020204030204" pitchFamily="49" charset="0"/>
-              </a:rPr>
-              <a:t> x])</a:t>
-            </a:r>
-          </a:p>
-          <a:p>
-            <a:r>
-              <a:rPr lang="en-US" sz="3600" dirty="0">
-                <a:latin typeface="Consolas" panose="020B0609020204030204" pitchFamily="49" charset="0"/>
-              </a:rPr>
-              <a:t>         (set! x y)</a:t>
-            </a:r>
-          </a:p>
-          <a:p>
-            <a:r>
-              <a:rPr lang="en-US" sz="3600" dirty="0">
-                <a:latin typeface="Consolas" panose="020B0609020204030204" pitchFamily="49" charset="0"/>
-              </a:rPr>
-              <a:t>         (set! y </a:t>
-            </a:r>
-            <a:r>
-              <a:rPr lang="en-US" sz="3600" dirty="0" err="1">
-                <a:latin typeface="Consolas" panose="020B0609020204030204" pitchFamily="49" charset="0"/>
-              </a:rPr>
-              <a:t>tmp</a:t>
-            </a:r>
-            <a:r>
-              <a:rPr lang="en-US" sz="3600" dirty="0">
-                <a:latin typeface="Consolas" panose="020B0609020204030204" pitchFamily="49" charset="0"/>
-              </a:rPr>
-              <a:t>))]))</a:t>
-            </a:r>
-          </a:p>
-        </p:txBody>
-      </p:sp>
-      <p:sp>
-        <p:nvSpPr>
-          <p:cNvPr id="6" name="Callout: Line 5">
-            <a:extLst>
-              <a:ext uri="{FF2B5EF4-FFF2-40B4-BE49-F238E27FC236}">
-                <a16:creationId xmlns:a16="http://schemas.microsoft.com/office/drawing/2014/main" id="{2CBE7812-8F67-4DD1-8FD8-4E2CC7EEBF31}"/>
-              </a:ext>
-            </a:extLst>
-          </p:cNvPr>
-          <p:cNvSpPr/>
-          <p:nvPr/>
+          <a:bodyPr/>
+          <a:lstStyle/>
+          <a:p>
+            <a:r>
+              <a:rPr lang="en-US" dirty="0"/>
+              <a:t>Variable Capture Problems</a:t>
+            </a:r>
+          </a:p>
+        </p:txBody>
+      </p:sp>
+      <p:sp>
+        <p:nvSpPr>
+          <p:cNvPr id="3" name="Content Placeholder 2">
+            <a:extLst>
+              <a:ext uri="{FF2B5EF4-FFF2-40B4-BE49-F238E27FC236}">
+                <a16:creationId xmlns:a16="http://schemas.microsoft.com/office/drawing/2014/main" id="{84391CD8-05AB-4B2E-BD40-A2E3D48D0286}"/>
+              </a:ext>
+            </a:extLst>
+          </p:cNvPr>
+          <p:cNvSpPr>
+            <a:spLocks noGrp="1"/>
+          </p:cNvSpPr>
+          <p:nvPr>
+            <p:ph idx="1"/>
+          </p:nvPr>
         </p:nvSpPr>
         <p:spPr>
           <a:xfrm>
-            <a:off x="7812912" y="2409014"/>
-            <a:ext cx="3368233" cy="1182032"/>
-          </a:xfrm>
-          <a:prstGeom prst="borderCallout1">
-            <a:avLst>
-              <a:gd name="adj1" fmla="val 39314"/>
-              <a:gd name="adj2" fmla="val 1289"/>
-              <a:gd name="adj3" fmla="val 109562"/>
-              <a:gd name="adj4" fmla="val -104656"/>
-            </a:avLst>
-          </a:prstGeom>
-          <a:solidFill>
-            <a:schemeClr val="accent1">
-              <a:lumMod val="20000"/>
-              <a:lumOff val="80000"/>
-            </a:schemeClr>
-          </a:solidFill>
-        </p:spPr>
-        <p:style>
-          <a:lnRef idx="2">
-            <a:schemeClr val="dk1"/>
-          </a:lnRef>
-          <a:fillRef idx="1">
-            <a:schemeClr val="lt1"/>
-          </a:fillRef>
-          <a:effectRef idx="0">
-            <a:schemeClr val="dk1"/>
-          </a:effectRef>
-          <a:fontRef idx="minor">
-            <a:schemeClr val="dk1"/>
-          </a:fontRef>
-        </p:style>
-        <p:txBody>
-          <a:bodyPr rtlCol="0" anchor="ctr"/>
-          <a:lstStyle/>
-          <a:p>
-            <a:pPr algn="ctr"/>
-            <a:r>
-              <a:rPr lang="en-US" dirty="0"/>
-              <a:t>X and Y and syntax objects with their own namespace</a:t>
-            </a:r>
-          </a:p>
-        </p:txBody>
-      </p:sp>
-      <p:sp>
-        <p:nvSpPr>
-          <p:cNvPr id="7" name="Callout: Line 6">
-            <a:extLst>
-              <a:ext uri="{FF2B5EF4-FFF2-40B4-BE49-F238E27FC236}">
-                <a16:creationId xmlns:a16="http://schemas.microsoft.com/office/drawing/2014/main" id="{0EDBC9F2-1F3E-49FD-9D40-D288ACD7D710}"/>
-              </a:ext>
-            </a:extLst>
-          </p:cNvPr>
-          <p:cNvSpPr/>
-          <p:nvPr/>
-        </p:nvSpPr>
-        <p:spPr>
-          <a:xfrm>
-            <a:off x="8254679" y="4940830"/>
-            <a:ext cx="3368233" cy="1182032"/>
-          </a:xfrm>
-          <a:prstGeom prst="borderCallout1">
-            <a:avLst>
-              <a:gd name="adj1" fmla="val 39314"/>
-              <a:gd name="adj2" fmla="val 1289"/>
-              <a:gd name="adj3" fmla="val -37321"/>
-              <a:gd name="adj4" fmla="val -88505"/>
-            </a:avLst>
-          </a:prstGeom>
-          <a:solidFill>
-            <a:schemeClr val="accent1">
-              <a:lumMod val="20000"/>
-              <a:lumOff val="80000"/>
-            </a:schemeClr>
-          </a:solidFill>
-        </p:spPr>
-        <p:style>
-          <a:lnRef idx="2">
-            <a:schemeClr val="dk1"/>
-          </a:lnRef>
-          <a:fillRef idx="1">
-            <a:schemeClr val="lt1"/>
-          </a:fillRef>
-          <a:effectRef idx="0">
-            <a:schemeClr val="dk1"/>
-          </a:effectRef>
-          <a:fontRef idx="minor">
-            <a:schemeClr val="dk1"/>
-          </a:fontRef>
-        </p:style>
-        <p:txBody>
-          <a:bodyPr rtlCol="0" anchor="ctr"/>
-          <a:lstStyle/>
-          <a:p>
-            <a:pPr algn="ctr"/>
-            <a:r>
-              <a:rPr lang="en-US" dirty="0"/>
-              <a:t>The variable created here has a different namespace</a:t>
-            </a:r>
-          </a:p>
-        </p:txBody>
-      </p:sp>
-      <p:sp>
-        <p:nvSpPr>
-          <p:cNvPr id="8" name="Title 1">
-            <a:extLst>
-              <a:ext uri="{FF2B5EF4-FFF2-40B4-BE49-F238E27FC236}">
-                <a16:creationId xmlns:a16="http://schemas.microsoft.com/office/drawing/2014/main" id="{1C72843B-AC5B-4040-AADB-33CBDB0992D0}"/>
-              </a:ext>
-            </a:extLst>
-          </p:cNvPr>
-          <p:cNvSpPr>
-            <a:spLocks noGrp="1"/>
-          </p:cNvSpPr>
-          <p:nvPr>
-            <p:ph type="title"/>
-          </p:nvPr>
-        </p:nvSpPr>
-        <p:spPr>
-          <a:xfrm>
-            <a:off x="838200" y="365125"/>
-            <a:ext cx="10515600" cy="1325563"/>
+            <a:off x="838200" y="1157468"/>
+            <a:ext cx="10515600" cy="5602147"/>
           </a:xfrm>
         </p:spPr>
         <p:txBody>
-          <a:bodyPr/>
-          <a:lstStyle/>
-          <a:p>
-            <a:r>
-              <a:rPr lang="en-US" dirty="0"/>
-              <a:t>Mostly solved by racket syntax</a:t>
-            </a:r>
-          </a:p>
-        </p:txBody>
-      </p:sp>
-      <p:sp>
-        <p:nvSpPr>
-          <p:cNvPr id="9" name="Callout: Line 8">
-            <a:extLst>
-              <a:ext uri="{FF2B5EF4-FFF2-40B4-BE49-F238E27FC236}">
-                <a16:creationId xmlns:a16="http://schemas.microsoft.com/office/drawing/2014/main" id="{D043020A-8D56-45B2-A8A3-4036875AD7E0}"/>
-              </a:ext>
-            </a:extLst>
-          </p:cNvPr>
-          <p:cNvSpPr/>
-          <p:nvPr/>
-        </p:nvSpPr>
-        <p:spPr>
-          <a:xfrm>
-            <a:off x="1103452" y="5683822"/>
-            <a:ext cx="3368233" cy="1182032"/>
-          </a:xfrm>
-          <a:prstGeom prst="borderCallout1">
-            <a:avLst>
-              <a:gd name="adj1" fmla="val -1401"/>
-              <a:gd name="adj2" fmla="val 40225"/>
-              <a:gd name="adj3" fmla="val -22053"/>
-              <a:gd name="adj4" fmla="val 75810"/>
-            </a:avLst>
-          </a:prstGeom>
-          <a:solidFill>
-            <a:schemeClr val="accent1">
-              <a:lumMod val="20000"/>
-              <a:lumOff val="80000"/>
-            </a:schemeClr>
-          </a:solidFill>
-        </p:spPr>
-        <p:style>
-          <a:lnRef idx="2">
-            <a:schemeClr val="dk1"/>
-          </a:lnRef>
-          <a:fillRef idx="1">
-            <a:schemeClr val="lt1"/>
-          </a:fillRef>
-          <a:effectRef idx="0">
-            <a:schemeClr val="dk1"/>
-          </a:effectRef>
-          <a:fontRef idx="minor">
-            <a:schemeClr val="dk1"/>
-          </a:fontRef>
-        </p:style>
-        <p:txBody>
-          <a:bodyPr rtlCol="0" anchor="ctr"/>
-          <a:lstStyle/>
-          <a:p>
-            <a:pPr algn="ctr"/>
-            <a:r>
-              <a:rPr lang="en-US" dirty="0"/>
-              <a:t>Variables referenced within the macro use the macro’s </a:t>
-            </a:r>
-            <a:r>
-              <a:rPr lang="en-US" dirty="0" err="1"/>
-              <a:t>namspace</a:t>
-            </a:r>
-            <a:endParaRPr lang="en-US" dirty="0"/>
+          <a:bodyPr>
+            <a:normAutofit/>
+          </a:bodyPr>
+          <a:lstStyle/>
+          <a:p>
+            <a:pPr marL="0" indent="0">
+              <a:buNone/>
+            </a:pPr>
+            <a:r>
+              <a:rPr lang="en-US" sz="1600" dirty="0">
+                <a:latin typeface="Consolas" panose="020B0609020204030204" pitchFamily="49" charset="0"/>
+              </a:rPr>
+              <a:t>(define-syntax </a:t>
+            </a:r>
+            <a:r>
+              <a:rPr lang="en-US" sz="1600" dirty="0" err="1">
+                <a:latin typeface="Consolas" panose="020B0609020204030204" pitchFamily="49" charset="0"/>
+              </a:rPr>
+              <a:t>badswap</a:t>
+            </a:r>
+            <a:endParaRPr lang="en-US" sz="1600" dirty="0">
+              <a:latin typeface="Consolas" panose="020B0609020204030204" pitchFamily="49" charset="0"/>
+            </a:endParaRPr>
+          </a:p>
+          <a:p>
+            <a:pPr marL="0" indent="0">
+              <a:buNone/>
+            </a:pPr>
+            <a:r>
+              <a:rPr lang="en-US" sz="1600" dirty="0">
+                <a:latin typeface="Consolas" panose="020B0609020204030204" pitchFamily="49" charset="0"/>
+              </a:rPr>
+              <a:t>  (lambda (</a:t>
+            </a:r>
+            <a:r>
+              <a:rPr lang="en-US" sz="1600" dirty="0" err="1">
+                <a:latin typeface="Consolas" panose="020B0609020204030204" pitchFamily="49" charset="0"/>
+              </a:rPr>
+              <a:t>stx</a:t>
+            </a:r>
+            <a:r>
+              <a:rPr lang="en-US" sz="1600" dirty="0">
+                <a:latin typeface="Consolas" panose="020B0609020204030204" pitchFamily="49" charset="0"/>
+              </a:rPr>
+              <a:t>)</a:t>
+            </a:r>
+          </a:p>
+          <a:p>
+            <a:pPr marL="0" indent="0">
+              <a:buNone/>
+            </a:pPr>
+            <a:r>
+              <a:rPr lang="en-US" sz="1600" dirty="0">
+                <a:latin typeface="Consolas" panose="020B0609020204030204" pitchFamily="49" charset="0"/>
+              </a:rPr>
+              <a:t>    (datum-&gt;syntax </a:t>
+            </a:r>
+            <a:r>
+              <a:rPr lang="en-US" sz="1600" dirty="0" err="1">
+                <a:latin typeface="Consolas" panose="020B0609020204030204" pitchFamily="49" charset="0"/>
+              </a:rPr>
+              <a:t>stx</a:t>
+            </a:r>
+            <a:r>
+              <a:rPr lang="en-US" sz="1600" dirty="0">
+                <a:latin typeface="Consolas" panose="020B0609020204030204" pitchFamily="49" charset="0"/>
+              </a:rPr>
+              <a:t> (let* ([</a:t>
+            </a:r>
+            <a:r>
+              <a:rPr lang="en-US" sz="1600" dirty="0" err="1">
+                <a:latin typeface="Consolas" panose="020B0609020204030204" pitchFamily="49" charset="0"/>
+              </a:rPr>
+              <a:t>orig</a:t>
+            </a:r>
+            <a:r>
+              <a:rPr lang="en-US" sz="1600" dirty="0">
+                <a:latin typeface="Consolas" panose="020B0609020204030204" pitchFamily="49" charset="0"/>
+              </a:rPr>
+              <a:t> (syntax-&gt;datum </a:t>
+            </a:r>
+            <a:r>
+              <a:rPr lang="en-US" sz="1600" dirty="0" err="1">
+                <a:latin typeface="Consolas" panose="020B0609020204030204" pitchFamily="49" charset="0"/>
+              </a:rPr>
+              <a:t>stx</a:t>
+            </a:r>
+            <a:r>
+              <a:rPr lang="en-US" sz="1600" dirty="0">
+                <a:latin typeface="Consolas" panose="020B0609020204030204" pitchFamily="49" charset="0"/>
+              </a:rPr>
+              <a:t>)]</a:t>
+            </a:r>
+          </a:p>
+          <a:p>
+            <a:pPr marL="0" indent="0">
+              <a:buNone/>
+            </a:pPr>
+            <a:r>
+              <a:rPr lang="en-US" sz="1600" dirty="0">
+                <a:latin typeface="Consolas" panose="020B0609020204030204" pitchFamily="49" charset="0"/>
+              </a:rPr>
+              <a:t>                              [v1 (</a:t>
+            </a:r>
+            <a:r>
+              <a:rPr lang="en-US" sz="1600" dirty="0" err="1">
+                <a:latin typeface="Consolas" panose="020B0609020204030204" pitchFamily="49" charset="0"/>
+              </a:rPr>
+              <a:t>cadr</a:t>
+            </a:r>
+            <a:r>
+              <a:rPr lang="en-US" sz="1600" dirty="0">
+                <a:latin typeface="Consolas" panose="020B0609020204030204" pitchFamily="49" charset="0"/>
+              </a:rPr>
+              <a:t> </a:t>
+            </a:r>
+            <a:r>
+              <a:rPr lang="en-US" sz="1600" dirty="0" err="1">
+                <a:latin typeface="Consolas" panose="020B0609020204030204" pitchFamily="49" charset="0"/>
+              </a:rPr>
+              <a:t>orig</a:t>
+            </a:r>
+            <a:r>
+              <a:rPr lang="en-US" sz="1600" dirty="0">
+                <a:latin typeface="Consolas" panose="020B0609020204030204" pitchFamily="49" charset="0"/>
+              </a:rPr>
+              <a:t>)]</a:t>
+            </a:r>
+          </a:p>
+          <a:p>
+            <a:pPr marL="0" indent="0">
+              <a:buNone/>
+            </a:pPr>
+            <a:r>
+              <a:rPr lang="en-US" sz="1600" dirty="0">
+                <a:latin typeface="Consolas" panose="020B0609020204030204" pitchFamily="49" charset="0"/>
+              </a:rPr>
+              <a:t>                              [v2 (</a:t>
+            </a:r>
+            <a:r>
+              <a:rPr lang="en-US" sz="1600" dirty="0" err="1">
+                <a:latin typeface="Consolas" panose="020B0609020204030204" pitchFamily="49" charset="0"/>
+              </a:rPr>
+              <a:t>caddr</a:t>
+            </a:r>
+            <a:r>
+              <a:rPr lang="en-US" sz="1600" dirty="0">
+                <a:latin typeface="Consolas" panose="020B0609020204030204" pitchFamily="49" charset="0"/>
+              </a:rPr>
+              <a:t> </a:t>
+            </a:r>
+            <a:r>
+              <a:rPr lang="en-US" sz="1600" dirty="0" err="1">
+                <a:latin typeface="Consolas" panose="020B0609020204030204" pitchFamily="49" charset="0"/>
+              </a:rPr>
+              <a:t>orig</a:t>
+            </a:r>
+            <a:r>
+              <a:rPr lang="en-US" sz="1600" dirty="0">
+                <a:latin typeface="Consolas" panose="020B0609020204030204" pitchFamily="49" charset="0"/>
+              </a:rPr>
+              <a:t>)])</a:t>
+            </a:r>
+          </a:p>
+          <a:p>
+            <a:pPr marL="0" indent="0">
+              <a:buNone/>
+            </a:pPr>
+            <a:r>
+              <a:rPr lang="en-US" sz="1600" dirty="0">
+                <a:latin typeface="Consolas" panose="020B0609020204030204" pitchFamily="49" charset="0"/>
+              </a:rPr>
+              <a:t>                         (list 'let (list (list '</a:t>
+            </a:r>
+            <a:r>
+              <a:rPr lang="en-US" sz="1600" dirty="0" err="1">
+                <a:latin typeface="Consolas" panose="020B0609020204030204" pitchFamily="49" charset="0"/>
+              </a:rPr>
+              <a:t>tmp</a:t>
+            </a:r>
+            <a:r>
+              <a:rPr lang="en-US" sz="1600" dirty="0">
+                <a:latin typeface="Consolas" panose="020B0609020204030204" pitchFamily="49" charset="0"/>
+              </a:rPr>
+              <a:t> v1))</a:t>
+            </a:r>
+          </a:p>
+          <a:p>
+            <a:pPr marL="0" indent="0">
+              <a:buNone/>
+            </a:pPr>
+            <a:r>
+              <a:rPr lang="en-US" sz="1600" dirty="0">
+                <a:latin typeface="Consolas" panose="020B0609020204030204" pitchFamily="49" charset="0"/>
+              </a:rPr>
+              <a:t>                               (list 'set! v1 v2)</a:t>
+            </a:r>
+          </a:p>
+          <a:p>
+            <a:pPr marL="0" indent="0">
+              <a:buNone/>
+            </a:pPr>
+            <a:r>
+              <a:rPr lang="en-US" sz="1600" dirty="0">
+                <a:latin typeface="Consolas" panose="020B0609020204030204" pitchFamily="49" charset="0"/>
+              </a:rPr>
+              <a:t>                               (list 'set! v2 '</a:t>
+            </a:r>
+            <a:r>
+              <a:rPr lang="en-US" sz="1600" dirty="0" err="1">
+                <a:latin typeface="Consolas" panose="020B0609020204030204" pitchFamily="49" charset="0"/>
+              </a:rPr>
+              <a:t>tmp</a:t>
+            </a:r>
+            <a:r>
+              <a:rPr lang="en-US" sz="1600" dirty="0">
+                <a:latin typeface="Consolas" panose="020B0609020204030204" pitchFamily="49" charset="0"/>
+              </a:rPr>
+              <a:t>))))))</a:t>
+            </a:r>
+          </a:p>
+          <a:p>
+            <a:pPr marL="0" indent="0">
+              <a:buNone/>
+            </a:pPr>
+            <a:r>
+              <a:rPr lang="en-US" sz="1600" dirty="0">
+                <a:latin typeface="Consolas" panose="020B0609020204030204" pitchFamily="49" charset="0"/>
+              </a:rPr>
+              <a:t>      </a:t>
+            </a:r>
+          </a:p>
+          <a:p>
+            <a:pPr marL="0" indent="0">
+              <a:buNone/>
+            </a:pPr>
+            <a:endParaRPr lang="en-US" sz="1600" dirty="0">
+              <a:latin typeface="Consolas" panose="020B0609020204030204" pitchFamily="49" charset="0"/>
+            </a:endParaRPr>
+          </a:p>
+          <a:p>
+            <a:pPr marL="0" indent="0">
+              <a:buNone/>
+            </a:pPr>
+            <a:r>
+              <a:rPr lang="en-US" sz="1600" dirty="0">
+                <a:latin typeface="Consolas" panose="020B0609020204030204" pitchFamily="49" charset="0"/>
+              </a:rPr>
+              <a:t>(define a 1)</a:t>
+            </a:r>
+          </a:p>
+          <a:p>
+            <a:pPr marL="0" indent="0">
+              <a:buNone/>
+            </a:pPr>
+            <a:r>
+              <a:rPr lang="en-US" sz="1600" dirty="0">
+                <a:latin typeface="Consolas" panose="020B0609020204030204" pitchFamily="49" charset="0"/>
+              </a:rPr>
+              <a:t>(define b 2)</a:t>
+            </a:r>
+          </a:p>
+          <a:p>
+            <a:pPr marL="0" indent="0">
+              <a:buNone/>
+            </a:pPr>
+            <a:r>
+              <a:rPr lang="en-US" sz="1600" dirty="0">
+                <a:latin typeface="Consolas" panose="020B0609020204030204" pitchFamily="49" charset="0"/>
+              </a:rPr>
+              <a:t>(</a:t>
+            </a:r>
+            <a:r>
+              <a:rPr lang="en-US" sz="1600" dirty="0" err="1">
+                <a:latin typeface="Consolas" panose="020B0609020204030204" pitchFamily="49" charset="0"/>
+              </a:rPr>
+              <a:t>badswap</a:t>
+            </a:r>
+            <a:r>
+              <a:rPr lang="en-US" sz="1600" dirty="0">
+                <a:latin typeface="Consolas" panose="020B0609020204030204" pitchFamily="49" charset="0"/>
+              </a:rPr>
+              <a:t> a b) ; works</a:t>
+            </a:r>
+          </a:p>
+          <a:p>
+            <a:pPr marL="0" indent="0">
+              <a:buNone/>
+            </a:pPr>
+            <a:r>
+              <a:rPr lang="en-US" sz="1600" dirty="0">
+                <a:latin typeface="Consolas" panose="020B0609020204030204" pitchFamily="49" charset="0"/>
+              </a:rPr>
+              <a:t>(define q 3)</a:t>
+            </a:r>
+          </a:p>
+          <a:p>
+            <a:pPr marL="0" indent="0">
+              <a:buNone/>
+            </a:pPr>
+            <a:r>
+              <a:rPr lang="en-US" sz="1600" dirty="0">
+                <a:latin typeface="Consolas" panose="020B0609020204030204" pitchFamily="49" charset="0"/>
+              </a:rPr>
+              <a:t>(define </a:t>
+            </a:r>
+            <a:r>
+              <a:rPr lang="en-US" sz="1600" dirty="0" err="1">
+                <a:latin typeface="Consolas" panose="020B0609020204030204" pitchFamily="49" charset="0"/>
+              </a:rPr>
+              <a:t>tmp</a:t>
+            </a:r>
+            <a:r>
+              <a:rPr lang="en-US" sz="1600" dirty="0">
+                <a:latin typeface="Consolas" panose="020B0609020204030204" pitchFamily="49" charset="0"/>
+              </a:rPr>
+              <a:t> 99)</a:t>
+            </a:r>
+          </a:p>
+          <a:p>
+            <a:pPr marL="0" indent="0">
+              <a:buNone/>
+            </a:pPr>
+            <a:r>
+              <a:rPr lang="en-US" sz="1600" dirty="0">
+                <a:latin typeface="Consolas" panose="020B0609020204030204" pitchFamily="49" charset="0"/>
+              </a:rPr>
+              <a:t>(</a:t>
+            </a:r>
+            <a:r>
+              <a:rPr lang="en-US" sz="1600" dirty="0" err="1">
+                <a:latin typeface="Consolas" panose="020B0609020204030204" pitchFamily="49" charset="0"/>
+              </a:rPr>
+              <a:t>badswap</a:t>
+            </a:r>
+            <a:r>
+              <a:rPr lang="en-US" sz="1600" dirty="0">
+                <a:latin typeface="Consolas" panose="020B0609020204030204" pitchFamily="49" charset="0"/>
+              </a:rPr>
+              <a:t> q </a:t>
+            </a:r>
+            <a:r>
+              <a:rPr lang="en-US" sz="1600" dirty="0" err="1">
+                <a:latin typeface="Consolas" panose="020B0609020204030204" pitchFamily="49" charset="0"/>
+              </a:rPr>
+              <a:t>tmp</a:t>
+            </a:r>
+            <a:r>
+              <a:rPr lang="en-US" sz="1600" dirty="0">
+                <a:latin typeface="Consolas" panose="020B0609020204030204" pitchFamily="49" charset="0"/>
+              </a:rPr>
+              <a:t>) ; variables are not swapped</a:t>
+            </a:r>
           </a:p>
         </p:txBody>
       </p:sp>
     </p:spTree>
     <p:extLst>
       <p:ext uri="{BB962C8B-B14F-4D97-AF65-F5344CB8AC3E}">
-        <p14:creationId xmlns:p14="http://schemas.microsoft.com/office/powerpoint/2010/main" val="898275119"/>
+        <p14:creationId xmlns:p14="http://schemas.microsoft.com/office/powerpoint/2010/main" val="3608643309"/>
       </p:ext>
     </p:extLst>
   </p:cSld>
@@ -7436,23 +8247,6 @@
 </file>
 
 <file path=customXml/item1.xml><?xml version="1.0" encoding="utf-8"?>
-<?mso-contentType ?>
-<FormTemplates xmlns="http://schemas.microsoft.com/sharepoint/v3/contenttype/forms">
-  <Display>DocumentLibraryForm</Display>
-  <Edit>DocumentLibraryForm</Edit>
-  <New>DocumentLibraryForm</New>
-</FormTemplates>
-</file>
-
-<file path=customXml/item2.xml><?xml version="1.0" encoding="utf-8"?>
-<p:properties xmlns:p="http://schemas.microsoft.com/office/2006/metadata/properties" xmlns:xsi="http://www.w3.org/2001/XMLSchema-instance" xmlns:pc="http://schemas.microsoft.com/office/infopath/2007/PartnerControls">
-  <documentManagement>
-    <_activity xmlns="5f5b6d61-0e5f-41fd-8596-a1256f5a83b0" xsi:nil="true"/>
-  </documentManagement>
-</p:properties>
-</file>
-
-<file path=customXml/item3.xml><?xml version="1.0" encoding="utf-8"?>
 <ct:contentTypeSchema xmlns:ct="http://schemas.microsoft.com/office/2006/metadata/contentType" xmlns:ma="http://schemas.microsoft.com/office/2006/metadata/properties/metaAttributes" ct:_="" ma:_="" ma:contentTypeName="Document" ma:contentTypeID="0x01010059CE426D428CEF499B332ADC3ADB3636" ma:contentTypeVersion="15" ma:contentTypeDescription="Create a new document." ma:contentTypeScope="" ma:versionID="33e6dfaf1a47dca333a7629626a3e18d">
   <xsd:schema xmlns:xsd="http://www.w3.org/2001/XMLSchema" xmlns:xs="http://www.w3.org/2001/XMLSchema" xmlns:p="http://schemas.microsoft.com/office/2006/metadata/properties" xmlns:ns3="5f5b6d61-0e5f-41fd-8596-a1256f5a83b0" xmlns:ns4="f0b9717a-2b57-40f9-a089-7ad30d640f15" targetNamespace="http://schemas.microsoft.com/office/2006/metadata/properties" ma:root="true" ma:fieldsID="9fc19125a57afee62d33e895960898df" ns3:_="" ns4:_="">
     <xsd:import namespace="5f5b6d61-0e5f-41fd-8596-a1256f5a83b0"/>
@@ -7687,10 +8481,38 @@
 </ct:contentTypeSchema>
 </file>
 
+<file path=customXml/item2.xml><?xml version="1.0" encoding="utf-8"?>
+<p:properties xmlns:p="http://schemas.microsoft.com/office/2006/metadata/properties" xmlns:xsi="http://www.w3.org/2001/XMLSchema-instance" xmlns:pc="http://schemas.microsoft.com/office/infopath/2007/PartnerControls">
+  <documentManagement>
+    <_activity xmlns="5f5b6d61-0e5f-41fd-8596-a1256f5a83b0" xsi:nil="true"/>
+  </documentManagement>
+</p:properties>
+</file>
+
+<file path=customXml/item3.xml><?xml version="1.0" encoding="utf-8"?>
+<?mso-contentType ?>
+<FormTemplates xmlns="http://schemas.microsoft.com/sharepoint/v3/contenttype/forms">
+  <Display>DocumentLibraryForm</Display>
+  <Edit>DocumentLibraryForm</Edit>
+  <New>DocumentLibraryForm</New>
+</FormTemplates>
+</file>
+
 <file path=customXml/itemProps1.xml><?xml version="1.0" encoding="utf-8"?>
-<ds:datastoreItem xmlns:ds="http://schemas.openxmlformats.org/officeDocument/2006/customXml" ds:itemID="{C23C1880-AA5B-4CD9-A675-31266D1AC92A}">
+<ds:datastoreItem xmlns:ds="http://schemas.openxmlformats.org/officeDocument/2006/customXml" ds:itemID="{E4B1A154-5096-4F87-8B15-AA00FED7786E}">
   <ds:schemaRefs>
-    <ds:schemaRef ds:uri="http://schemas.microsoft.com/sharepoint/v3/contenttype/forms"/>
+    <ds:schemaRef ds:uri="http://schemas.microsoft.com/office/2006/metadata/contentType"/>
+    <ds:schemaRef ds:uri="http://schemas.microsoft.com/office/2006/metadata/properties/metaAttributes"/>
+    <ds:schemaRef ds:uri="http://www.w3.org/2001/XMLSchema"/>
+    <ds:schemaRef ds:uri="http://schemas.microsoft.com/office/2006/metadata/properties"/>
+    <ds:schemaRef ds:uri="5f5b6d61-0e5f-41fd-8596-a1256f5a83b0"/>
+    <ds:schemaRef ds:uri="f0b9717a-2b57-40f9-a089-7ad30d640f15"/>
+    <ds:schemaRef ds:uri="http://schemas.microsoft.com/office/2006/documentManagement/types"/>
+    <ds:schemaRef ds:uri="http://schemas.microsoft.com/office/infopath/2007/PartnerControls"/>
+    <ds:schemaRef ds:uri="http://schemas.openxmlformats.org/package/2006/metadata/core-properties"/>
+    <ds:schemaRef ds:uri="http://purl.org/dc/elements/1.1/"/>
+    <ds:schemaRef ds:uri="http://purl.org/dc/terms/"/>
+    <ds:schemaRef ds:uri="http://schemas.microsoft.com/internal/obd"/>
   </ds:schemaRefs>
 </ds:datastoreItem>
 </file>
@@ -7713,20 +8535,9 @@
 </file>
 
 <file path=customXml/itemProps3.xml><?xml version="1.0" encoding="utf-8"?>
-<ds:datastoreItem xmlns:ds="http://schemas.openxmlformats.org/officeDocument/2006/customXml" ds:itemID="{E4B1A154-5096-4F87-8B15-AA00FED7786E}">
+<ds:datastoreItem xmlns:ds="http://schemas.openxmlformats.org/officeDocument/2006/customXml" ds:itemID="{C23C1880-AA5B-4CD9-A675-31266D1AC92A}">
   <ds:schemaRefs>
-    <ds:schemaRef ds:uri="http://schemas.microsoft.com/office/2006/metadata/contentType"/>
-    <ds:schemaRef ds:uri="http://schemas.microsoft.com/office/2006/metadata/properties/metaAttributes"/>
-    <ds:schemaRef ds:uri="http://www.w3.org/2001/XMLSchema"/>
-    <ds:schemaRef ds:uri="http://schemas.microsoft.com/office/2006/metadata/properties"/>
-    <ds:schemaRef ds:uri="5f5b6d61-0e5f-41fd-8596-a1256f5a83b0"/>
-    <ds:schemaRef ds:uri="f0b9717a-2b57-40f9-a089-7ad30d640f15"/>
-    <ds:schemaRef ds:uri="http://schemas.microsoft.com/office/2006/documentManagement/types"/>
-    <ds:schemaRef ds:uri="http://schemas.microsoft.com/office/infopath/2007/PartnerControls"/>
-    <ds:schemaRef ds:uri="http://schemas.openxmlformats.org/package/2006/metadata/core-properties"/>
-    <ds:schemaRef ds:uri="http://purl.org/dc/elements/1.1/"/>
-    <ds:schemaRef ds:uri="http://purl.org/dc/terms/"/>
-    <ds:schemaRef ds:uri="http://schemas.microsoft.com/internal/obd"/>
+    <ds:schemaRef ds:uri="http://schemas.microsoft.com/sharepoint/v3/contenttype/forms"/>
   </ds:schemaRefs>
 </ds:datastoreItem>
 </file>